--- a/slides/Unit 2 - LC 101 - Class 2.pptx
+++ b/slides/Unit 2 - LC 101 - Class 2.pptx
@@ -5,7 +5,7 @@
     <p:sldMasterId id="2147483659" r:id="rId1"/>
   </p:sldMasterIdLst>
   <p:notesMasterIdLst>
-    <p:notesMasterId r:id="rId17"/>
+    <p:notesMasterId r:id="rId19"/>
   </p:notesMasterIdLst>
   <p:sldIdLst>
     <p:sldId id="270" r:id="rId2"/>
@@ -18,11 +18,13 @@
     <p:sldId id="260" r:id="rId9"/>
     <p:sldId id="272" r:id="rId10"/>
     <p:sldId id="261" r:id="rId11"/>
-    <p:sldId id="262" r:id="rId12"/>
-    <p:sldId id="263" r:id="rId13"/>
-    <p:sldId id="264" r:id="rId14"/>
-    <p:sldId id="265" r:id="rId15"/>
-    <p:sldId id="266" r:id="rId16"/>
+    <p:sldId id="273" r:id="rId12"/>
+    <p:sldId id="262" r:id="rId13"/>
+    <p:sldId id="263" r:id="rId14"/>
+    <p:sldId id="264" r:id="rId15"/>
+    <p:sldId id="274" r:id="rId16"/>
+    <p:sldId id="265" r:id="rId17"/>
+    <p:sldId id="266" r:id="rId18"/>
   </p:sldIdLst>
   <p:sldSz cx="9144000" cy="5143500" type="screen16x9"/>
   <p:notesSz cx="6858000" cy="9144000"/>
@@ -7226,14 +7228,14 @@
               <a:buChar char="●"/>
             </a:pPr>
             <a:r>
-              <a:rPr lang="en" sz="2400">
+              <a:rPr lang="en" sz="2400" dirty="0">
                 <a:solidFill>
                   <a:schemeClr val="dk1"/>
                 </a:solidFill>
               </a:rPr>
               <a:t>&lt;style type="text/css"&gt;</a:t>
             </a:r>
-            <a:endParaRPr sz="2400">
+            <a:endParaRPr sz="2400" dirty="0">
               <a:solidFill>
                 <a:schemeClr val="dk1"/>
               </a:solidFill>
@@ -7253,14 +7255,14 @@
               <a:buNone/>
             </a:pPr>
             <a:r>
-              <a:rPr lang="en" sz="2400">
+              <a:rPr lang="en" sz="2400" dirty="0">
                 <a:solidFill>
                   <a:schemeClr val="dk1"/>
                 </a:solidFill>
               </a:rPr>
               <a:t>	p {</a:t>
             </a:r>
-            <a:endParaRPr sz="2400">
+            <a:endParaRPr sz="2400" dirty="0">
               <a:solidFill>
                 <a:schemeClr val="dk1"/>
               </a:solidFill>
@@ -7280,14 +7282,14 @@
               <a:buNone/>
             </a:pPr>
             <a:r>
-              <a:rPr lang="en" sz="2400">
+              <a:rPr lang="en" sz="2400" dirty="0">
                 <a:solidFill>
                   <a:schemeClr val="dk1"/>
                 </a:solidFill>
               </a:rPr>
               <a:t>		color: red;</a:t>
             </a:r>
-            <a:endParaRPr sz="2400">
+            <a:endParaRPr sz="2400" dirty="0">
               <a:solidFill>
                 <a:schemeClr val="dk1"/>
               </a:solidFill>
@@ -7307,14 +7309,14 @@
               <a:buNone/>
             </a:pPr>
             <a:r>
-              <a:rPr lang="en" sz="2400">
+              <a:rPr lang="en" sz="2400" dirty="0">
                 <a:solidFill>
                   <a:schemeClr val="dk1"/>
                 </a:solidFill>
               </a:rPr>
               <a:t>}</a:t>
             </a:r>
-            <a:endParaRPr sz="2400">
+            <a:endParaRPr sz="2400" dirty="0">
               <a:solidFill>
                 <a:schemeClr val="dk1"/>
               </a:solidFill>
@@ -7334,14 +7336,14 @@
               <a:buNone/>
             </a:pPr>
             <a:r>
-              <a:rPr lang="en" sz="2400">
+              <a:rPr lang="en" sz="2400" dirty="0">
                 <a:solidFill>
                   <a:schemeClr val="dk1"/>
                 </a:solidFill>
               </a:rPr>
               <a:t>&lt;/style&gt;</a:t>
             </a:r>
-            <a:endParaRPr sz="2400">
+            <a:endParaRPr sz="2400" dirty="0">
               <a:solidFill>
                 <a:schemeClr val="dk1"/>
               </a:solidFill>
@@ -7360,7 +7362,7 @@
               </a:spcAft>
               <a:buNone/>
             </a:pPr>
-            <a:endParaRPr sz="2400">
+            <a:endParaRPr sz="2400" dirty="0">
               <a:solidFill>
                 <a:schemeClr val="dk1"/>
               </a:solidFill>
@@ -7384,14 +7386,14 @@
               <a:buChar char="●"/>
             </a:pPr>
             <a:r>
-              <a:rPr lang="en" sz="2400">
+              <a:rPr lang="en" sz="2400" dirty="0">
                 <a:solidFill>
                   <a:schemeClr val="dk1"/>
                 </a:solidFill>
               </a:rPr>
               <a:t>External style sheet</a:t>
             </a:r>
-            <a:endParaRPr sz="2400">
+            <a:endParaRPr sz="2400" dirty="0">
               <a:solidFill>
                 <a:schemeClr val="dk1"/>
               </a:solidFill>
@@ -7415,14 +7417,14 @@
               <a:buChar char="○"/>
             </a:pPr>
             <a:r>
-              <a:rPr lang="en" sz="2400">
+              <a:rPr lang="en" sz="2400" dirty="0">
                 <a:solidFill>
                   <a:schemeClr val="dk1"/>
                 </a:solidFill>
               </a:rPr>
               <a:t>Basic-styles.css</a:t>
             </a:r>
-            <a:endParaRPr sz="2400">
+            <a:endParaRPr sz="2400" dirty="0">
               <a:solidFill>
                 <a:schemeClr val="dk1"/>
               </a:solidFill>
@@ -7446,7 +7448,7 @@
               <a:buChar char="○"/>
             </a:pPr>
             <a:r>
-              <a:rPr lang="en" sz="2400">
+              <a:rPr lang="en" sz="2400" dirty="0">
                 <a:solidFill>
                   <a:schemeClr val="dk1"/>
                 </a:solidFill>
@@ -7454,7 +7456,7 @@
               <a:t>contents would be </a:t>
             </a:r>
             <a:r>
-              <a:rPr lang="en" sz="2400" u="sng">
+              <a:rPr lang="en" sz="2400" u="sng" dirty="0">
                 <a:solidFill>
                   <a:schemeClr val="dk1"/>
                 </a:solidFill>
@@ -7462,14 +7464,14 @@
               <a:t>selectors</a:t>
             </a:r>
             <a:r>
-              <a:rPr lang="en" sz="2400">
+              <a:rPr lang="en" sz="2400" dirty="0">
                 <a:solidFill>
                   <a:schemeClr val="dk1"/>
                 </a:solidFill>
               </a:rPr>
               <a:t> and css rules</a:t>
             </a:r>
-            <a:endParaRPr sz="2400">
+            <a:endParaRPr sz="2400" dirty="0">
               <a:solidFill>
                 <a:schemeClr val="dk1"/>
               </a:solidFill>
@@ -7488,7 +7490,7 @@
               </a:spcAft>
               <a:buNone/>
             </a:pPr>
-            <a:endParaRPr sz="2400">
+            <a:endParaRPr sz="2400" dirty="0">
               <a:solidFill>
                 <a:srgbClr val="FFFFFF"/>
               </a:solidFill>
@@ -7507,7 +7509,7 @@
               </a:spcAft>
               <a:buNone/>
             </a:pPr>
-            <a:endParaRPr sz="2400">
+            <a:endParaRPr sz="2400" dirty="0">
               <a:solidFill>
                 <a:schemeClr val="dk1"/>
               </a:solidFill>
@@ -7526,7 +7528,7 @@
               </a:spcAft>
               <a:buNone/>
             </a:pPr>
-            <a:endParaRPr sz="2200">
+            <a:endParaRPr sz="2200" dirty="0">
               <a:solidFill>
                 <a:srgbClr val="FFFFFF"/>
               </a:solidFill>
@@ -7545,7 +7547,7 @@
               </a:spcAft>
               <a:buNone/>
             </a:pPr>
-            <a:endParaRPr sz="2200">
+            <a:endParaRPr sz="2200" dirty="0">
               <a:solidFill>
                 <a:srgbClr val="FFFFFF"/>
               </a:solidFill>
@@ -7564,7 +7566,7 @@
               </a:spcAft>
               <a:buNone/>
             </a:pPr>
-            <a:endParaRPr sz="2400">
+            <a:endParaRPr sz="2400" dirty="0">
               <a:solidFill>
                 <a:srgbClr val="FFFFFF"/>
               </a:solidFill>
@@ -7580,7 +7582,7 @@
               </a:spcAft>
               <a:buNone/>
             </a:pPr>
-            <a:endParaRPr sz="2400">
+            <a:endParaRPr sz="2400" dirty="0">
               <a:solidFill>
                 <a:srgbClr val="FFFFFF"/>
               </a:solidFill>
@@ -8542,6 +8544,64 @@
 </file>
 
 <file path=ppt/slides/slide11.xml><?xml version="1.0" encoding="utf-8"?>
+<p:sld xmlns:a="http://schemas.openxmlformats.org/drawingml/2006/main" xmlns:r="http://schemas.openxmlformats.org/officeDocument/2006/relationships" xmlns:p="http://schemas.openxmlformats.org/presentationml/2006/main">
+  <p:cSld>
+    <p:spTree>
+      <p:nvGrpSpPr>
+        <p:cNvPr id="1" name=""/>
+        <p:cNvGrpSpPr/>
+        <p:nvPr/>
+      </p:nvGrpSpPr>
+      <p:grpSpPr>
+        <a:xfrm>
+          <a:off x="0" y="0"/>
+          <a:ext cx="0" cy="0"/>
+          <a:chOff x="0" y="0"/>
+          <a:chExt cx="0" cy="0"/>
+        </a:xfrm>
+      </p:grpSpPr>
+      <p:sp>
+        <p:nvSpPr>
+          <p:cNvPr id="2" name="Title 1">
+            <a:extLst>
+              <a:ext uri="{FF2B5EF4-FFF2-40B4-BE49-F238E27FC236}">
+                <a16:creationId xmlns:a16="http://schemas.microsoft.com/office/drawing/2014/main" id="{52845B50-28E8-4574-9B84-7FF15E0D4F3B}"/>
+              </a:ext>
+            </a:extLst>
+          </p:cNvPr>
+          <p:cNvSpPr>
+            <a:spLocks noGrp="1"/>
+          </p:cNvSpPr>
+          <p:nvPr>
+            <p:ph type="title"/>
+          </p:nvPr>
+        </p:nvSpPr>
+        <p:spPr/>
+        <p:txBody>
+          <a:bodyPr/>
+          <a:lstStyle/>
+          <a:p>
+            <a:r>
+              <a:rPr lang="en-US" dirty="0"/>
+              <a:t>Example</a:t>
+            </a:r>
+          </a:p>
+        </p:txBody>
+      </p:sp>
+    </p:spTree>
+    <p:extLst>
+      <p:ext uri="{BB962C8B-B14F-4D97-AF65-F5344CB8AC3E}">
+        <p14:creationId xmlns:p14="http://schemas.microsoft.com/office/powerpoint/2010/main" val="3615363358"/>
+      </p:ext>
+    </p:extLst>
+  </p:cSld>
+  <p:clrMapOvr>
+    <a:masterClrMapping/>
+  </p:clrMapOvr>
+</p:sld>
+</file>
+
+<file path=ppt/slides/slide12.xml><?xml version="1.0" encoding="utf-8"?>
 <p:sld xmlns:a="http://schemas.openxmlformats.org/drawingml/2006/main" xmlns:r="http://schemas.openxmlformats.org/officeDocument/2006/relationships" xmlns:p="http://schemas.openxmlformats.org/presentationml/2006/main">
   <p:cSld>
     <p:spTree>
@@ -9601,7 +9661,7 @@
 </p:sld>
 </file>
 
-<file path=ppt/slides/slide12.xml><?xml version="1.0" encoding="utf-8"?>
+<file path=ppt/slides/slide13.xml><?xml version="1.0" encoding="utf-8"?>
 <p:sld xmlns:a="http://schemas.openxmlformats.org/drawingml/2006/main" xmlns:r="http://schemas.openxmlformats.org/officeDocument/2006/relationships" xmlns:p="http://schemas.openxmlformats.org/presentationml/2006/main">
   <p:cSld>
     <p:spTree>
@@ -10912,7 +10972,7 @@
 </p:sld>
 </file>
 
-<file path=ppt/slides/slide13.xml><?xml version="1.0" encoding="utf-8"?>
+<file path=ppt/slides/slide14.xml><?xml version="1.0" encoding="utf-8"?>
 <p:sld xmlns:a="http://schemas.openxmlformats.org/drawingml/2006/main" xmlns:r="http://schemas.openxmlformats.org/officeDocument/2006/relationships" xmlns:p="http://schemas.openxmlformats.org/presentationml/2006/main">
   <p:cSld>
     <p:spTree>
@@ -11013,7 +11073,7 @@
               <a:buChar char="●"/>
             </a:pPr>
             <a:r>
-              <a:rPr lang="en" sz="2400">
+              <a:rPr lang="en" sz="2400" dirty="0">
                 <a:solidFill>
                   <a:schemeClr val="dk1"/>
                 </a:solidFill>
@@ -11021,7 +11081,7 @@
               <a:t>Uses the </a:t>
             </a:r>
             <a:r>
-              <a:rPr lang="en" sz="2400" u="sng">
+              <a:rPr lang="en" sz="2400" u="sng" dirty="0">
                 <a:solidFill>
                   <a:schemeClr val="dk1"/>
                 </a:solidFill>
@@ -11029,14 +11089,14 @@
               <a:t>ID attribute</a:t>
             </a:r>
             <a:r>
-              <a:rPr lang="en" sz="2400">
+              <a:rPr lang="en" sz="2400" dirty="0">
                 <a:solidFill>
                   <a:schemeClr val="dk1"/>
                 </a:solidFill>
               </a:rPr>
               <a:t> of an element</a:t>
             </a:r>
-            <a:endParaRPr sz="2400">
+            <a:endParaRPr sz="2400" dirty="0">
               <a:solidFill>
                 <a:schemeClr val="dk1"/>
               </a:solidFill>
@@ -11057,14 +11117,14 @@
               <a:buChar char="●"/>
             </a:pPr>
             <a:r>
-              <a:rPr lang="en" sz="2400">
+              <a:rPr lang="en" sz="2400" dirty="0">
                 <a:solidFill>
                   <a:schemeClr val="dk1"/>
                 </a:solidFill>
               </a:rPr>
               <a:t>&lt;h1 id="main-page-title"&gt;Welcome to LC101&lt;/h1&gt;</a:t>
             </a:r>
-            <a:endParaRPr sz="2400">
+            <a:endParaRPr sz="2400" dirty="0">
               <a:solidFill>
                 <a:schemeClr val="dk1"/>
               </a:solidFill>
@@ -11085,14 +11145,14 @@
               <a:buChar char="○"/>
             </a:pPr>
             <a:r>
-              <a:rPr lang="en" sz="2400">
+              <a:rPr lang="en" sz="2400" dirty="0">
                 <a:solidFill>
                   <a:schemeClr val="dk1"/>
                 </a:solidFill>
               </a:rPr>
               <a:t>There should only be ONE of these on page</a:t>
             </a:r>
-            <a:endParaRPr sz="2400">
+            <a:endParaRPr sz="2400" dirty="0">
               <a:solidFill>
                 <a:schemeClr val="dk1"/>
               </a:solidFill>
@@ -11113,14 +11173,14 @@
               <a:buChar char="○"/>
             </a:pPr>
             <a:r>
-              <a:rPr lang="en" sz="2400">
+              <a:rPr lang="en" sz="2400" dirty="0">
                 <a:solidFill>
                   <a:schemeClr val="dk1"/>
                 </a:solidFill>
               </a:rPr>
               <a:t>Don’t use same ID twice on page!</a:t>
             </a:r>
-            <a:endParaRPr sz="2400">
+            <a:endParaRPr sz="2400" dirty="0">
               <a:solidFill>
                 <a:schemeClr val="dk1"/>
               </a:solidFill>
@@ -11141,14 +11201,14 @@
               <a:buChar char="●"/>
             </a:pPr>
             <a:r>
-              <a:rPr lang="en" sz="2400">
+              <a:rPr lang="en" sz="2400" dirty="0">
                 <a:solidFill>
                   <a:schemeClr val="dk1"/>
                 </a:solidFill>
               </a:rPr>
               <a:t>&lt;style type="text/css"&gt;</a:t>
             </a:r>
-            <a:endParaRPr sz="2400">
+            <a:endParaRPr sz="2400" dirty="0">
               <a:solidFill>
                 <a:schemeClr val="dk1"/>
               </a:solidFill>
@@ -11165,14 +11225,14 @@
               <a:buNone/>
             </a:pPr>
             <a:r>
-              <a:rPr lang="en" sz="2400">
+              <a:rPr lang="en" sz="2400" dirty="0">
                 <a:solidFill>
                   <a:schemeClr val="dk1"/>
                 </a:solidFill>
               </a:rPr>
               <a:t>		#main-page-title {</a:t>
             </a:r>
-            <a:endParaRPr sz="2400">
+            <a:endParaRPr sz="2400" dirty="0">
               <a:solidFill>
                 <a:schemeClr val="dk1"/>
               </a:solidFill>
@@ -11189,14 +11249,14 @@
               <a:buNone/>
             </a:pPr>
             <a:r>
-              <a:rPr lang="en" sz="2400">
+              <a:rPr lang="en" sz="2400" dirty="0">
                 <a:solidFill>
                   <a:schemeClr val="dk1"/>
                 </a:solidFill>
               </a:rPr>
               <a:t>			font-size: 20px;</a:t>
             </a:r>
-            <a:endParaRPr sz="2400">
+            <a:endParaRPr sz="2400" dirty="0">
               <a:solidFill>
                 <a:schemeClr val="dk1"/>
               </a:solidFill>
@@ -11213,14 +11273,14 @@
               <a:buNone/>
             </a:pPr>
             <a:r>
-              <a:rPr lang="en" sz="2400">
+              <a:rPr lang="en" sz="2400" dirty="0">
                 <a:solidFill>
                   <a:schemeClr val="dk1"/>
                 </a:solidFill>
               </a:rPr>
               <a:t>			text-align: center;</a:t>
             </a:r>
-            <a:endParaRPr sz="2400">
+            <a:endParaRPr sz="2400" dirty="0">
               <a:solidFill>
                 <a:schemeClr val="dk1"/>
               </a:solidFill>
@@ -11237,14 +11297,14 @@
               <a:buNone/>
             </a:pPr>
             <a:r>
-              <a:rPr lang="en" sz="2400">
+              <a:rPr lang="en" sz="2400" dirty="0">
                 <a:solidFill>
                   <a:schemeClr val="dk1"/>
                 </a:solidFill>
               </a:rPr>
               <a:t>}</a:t>
             </a:r>
-            <a:endParaRPr sz="2400">
+            <a:endParaRPr sz="2400" dirty="0">
               <a:solidFill>
                 <a:schemeClr val="dk1"/>
               </a:solidFill>
@@ -11261,14 +11321,14 @@
               <a:buNone/>
             </a:pPr>
             <a:r>
-              <a:rPr lang="en" sz="2400">
+              <a:rPr lang="en" sz="2400" dirty="0">
                 <a:solidFill>
                   <a:schemeClr val="dk1"/>
                 </a:solidFill>
               </a:rPr>
               <a:t>&lt;/style&gt;</a:t>
             </a:r>
-            <a:endParaRPr sz="2400">
+            <a:endParaRPr sz="2400" dirty="0">
               <a:solidFill>
                 <a:schemeClr val="dk1"/>
               </a:solidFill>
@@ -11287,7 +11347,7 @@
               </a:spcAft>
               <a:buNone/>
             </a:pPr>
-            <a:endParaRPr sz="2400">
+            <a:endParaRPr sz="2400" dirty="0">
               <a:solidFill>
                 <a:srgbClr val="FFFFFF"/>
               </a:solidFill>
@@ -11306,7 +11366,7 @@
               </a:spcAft>
               <a:buNone/>
             </a:pPr>
-            <a:endParaRPr sz="2400">
+            <a:endParaRPr sz="2400" dirty="0">
               <a:solidFill>
                 <a:schemeClr val="dk1"/>
               </a:solidFill>
@@ -11325,7 +11385,7 @@
               </a:spcAft>
               <a:buNone/>
             </a:pPr>
-            <a:endParaRPr sz="2200">
+            <a:endParaRPr sz="2200" dirty="0">
               <a:solidFill>
                 <a:srgbClr val="FFFFFF"/>
               </a:solidFill>
@@ -11344,7 +11404,7 @@
               </a:spcAft>
               <a:buNone/>
             </a:pPr>
-            <a:endParaRPr sz="2200">
+            <a:endParaRPr sz="2200" dirty="0">
               <a:solidFill>
                 <a:srgbClr val="FFFFFF"/>
               </a:solidFill>
@@ -11363,7 +11423,7 @@
               </a:spcAft>
               <a:buNone/>
             </a:pPr>
-            <a:endParaRPr sz="2400">
+            <a:endParaRPr sz="2400" dirty="0">
               <a:solidFill>
                 <a:srgbClr val="FFFFFF"/>
               </a:solidFill>
@@ -11379,7 +11439,7 @@
               </a:spcAft>
               <a:buNone/>
             </a:pPr>
-            <a:endParaRPr sz="2400">
+            <a:endParaRPr sz="2400" dirty="0">
               <a:solidFill>
                 <a:srgbClr val="FFFFFF"/>
               </a:solidFill>
@@ -12401,7 +12461,65 @@
 </p:sld>
 </file>
 
-<file path=ppt/slides/slide14.xml><?xml version="1.0" encoding="utf-8"?>
+<file path=ppt/slides/slide15.xml><?xml version="1.0" encoding="utf-8"?>
+<p:sld xmlns:a="http://schemas.openxmlformats.org/drawingml/2006/main" xmlns:r="http://schemas.openxmlformats.org/officeDocument/2006/relationships" xmlns:p="http://schemas.openxmlformats.org/presentationml/2006/main">
+  <p:cSld>
+    <p:spTree>
+      <p:nvGrpSpPr>
+        <p:cNvPr id="1" name=""/>
+        <p:cNvGrpSpPr/>
+        <p:nvPr/>
+      </p:nvGrpSpPr>
+      <p:grpSpPr>
+        <a:xfrm>
+          <a:off x="0" y="0"/>
+          <a:ext cx="0" cy="0"/>
+          <a:chOff x="0" y="0"/>
+          <a:chExt cx="0" cy="0"/>
+        </a:xfrm>
+      </p:grpSpPr>
+      <p:sp>
+        <p:nvSpPr>
+          <p:cNvPr id="2" name="Title 1">
+            <a:extLst>
+              <a:ext uri="{FF2B5EF4-FFF2-40B4-BE49-F238E27FC236}">
+                <a16:creationId xmlns:a16="http://schemas.microsoft.com/office/drawing/2014/main" id="{52845B50-28E8-4574-9B84-7FF15E0D4F3B}"/>
+              </a:ext>
+            </a:extLst>
+          </p:cNvPr>
+          <p:cNvSpPr>
+            <a:spLocks noGrp="1"/>
+          </p:cNvSpPr>
+          <p:nvPr>
+            <p:ph type="title"/>
+          </p:nvPr>
+        </p:nvSpPr>
+        <p:spPr/>
+        <p:txBody>
+          <a:bodyPr/>
+          <a:lstStyle/>
+          <a:p>
+            <a:r>
+              <a:rPr lang="en-US" dirty="0"/>
+              <a:t>Example</a:t>
+            </a:r>
+          </a:p>
+        </p:txBody>
+      </p:sp>
+    </p:spTree>
+    <p:extLst>
+      <p:ext uri="{BB962C8B-B14F-4D97-AF65-F5344CB8AC3E}">
+        <p14:creationId xmlns:p14="http://schemas.microsoft.com/office/powerpoint/2010/main" val="1585979267"/>
+      </p:ext>
+    </p:extLst>
+  </p:cSld>
+  <p:clrMapOvr>
+    <a:masterClrMapping/>
+  </p:clrMapOvr>
+</p:sld>
+</file>
+
+<file path=ppt/slides/slide16.xml><?xml version="1.0" encoding="utf-8"?>
 <p:sld xmlns:a="http://schemas.openxmlformats.org/drawingml/2006/main" xmlns:r="http://schemas.openxmlformats.org/officeDocument/2006/relationships" xmlns:p="http://schemas.openxmlformats.org/presentationml/2006/main">
   <p:cSld>
     <p:spTree>
@@ -13381,7 +13499,7 @@
 </p:sld>
 </file>
 
-<file path=ppt/slides/slide15.xml><?xml version="1.0" encoding="utf-8"?>
+<file path=ppt/slides/slide17.xml><?xml version="1.0" encoding="utf-8"?>
 <p:sld xmlns:a="http://schemas.openxmlformats.org/drawingml/2006/main" xmlns:r="http://schemas.openxmlformats.org/officeDocument/2006/relationships" xmlns:p="http://schemas.openxmlformats.org/presentationml/2006/main">
   <p:cSld>
     <p:spTree>

--- a/slides/Unit 2 - LC 101 - Class 2.pptx
+++ b/slides/Unit 2 - LC 101 - Class 2.pptx
@@ -5,7 +5,7 @@
     <p:sldMasterId id="2147483659" r:id="rId1"/>
   </p:sldMasterIdLst>
   <p:notesMasterIdLst>
-    <p:notesMasterId r:id="rId19"/>
+    <p:notesMasterId r:id="rId23"/>
   </p:notesMasterIdLst>
   <p:sldIdLst>
     <p:sldId id="270" r:id="rId2"/>
@@ -19,12 +19,16 @@
     <p:sldId id="272" r:id="rId10"/>
     <p:sldId id="261" r:id="rId11"/>
     <p:sldId id="273" r:id="rId12"/>
-    <p:sldId id="262" r:id="rId13"/>
-    <p:sldId id="263" r:id="rId14"/>
-    <p:sldId id="264" r:id="rId15"/>
-    <p:sldId id="274" r:id="rId16"/>
-    <p:sldId id="265" r:id="rId17"/>
-    <p:sldId id="266" r:id="rId18"/>
+    <p:sldId id="275" r:id="rId13"/>
+    <p:sldId id="262" r:id="rId14"/>
+    <p:sldId id="263" r:id="rId15"/>
+    <p:sldId id="264" r:id="rId16"/>
+    <p:sldId id="274" r:id="rId17"/>
+    <p:sldId id="276" r:id="rId18"/>
+    <p:sldId id="277" r:id="rId19"/>
+    <p:sldId id="265" r:id="rId20"/>
+    <p:sldId id="278" r:id="rId21"/>
+    <p:sldId id="266" r:id="rId22"/>
   </p:sldIdLst>
   <p:sldSz cx="9144000" cy="5143500" type="screen16x9"/>
   <p:notesSz cx="6858000" cy="9144000"/>
@@ -787,16 +791,46 @@
           </a:bodyPr>
           <a:lstStyle/>
           <a:p>
-            <a:pPr marL="0" lvl="0" indent="0" rtl="0">
-              <a:spcBef>
-                <a:spcPts val="0"/>
-              </a:spcBef>
-              <a:spcAft>
-                <a:spcPts val="0"/>
-              </a:spcAft>
-              <a:buNone/>
+            <a:pPr marL="171450" lvl="0" indent="-171450" rtl="0">
+              <a:spcBef>
+                <a:spcPts val="0"/>
+              </a:spcBef>
+              <a:spcAft>
+                <a:spcPts val="0"/>
+              </a:spcAft>
             </a:pPr>
-            <a:endParaRPr/>
+            <a:r>
+              <a:rPr lang="en-US" dirty="0"/>
+              <a:t>Blank Slide to Start</a:t>
+            </a:r>
+          </a:p>
+          <a:p>
+            <a:pPr marL="171450" lvl="0" indent="-171450" rtl="0">
+              <a:spcBef>
+                <a:spcPts val="0"/>
+              </a:spcBef>
+              <a:spcAft>
+                <a:spcPts val="0"/>
+              </a:spcAft>
+            </a:pPr>
+            <a:r>
+              <a:rPr lang="en-US" dirty="0"/>
+              <a:t>Don’t Take Questions until Questions Slide Silly</a:t>
+            </a:r>
+          </a:p>
+          <a:p>
+            <a:pPr marL="171450" lvl="0" indent="-171450" rtl="0">
+              <a:spcBef>
+                <a:spcPts val="0"/>
+              </a:spcBef>
+              <a:spcAft>
+                <a:spcPts val="0"/>
+              </a:spcAft>
+            </a:pPr>
+            <a:r>
+              <a:rPr lang="en-US" dirty="0"/>
+              <a:t>Apologize about the Git lecture and mention that there will be a better example today. </a:t>
+            </a:r>
           </a:p>
         </p:txBody>
       </p:sp>
@@ -814,6 +848,511 @@
 </file>
 
 <file path=ppt/notesSlides/notesSlide10.xml><?xml version="1.0" encoding="utf-8"?>
+<p:notes xmlns:a="http://schemas.openxmlformats.org/drawingml/2006/main" xmlns:r="http://schemas.openxmlformats.org/officeDocument/2006/relationships" xmlns:p="http://schemas.openxmlformats.org/presentationml/2006/main" showMasterSp="0" showMasterPhAnim="0">
+  <p:cSld>
+    <p:spTree>
+      <p:nvGrpSpPr>
+        <p:cNvPr id="1" name="Shape 81"/>
+        <p:cNvGrpSpPr/>
+        <p:nvPr/>
+      </p:nvGrpSpPr>
+      <p:grpSpPr>
+        <a:xfrm>
+          <a:off x="0" y="0"/>
+          <a:ext cx="0" cy="0"/>
+          <a:chOff x="0" y="0"/>
+          <a:chExt cx="0" cy="0"/>
+        </a:xfrm>
+      </p:grpSpPr>
+      <p:sp>
+        <p:nvSpPr>
+          <p:cNvPr id="82" name="Shape 82"/>
+          <p:cNvSpPr>
+            <a:spLocks noGrp="1" noRot="1" noChangeAspect="1"/>
+          </p:cNvSpPr>
+          <p:nvPr>
+            <p:ph type="sldImg" idx="2"/>
+          </p:nvPr>
+        </p:nvSpPr>
+        <p:spPr>
+          <a:xfrm>
+            <a:off x="381000" y="685800"/>
+            <a:ext cx="6096000" cy="3429000"/>
+          </a:xfrm>
+          <a:custGeom>
+            <a:avLst/>
+            <a:gdLst/>
+            <a:ahLst/>
+            <a:cxnLst/>
+            <a:rect l="0" t="0" r="0" b="0"/>
+            <a:pathLst>
+              <a:path w="120000" h="120000" extrusionOk="0">
+                <a:moveTo>
+                  <a:pt x="0" y="0"/>
+                </a:moveTo>
+                <a:lnTo>
+                  <a:pt x="120000" y="0"/>
+                </a:lnTo>
+                <a:lnTo>
+                  <a:pt x="120000" y="120000"/>
+                </a:lnTo>
+                <a:lnTo>
+                  <a:pt x="0" y="120000"/>
+                </a:lnTo>
+                <a:close/>
+              </a:path>
+            </a:pathLst>
+          </a:custGeom>
+        </p:spPr>
+      </p:sp>
+      <p:sp>
+        <p:nvSpPr>
+          <p:cNvPr id="83" name="Shape 83"/>
+          <p:cNvSpPr txBox="1">
+            <a:spLocks noGrp="1"/>
+          </p:cNvSpPr>
+          <p:nvPr>
+            <p:ph type="body" idx="1"/>
+          </p:nvPr>
+        </p:nvSpPr>
+        <p:spPr>
+          <a:xfrm>
+            <a:off x="685800" y="4343400"/>
+            <a:ext cx="5486400" cy="4114800"/>
+          </a:xfrm>
+          <a:prstGeom prst="rect">
+            <a:avLst/>
+          </a:prstGeom>
+        </p:spPr>
+        <p:txBody>
+          <a:bodyPr spcFirstLastPara="1" wrap="square" lIns="91425" tIns="91425" rIns="91425" bIns="91425" anchor="t" anchorCtr="0">
+            <a:noAutofit/>
+          </a:bodyPr>
+          <a:lstStyle/>
+          <a:p>
+            <a:pPr marL="171450" lvl="0" indent="-171450" rtl="0">
+              <a:spcBef>
+                <a:spcPts val="0"/>
+              </a:spcBef>
+              <a:spcAft>
+                <a:spcPts val="0"/>
+              </a:spcAft>
+            </a:pPr>
+            <a:r>
+              <a:rPr lang="en-US" dirty="0"/>
+              <a:t>You can put CSS inline, which we said we want to avoid</a:t>
+            </a:r>
+          </a:p>
+          <a:p>
+            <a:pPr marL="171450" lvl="0" indent="-171450" rtl="0">
+              <a:spcBef>
+                <a:spcPts val="0"/>
+              </a:spcBef>
+              <a:spcAft>
+                <a:spcPts val="0"/>
+              </a:spcAft>
+            </a:pPr>
+            <a:r>
+              <a:rPr lang="en-US" dirty="0"/>
+              <a:t>You can use a style tag and put it directly into your HTML</a:t>
+            </a:r>
+          </a:p>
+          <a:p>
+            <a:pPr marL="171450" lvl="0" indent="-171450" rtl="0">
+              <a:spcBef>
+                <a:spcPts val="0"/>
+              </a:spcBef>
+              <a:spcAft>
+                <a:spcPts val="0"/>
+              </a:spcAft>
+            </a:pPr>
+            <a:r>
+              <a:rPr lang="en-US" dirty="0"/>
+              <a:t>You can use an external style sheet</a:t>
+            </a:r>
+            <a:endParaRPr dirty="0"/>
+          </a:p>
+        </p:txBody>
+      </p:sp>
+    </p:spTree>
+  </p:cSld>
+  <p:clrMapOvr>
+    <a:masterClrMapping/>
+  </p:clrMapOvr>
+</p:notes>
+</file>
+
+<file path=ppt/notesSlides/notesSlide11.xml><?xml version="1.0" encoding="utf-8"?>
+<p:notes xmlns:a="http://schemas.openxmlformats.org/drawingml/2006/main" xmlns:r="http://schemas.openxmlformats.org/officeDocument/2006/relationships" xmlns:p="http://schemas.openxmlformats.org/presentationml/2006/main">
+  <p:cSld>
+    <p:spTree>
+      <p:nvGrpSpPr>
+        <p:cNvPr id="1" name=""/>
+        <p:cNvGrpSpPr/>
+        <p:nvPr/>
+      </p:nvGrpSpPr>
+      <p:grpSpPr>
+        <a:xfrm>
+          <a:off x="0" y="0"/>
+          <a:ext cx="0" cy="0"/>
+          <a:chOff x="0" y="0"/>
+          <a:chExt cx="0" cy="0"/>
+        </a:xfrm>
+      </p:grpSpPr>
+      <p:sp>
+        <p:nvSpPr>
+          <p:cNvPr id="2" name="Slide Image Placeholder 1"/>
+          <p:cNvSpPr>
+            <a:spLocks noGrp="1" noRot="1" noChangeAspect="1"/>
+          </p:cNvSpPr>
+          <p:nvPr>
+            <p:ph type="sldImg"/>
+          </p:nvPr>
+        </p:nvSpPr>
+        <p:spPr>
+          <a:xfrm>
+            <a:off x="381000" y="685800"/>
+            <a:ext cx="6096000" cy="3429000"/>
+          </a:xfrm>
+        </p:spPr>
+      </p:sp>
+      <p:sp>
+        <p:nvSpPr>
+          <p:cNvPr id="3" name="Notes Placeholder 2"/>
+          <p:cNvSpPr>
+            <a:spLocks noGrp="1"/>
+          </p:cNvSpPr>
+          <p:nvPr>
+            <p:ph type="body" idx="1"/>
+          </p:nvPr>
+        </p:nvSpPr>
+        <p:spPr/>
+        <p:txBody>
+          <a:bodyPr/>
+          <a:lstStyle/>
+          <a:p>
+            <a:r>
+              <a:rPr lang="en-US" dirty="0"/>
+              <a:t>cd lc101/class2</a:t>
+            </a:r>
+          </a:p>
+          <a:p>
+            <a:r>
+              <a:rPr lang="en-US" dirty="0"/>
+              <a:t>touch example2.html</a:t>
+            </a:r>
+          </a:p>
+          <a:p>
+            <a:r>
+              <a:rPr lang="en-US" dirty="0"/>
+              <a:t>code .</a:t>
+            </a:r>
+          </a:p>
+          <a:p>
+            <a:r>
+              <a:rPr lang="en-US" dirty="0"/>
+              <a:t>Have them help you write the basic html one more time</a:t>
+            </a:r>
+          </a:p>
+          <a:p>
+            <a:endParaRPr lang="en-US" dirty="0"/>
+          </a:p>
+        </p:txBody>
+      </p:sp>
+    </p:spTree>
+    <p:extLst>
+      <p:ext uri="{BB962C8B-B14F-4D97-AF65-F5344CB8AC3E}">
+        <p14:creationId xmlns:p14="http://schemas.microsoft.com/office/powerpoint/2010/main" val="1182736809"/>
+      </p:ext>
+    </p:extLst>
+  </p:cSld>
+  <p:clrMapOvr>
+    <a:masterClrMapping/>
+  </p:clrMapOvr>
+</p:notes>
+</file>
+
+<file path=ppt/notesSlides/notesSlide12.xml><?xml version="1.0" encoding="utf-8"?>
+<p:notes xmlns:a="http://schemas.openxmlformats.org/drawingml/2006/main" xmlns:r="http://schemas.openxmlformats.org/officeDocument/2006/relationships" xmlns:p="http://schemas.openxmlformats.org/presentationml/2006/main">
+  <p:cSld>
+    <p:spTree>
+      <p:nvGrpSpPr>
+        <p:cNvPr id="1" name=""/>
+        <p:cNvGrpSpPr/>
+        <p:nvPr/>
+      </p:nvGrpSpPr>
+      <p:grpSpPr>
+        <a:xfrm>
+          <a:off x="0" y="0"/>
+          <a:ext cx="0" cy="0"/>
+          <a:chOff x="0" y="0"/>
+          <a:chExt cx="0" cy="0"/>
+        </a:xfrm>
+      </p:grpSpPr>
+      <p:sp>
+        <p:nvSpPr>
+          <p:cNvPr id="2" name="Slide Image Placeholder 1"/>
+          <p:cNvSpPr>
+            <a:spLocks noGrp="1" noRot="1" noChangeAspect="1"/>
+          </p:cNvSpPr>
+          <p:nvPr>
+            <p:ph type="sldImg"/>
+          </p:nvPr>
+        </p:nvSpPr>
+        <p:spPr>
+          <a:xfrm>
+            <a:off x="381000" y="685800"/>
+            <a:ext cx="6096000" cy="3429000"/>
+          </a:xfrm>
+        </p:spPr>
+      </p:sp>
+      <p:sp>
+        <p:nvSpPr>
+          <p:cNvPr id="3" name="Notes Placeholder 2"/>
+          <p:cNvSpPr>
+            <a:spLocks noGrp="1"/>
+          </p:cNvSpPr>
+          <p:nvPr>
+            <p:ph type="body" idx="1"/>
+          </p:nvPr>
+        </p:nvSpPr>
+        <p:spPr/>
+        <p:txBody>
+          <a:bodyPr/>
+          <a:lstStyle/>
+          <a:p>
+            <a:r>
+              <a:rPr lang="en-US" dirty="0"/>
+              <a:t>cd lc101/class2</a:t>
+            </a:r>
+          </a:p>
+          <a:p>
+            <a:r>
+              <a:rPr lang="en-US" dirty="0"/>
+              <a:t>touch example3.html</a:t>
+            </a:r>
+          </a:p>
+          <a:p>
+            <a:r>
+              <a:rPr lang="en-US" dirty="0" err="1"/>
+              <a:t>mkdir</a:t>
+            </a:r>
+            <a:r>
+              <a:rPr lang="en-US" dirty="0"/>
+              <a:t> </a:t>
+            </a:r>
+            <a:r>
+              <a:rPr lang="en-US" dirty="0" err="1"/>
+              <a:t>css</a:t>
+            </a:r>
+            <a:r>
+              <a:rPr lang="en-US" dirty="0"/>
+              <a:t> (we often will organize a </a:t>
+            </a:r>
+            <a:r>
+              <a:rPr lang="en-US" dirty="0" err="1"/>
+              <a:t>css</a:t>
+            </a:r>
+            <a:r>
+              <a:rPr lang="en-US" dirty="0"/>
+              <a:t> </a:t>
+            </a:r>
+            <a:r>
+              <a:rPr lang="en-US" dirty="0" err="1"/>
+              <a:t>dir</a:t>
+            </a:r>
+            <a:r>
+              <a:rPr lang="en-US" dirty="0"/>
+              <a:t> to hold all .</a:t>
+            </a:r>
+            <a:r>
+              <a:rPr lang="en-US" dirty="0" err="1"/>
+              <a:t>css</a:t>
+            </a:r>
+            <a:r>
+              <a:rPr lang="en-US" dirty="0"/>
+              <a:t> files for a project)</a:t>
+            </a:r>
+          </a:p>
+          <a:p>
+            <a:r>
+              <a:rPr lang="en-US" dirty="0"/>
+              <a:t>cd </a:t>
+            </a:r>
+            <a:r>
+              <a:rPr lang="en-US" dirty="0" err="1"/>
+              <a:t>css</a:t>
+            </a:r>
+            <a:endParaRPr lang="en-US" dirty="0"/>
+          </a:p>
+          <a:p>
+            <a:r>
+              <a:rPr lang="en-US" dirty="0"/>
+              <a:t>touch stylesheet1.css</a:t>
+            </a:r>
+          </a:p>
+          <a:p>
+            <a:r>
+              <a:rPr lang="en-US" dirty="0"/>
+              <a:t>code ..</a:t>
+            </a:r>
+          </a:p>
+          <a:p>
+            <a:r>
+              <a:rPr lang="en-US" dirty="0"/>
+              <a:t>.. is short hand for our parent directory</a:t>
+            </a:r>
+          </a:p>
+        </p:txBody>
+      </p:sp>
+    </p:spTree>
+    <p:extLst>
+      <p:ext uri="{BB962C8B-B14F-4D97-AF65-F5344CB8AC3E}">
+        <p14:creationId xmlns:p14="http://schemas.microsoft.com/office/powerpoint/2010/main" val="853901585"/>
+      </p:ext>
+    </p:extLst>
+  </p:cSld>
+  <p:clrMapOvr>
+    <a:masterClrMapping/>
+  </p:clrMapOvr>
+</p:notes>
+</file>
+
+<file path=ppt/notesSlides/notesSlide13.xml><?xml version="1.0" encoding="utf-8"?>
+<p:notes xmlns:a="http://schemas.openxmlformats.org/drawingml/2006/main" xmlns:r="http://schemas.openxmlformats.org/officeDocument/2006/relationships" xmlns:p="http://schemas.openxmlformats.org/presentationml/2006/main" showMasterSp="0" showMasterPhAnim="0">
+  <p:cSld>
+    <p:spTree>
+      <p:nvGrpSpPr>
+        <p:cNvPr id="1" name="Shape 87"/>
+        <p:cNvGrpSpPr/>
+        <p:nvPr/>
+      </p:nvGrpSpPr>
+      <p:grpSpPr>
+        <a:xfrm>
+          <a:off x="0" y="0"/>
+          <a:ext cx="0" cy="0"/>
+          <a:chOff x="0" y="0"/>
+          <a:chExt cx="0" cy="0"/>
+        </a:xfrm>
+      </p:grpSpPr>
+      <p:sp>
+        <p:nvSpPr>
+          <p:cNvPr id="88" name="Shape 88"/>
+          <p:cNvSpPr>
+            <a:spLocks noGrp="1" noRot="1" noChangeAspect="1"/>
+          </p:cNvSpPr>
+          <p:nvPr>
+            <p:ph type="sldImg" idx="2"/>
+          </p:nvPr>
+        </p:nvSpPr>
+        <p:spPr>
+          <a:xfrm>
+            <a:off x="381000" y="685800"/>
+            <a:ext cx="6096000" cy="3429000"/>
+          </a:xfrm>
+          <a:custGeom>
+            <a:avLst/>
+            <a:gdLst/>
+            <a:ahLst/>
+            <a:cxnLst/>
+            <a:rect l="0" t="0" r="0" b="0"/>
+            <a:pathLst>
+              <a:path w="120000" h="120000" extrusionOk="0">
+                <a:moveTo>
+                  <a:pt x="0" y="0"/>
+                </a:moveTo>
+                <a:lnTo>
+                  <a:pt x="120000" y="0"/>
+                </a:lnTo>
+                <a:lnTo>
+                  <a:pt x="120000" y="120000"/>
+                </a:lnTo>
+                <a:lnTo>
+                  <a:pt x="0" y="120000"/>
+                </a:lnTo>
+                <a:close/>
+              </a:path>
+            </a:pathLst>
+          </a:custGeom>
+        </p:spPr>
+      </p:sp>
+      <p:sp>
+        <p:nvSpPr>
+          <p:cNvPr id="89" name="Shape 89"/>
+          <p:cNvSpPr txBox="1">
+            <a:spLocks noGrp="1"/>
+          </p:cNvSpPr>
+          <p:nvPr>
+            <p:ph type="body" idx="1"/>
+          </p:nvPr>
+        </p:nvSpPr>
+        <p:spPr>
+          <a:xfrm>
+            <a:off x="685800" y="4343400"/>
+            <a:ext cx="5486400" cy="4114800"/>
+          </a:xfrm>
+          <a:prstGeom prst="rect">
+            <a:avLst/>
+          </a:prstGeom>
+        </p:spPr>
+        <p:txBody>
+          <a:bodyPr spcFirstLastPara="1" wrap="square" lIns="91425" tIns="91425" rIns="91425" bIns="91425" anchor="t" anchorCtr="0">
+            <a:noAutofit/>
+          </a:bodyPr>
+          <a:lstStyle/>
+          <a:p>
+            <a:pPr marL="171450" lvl="0" indent="-171450" rtl="0">
+              <a:spcBef>
+                <a:spcPts val="0"/>
+              </a:spcBef>
+              <a:spcAft>
+                <a:spcPts val="0"/>
+              </a:spcAft>
+            </a:pPr>
+            <a:r>
+              <a:rPr lang="en-US" dirty="0"/>
+              <a:t>Element means default in the browser</a:t>
+            </a:r>
+          </a:p>
+          <a:p>
+            <a:pPr marL="171450" lvl="0" indent="-171450" rtl="0">
+              <a:spcBef>
+                <a:spcPts val="0"/>
+              </a:spcBef>
+              <a:spcAft>
+                <a:spcPts val="0"/>
+              </a:spcAft>
+            </a:pPr>
+            <a:r>
+              <a:rPr lang="en-US" dirty="0"/>
+              <a:t>Class overrides element and ID overrides class, not as a whole but property by property.</a:t>
+            </a:r>
+          </a:p>
+          <a:p>
+            <a:pPr marL="171450" lvl="0" indent="-171450" rtl="0">
+              <a:spcBef>
+                <a:spcPts val="0"/>
+              </a:spcBef>
+              <a:spcAft>
+                <a:spcPts val="0"/>
+              </a:spcAft>
+            </a:pPr>
+            <a:r>
+              <a:rPr lang="en-US" dirty="0"/>
+              <a:t>We will use an in-depth example later</a:t>
+            </a:r>
+          </a:p>
+        </p:txBody>
+      </p:sp>
+    </p:spTree>
+  </p:cSld>
+  <p:clrMapOvr>
+    <a:masterClrMapping/>
+  </p:clrMapOvr>
+</p:notes>
+</file>
+
+<file path=ppt/notesSlides/notesSlide14.xml><?xml version="1.0" encoding="utf-8"?>
 <p:notes xmlns:a="http://schemas.openxmlformats.org/drawingml/2006/main" xmlns:r="http://schemas.openxmlformats.org/officeDocument/2006/relationships" xmlns:p="http://schemas.openxmlformats.org/presentationml/2006/main" showMasterSp="0" showMasterPhAnim="0">
   <p:cSld>
     <p:spTree>
@@ -896,16 +1435,19 @@
           </a:bodyPr>
           <a:lstStyle/>
           <a:p>
-            <a:pPr marL="0" lvl="0" indent="0" rtl="0">
-              <a:spcBef>
-                <a:spcPts val="0"/>
-              </a:spcBef>
-              <a:spcAft>
-                <a:spcPts val="0"/>
-              </a:spcAft>
-              <a:buNone/>
+            <a:pPr marL="171450" lvl="0" indent="-171450" rtl="0">
+              <a:spcBef>
+                <a:spcPts val="0"/>
+              </a:spcBef>
+              <a:spcAft>
+                <a:spcPts val="0"/>
+              </a:spcAft>
             </a:pPr>
-            <a:endParaRPr/>
+            <a:r>
+              <a:rPr lang="en-US" dirty="0"/>
+              <a:t>We will have an example after we talk about ID</a:t>
+            </a:r>
+            <a:endParaRPr dirty="0"/>
           </a:p>
         </p:txBody>
       </p:sp>
@@ -917,7 +1459,7 @@
 </p:notes>
 </file>
 
-<file path=ppt/notesSlides/notesSlide11.xml><?xml version="1.0" encoding="utf-8"?>
+<file path=ppt/notesSlides/notesSlide15.xml><?xml version="1.0" encoding="utf-8"?>
 <p:notes xmlns:a="http://schemas.openxmlformats.org/drawingml/2006/main" xmlns:r="http://schemas.openxmlformats.org/officeDocument/2006/relationships" xmlns:p="http://schemas.openxmlformats.org/presentationml/2006/main" showMasterSp="0" showMasterPhAnim="0">
   <p:cSld>
     <p:spTree>
@@ -1021,7 +1563,258 @@
 </p:notes>
 </file>
 
-<file path=ppt/notesSlides/notesSlide12.xml><?xml version="1.0" encoding="utf-8"?>
+<file path=ppt/notesSlides/notesSlide16.xml><?xml version="1.0" encoding="utf-8"?>
+<p:notes xmlns:a="http://schemas.openxmlformats.org/drawingml/2006/main" xmlns:r="http://schemas.openxmlformats.org/officeDocument/2006/relationships" xmlns:p="http://schemas.openxmlformats.org/presentationml/2006/main">
+  <p:cSld>
+    <p:spTree>
+      <p:nvGrpSpPr>
+        <p:cNvPr id="1" name=""/>
+        <p:cNvGrpSpPr/>
+        <p:nvPr/>
+      </p:nvGrpSpPr>
+      <p:grpSpPr>
+        <a:xfrm>
+          <a:off x="0" y="0"/>
+          <a:ext cx="0" cy="0"/>
+          <a:chOff x="0" y="0"/>
+          <a:chExt cx="0" cy="0"/>
+        </a:xfrm>
+      </p:grpSpPr>
+      <p:sp>
+        <p:nvSpPr>
+          <p:cNvPr id="2" name="Slide Image Placeholder 1"/>
+          <p:cNvSpPr>
+            <a:spLocks noGrp="1" noRot="1" noChangeAspect="1"/>
+          </p:cNvSpPr>
+          <p:nvPr>
+            <p:ph type="sldImg"/>
+          </p:nvPr>
+        </p:nvSpPr>
+        <p:spPr>
+          <a:xfrm>
+            <a:off x="381000" y="685800"/>
+            <a:ext cx="6096000" cy="3429000"/>
+          </a:xfrm>
+        </p:spPr>
+      </p:sp>
+      <p:sp>
+        <p:nvSpPr>
+          <p:cNvPr id="3" name="Notes Placeholder 2"/>
+          <p:cNvSpPr>
+            <a:spLocks noGrp="1"/>
+          </p:cNvSpPr>
+          <p:nvPr>
+            <p:ph type="body" idx="1"/>
+          </p:nvPr>
+        </p:nvSpPr>
+        <p:spPr/>
+        <p:txBody>
+          <a:bodyPr/>
+          <a:lstStyle/>
+          <a:p>
+            <a:r>
+              <a:rPr lang="en-US" dirty="0"/>
+              <a:t>cd lc101/class2</a:t>
+            </a:r>
+          </a:p>
+          <a:p>
+            <a:r>
+              <a:rPr lang="en-US" dirty="0"/>
+              <a:t>touch example4.html</a:t>
+            </a:r>
+          </a:p>
+          <a:p>
+            <a:r>
+              <a:rPr lang="en-US" dirty="0"/>
+              <a:t>cd </a:t>
+            </a:r>
+            <a:r>
+              <a:rPr lang="en-US" dirty="0" err="1"/>
+              <a:t>css</a:t>
+            </a:r>
+            <a:r>
+              <a:rPr lang="en-US" dirty="0"/>
+              <a:t> </a:t>
+            </a:r>
+          </a:p>
+          <a:p>
+            <a:r>
+              <a:rPr lang="en-US" dirty="0"/>
+              <a:t>touch stylesheet2.css</a:t>
+            </a:r>
+          </a:p>
+          <a:p>
+            <a:r>
+              <a:rPr lang="en-US" dirty="0"/>
+              <a:t>cd ..</a:t>
+            </a:r>
+          </a:p>
+          <a:p>
+            <a:r>
+              <a:rPr lang="en-US" dirty="0"/>
+              <a:t>code .</a:t>
+            </a:r>
+          </a:p>
+        </p:txBody>
+      </p:sp>
+    </p:spTree>
+    <p:extLst>
+      <p:ext uri="{BB962C8B-B14F-4D97-AF65-F5344CB8AC3E}">
+        <p14:creationId xmlns:p14="http://schemas.microsoft.com/office/powerpoint/2010/main" val="1750840817"/>
+      </p:ext>
+    </p:extLst>
+  </p:cSld>
+  <p:clrMapOvr>
+    <a:masterClrMapping/>
+  </p:clrMapOvr>
+</p:notes>
+</file>
+
+<file path=ppt/notesSlides/notesSlide17.xml><?xml version="1.0" encoding="utf-8"?>
+<p:notes xmlns:a="http://schemas.openxmlformats.org/drawingml/2006/main" xmlns:r="http://schemas.openxmlformats.org/officeDocument/2006/relationships" xmlns:p="http://schemas.openxmlformats.org/presentationml/2006/main">
+  <p:cSld>
+    <p:spTree>
+      <p:nvGrpSpPr>
+        <p:cNvPr id="1" name=""/>
+        <p:cNvGrpSpPr/>
+        <p:nvPr/>
+      </p:nvGrpSpPr>
+      <p:grpSpPr>
+        <a:xfrm>
+          <a:off x="0" y="0"/>
+          <a:ext cx="0" cy="0"/>
+          <a:chOff x="0" y="0"/>
+          <a:chExt cx="0" cy="0"/>
+        </a:xfrm>
+      </p:grpSpPr>
+      <p:sp>
+        <p:nvSpPr>
+          <p:cNvPr id="2" name="Slide Image Placeholder 1"/>
+          <p:cNvSpPr>
+            <a:spLocks noGrp="1" noRot="1" noChangeAspect="1"/>
+          </p:cNvSpPr>
+          <p:nvPr>
+            <p:ph type="sldImg"/>
+          </p:nvPr>
+        </p:nvSpPr>
+        <p:spPr>
+          <a:xfrm>
+            <a:off x="381000" y="685800"/>
+            <a:ext cx="6096000" cy="3429000"/>
+          </a:xfrm>
+        </p:spPr>
+      </p:sp>
+      <p:sp>
+        <p:nvSpPr>
+          <p:cNvPr id="3" name="Notes Placeholder 2"/>
+          <p:cNvSpPr>
+            <a:spLocks noGrp="1"/>
+          </p:cNvSpPr>
+          <p:nvPr>
+            <p:ph type="body" idx="1"/>
+          </p:nvPr>
+        </p:nvSpPr>
+        <p:spPr/>
+        <p:txBody>
+          <a:bodyPr/>
+          <a:lstStyle/>
+          <a:p>
+            <a:r>
+              <a:rPr lang="en-US" dirty="0"/>
+              <a:t>Questions before moving on to Git?</a:t>
+            </a:r>
+          </a:p>
+        </p:txBody>
+      </p:sp>
+    </p:spTree>
+    <p:extLst>
+      <p:ext uri="{BB962C8B-B14F-4D97-AF65-F5344CB8AC3E}">
+        <p14:creationId xmlns:p14="http://schemas.microsoft.com/office/powerpoint/2010/main" val="4089543963"/>
+      </p:ext>
+    </p:extLst>
+  </p:cSld>
+  <p:clrMapOvr>
+    <a:masterClrMapping/>
+  </p:clrMapOvr>
+</p:notes>
+</file>
+
+<file path=ppt/notesSlides/notesSlide18.xml><?xml version="1.0" encoding="utf-8"?>
+<p:notes xmlns:a="http://schemas.openxmlformats.org/drawingml/2006/main" xmlns:r="http://schemas.openxmlformats.org/officeDocument/2006/relationships" xmlns:p="http://schemas.openxmlformats.org/presentationml/2006/main">
+  <p:cSld>
+    <p:spTree>
+      <p:nvGrpSpPr>
+        <p:cNvPr id="1" name=""/>
+        <p:cNvGrpSpPr/>
+        <p:nvPr/>
+      </p:nvGrpSpPr>
+      <p:grpSpPr>
+        <a:xfrm>
+          <a:off x="0" y="0"/>
+          <a:ext cx="0" cy="0"/>
+          <a:chOff x="0" y="0"/>
+          <a:chExt cx="0" cy="0"/>
+        </a:xfrm>
+      </p:grpSpPr>
+      <p:sp>
+        <p:nvSpPr>
+          <p:cNvPr id="2" name="Slide Image Placeholder 1"/>
+          <p:cNvSpPr>
+            <a:spLocks noGrp="1" noRot="1" noChangeAspect="1"/>
+          </p:cNvSpPr>
+          <p:nvPr>
+            <p:ph type="sldImg"/>
+          </p:nvPr>
+        </p:nvSpPr>
+        <p:spPr>
+          <a:xfrm>
+            <a:off x="381000" y="685800"/>
+            <a:ext cx="6096000" cy="3429000"/>
+          </a:xfrm>
+        </p:spPr>
+      </p:sp>
+      <p:sp>
+        <p:nvSpPr>
+          <p:cNvPr id="3" name="Notes Placeholder 2"/>
+          <p:cNvSpPr>
+            <a:spLocks noGrp="1"/>
+          </p:cNvSpPr>
+          <p:nvPr>
+            <p:ph type="body" idx="1"/>
+          </p:nvPr>
+        </p:nvSpPr>
+        <p:spPr/>
+        <p:txBody>
+          <a:bodyPr/>
+          <a:lstStyle/>
+          <a:p>
+            <a:r>
+              <a:rPr lang="en-US" dirty="0"/>
+              <a:t>Was so nervous/unorganized last class, that I skipped this example!</a:t>
+            </a:r>
+          </a:p>
+          <a:p>
+            <a:r>
+              <a:rPr lang="en-US" dirty="0"/>
+              <a:t>Local git stuff, then actually clone a couple repos to use for next examples.</a:t>
+            </a:r>
+          </a:p>
+        </p:txBody>
+      </p:sp>
+    </p:spTree>
+    <p:extLst>
+      <p:ext uri="{BB962C8B-B14F-4D97-AF65-F5344CB8AC3E}">
+        <p14:creationId xmlns:p14="http://schemas.microsoft.com/office/powerpoint/2010/main" val="1325096127"/>
+      </p:ext>
+    </p:extLst>
+  </p:cSld>
+  <p:clrMapOvr>
+    <a:masterClrMapping/>
+  </p:clrMapOvr>
+</p:notes>
+</file>
+
+<file path=ppt/notesSlides/notesSlide19.xml><?xml version="1.0" encoding="utf-8"?>
 <p:notes xmlns:a="http://schemas.openxmlformats.org/drawingml/2006/main" xmlns:r="http://schemas.openxmlformats.org/officeDocument/2006/relationships" xmlns:p="http://schemas.openxmlformats.org/presentationml/2006/main" showMasterSp="0" showMasterPhAnim="0">
   <p:cSld>
     <p:spTree>
@@ -1104,120 +1897,29 @@
           </a:bodyPr>
           <a:lstStyle/>
           <a:p>
-            <a:pPr marL="0" lvl="0" indent="0" rtl="0">
-              <a:spcBef>
-                <a:spcPts val="0"/>
-              </a:spcBef>
-              <a:spcAft>
-                <a:spcPts val="0"/>
-              </a:spcAft>
-              <a:buNone/>
+            <a:pPr marL="171450" lvl="0" indent="-171450" rtl="0">
+              <a:spcBef>
+                <a:spcPts val="0"/>
+              </a:spcBef>
+              <a:spcAft>
+                <a:spcPts val="0"/>
+              </a:spcAft>
             </a:pPr>
-            <a:endParaRPr/>
-          </a:p>
-        </p:txBody>
-      </p:sp>
-    </p:spTree>
-  </p:cSld>
-  <p:clrMapOvr>
-    <a:masterClrMapping/>
-  </p:clrMapOvr>
-</p:notes>
-</file>
-
-<file path=ppt/notesSlides/notesSlide13.xml><?xml version="1.0" encoding="utf-8"?>
-<p:notes xmlns:a="http://schemas.openxmlformats.org/drawingml/2006/main" xmlns:r="http://schemas.openxmlformats.org/officeDocument/2006/relationships" xmlns:p="http://schemas.openxmlformats.org/presentationml/2006/main" showMasterSp="0" showMasterPhAnim="0">
-  <p:cSld>
-    <p:spTree>
-      <p:nvGrpSpPr>
-        <p:cNvPr id="1" name="Shape 111"/>
-        <p:cNvGrpSpPr/>
-        <p:nvPr/>
-      </p:nvGrpSpPr>
-      <p:grpSpPr>
-        <a:xfrm>
-          <a:off x="0" y="0"/>
-          <a:ext cx="0" cy="0"/>
-          <a:chOff x="0" y="0"/>
-          <a:chExt cx="0" cy="0"/>
-        </a:xfrm>
-      </p:grpSpPr>
-      <p:sp>
-        <p:nvSpPr>
-          <p:cNvPr id="112" name="Shape 112"/>
-          <p:cNvSpPr>
-            <a:spLocks noGrp="1" noRot="1" noChangeAspect="1"/>
-          </p:cNvSpPr>
-          <p:nvPr>
-            <p:ph type="sldImg" idx="2"/>
-          </p:nvPr>
-        </p:nvSpPr>
-        <p:spPr>
-          <a:xfrm>
-            <a:off x="381000" y="685800"/>
-            <a:ext cx="6096000" cy="3429000"/>
-          </a:xfrm>
-          <a:custGeom>
-            <a:avLst/>
-            <a:gdLst/>
-            <a:ahLst/>
-            <a:cxnLst/>
-            <a:rect l="0" t="0" r="0" b="0"/>
-            <a:pathLst>
-              <a:path w="120000" h="120000" extrusionOk="0">
-                <a:moveTo>
-                  <a:pt x="0" y="0"/>
-                </a:moveTo>
-                <a:lnTo>
-                  <a:pt x="120000" y="0"/>
-                </a:lnTo>
-                <a:lnTo>
-                  <a:pt x="120000" y="120000"/>
-                </a:lnTo>
-                <a:lnTo>
-                  <a:pt x="0" y="120000"/>
-                </a:lnTo>
-                <a:close/>
-              </a:path>
-            </a:pathLst>
-          </a:custGeom>
-        </p:spPr>
-      </p:sp>
-      <p:sp>
-        <p:nvSpPr>
-          <p:cNvPr id="113" name="Shape 113"/>
-          <p:cNvSpPr txBox="1">
-            <a:spLocks noGrp="1"/>
-          </p:cNvSpPr>
-          <p:nvPr>
-            <p:ph type="body" idx="1"/>
-          </p:nvPr>
-        </p:nvSpPr>
-        <p:spPr>
-          <a:xfrm>
-            <a:off x="685800" y="4343400"/>
-            <a:ext cx="5486400" cy="4114800"/>
-          </a:xfrm>
-          <a:prstGeom prst="rect">
-            <a:avLst/>
-          </a:prstGeom>
-        </p:spPr>
-        <p:txBody>
-          <a:bodyPr spcFirstLastPara="1" wrap="square" lIns="91425" tIns="91425" rIns="91425" bIns="91425" anchor="t" anchorCtr="0">
-            <a:noAutofit/>
-          </a:bodyPr>
-          <a:lstStyle/>
-          <a:p>
-            <a:pPr marL="0" lvl="0" indent="0" rtl="0">
-              <a:spcBef>
-                <a:spcPts val="0"/>
-              </a:spcBef>
-              <a:spcAft>
-                <a:spcPts val="0"/>
-              </a:spcAft>
-              <a:buNone/>
+            <a:r>
+              <a:rPr lang="en-US" dirty="0"/>
+              <a:t>We briefly talked about branching when discussing Version Control. I offered a picture.</a:t>
+            </a:r>
+          </a:p>
+          <a:p>
+            <a:pPr marL="171450" lvl="0" indent="-171450" rtl="0">
+              <a:spcBef>
+                <a:spcPts val="0"/>
+              </a:spcBef>
+              <a:spcAft>
+                <a:spcPts val="0"/>
+              </a:spcAft>
             </a:pPr>
-            <a:endParaRPr/>
+            <a:endParaRPr lang="en-US" dirty="0"/>
           </a:p>
         </p:txBody>
       </p:sp>
@@ -1312,16 +2014,19 @@
           </a:bodyPr>
           <a:lstStyle/>
           <a:p>
-            <a:pPr marL="0" lvl="0" indent="0" rtl="0">
-              <a:spcBef>
-                <a:spcPts val="0"/>
-              </a:spcBef>
-              <a:spcAft>
-                <a:spcPts val="0"/>
-              </a:spcAft>
-              <a:buNone/>
+            <a:pPr marL="171450" lvl="0" indent="-171450" rtl="0">
+              <a:spcBef>
+                <a:spcPts val="0"/>
+              </a:spcBef>
+              <a:spcAft>
+                <a:spcPts val="0"/>
+              </a:spcAft>
             </a:pPr>
-            <a:endParaRPr/>
+            <a:r>
+              <a:rPr lang="en-US" dirty="0"/>
+              <a:t>I will be out of town to twerk. </a:t>
+            </a:r>
+            <a:endParaRPr dirty="0"/>
           </a:p>
         </p:txBody>
       </p:sp>
@@ -1338,7 +2043,258 @@
 </p:notes>
 </file>
 
+<file path=ppt/notesSlides/notesSlide20.xml><?xml version="1.0" encoding="utf-8"?>
+<p:notes xmlns:a="http://schemas.openxmlformats.org/drawingml/2006/main" xmlns:r="http://schemas.openxmlformats.org/officeDocument/2006/relationships" xmlns:p="http://schemas.openxmlformats.org/presentationml/2006/main">
+  <p:cSld>
+    <p:spTree>
+      <p:nvGrpSpPr>
+        <p:cNvPr id="1" name=""/>
+        <p:cNvGrpSpPr/>
+        <p:nvPr/>
+      </p:nvGrpSpPr>
+      <p:grpSpPr>
+        <a:xfrm>
+          <a:off x="0" y="0"/>
+          <a:ext cx="0" cy="0"/>
+          <a:chOff x="0" y="0"/>
+          <a:chExt cx="0" cy="0"/>
+        </a:xfrm>
+      </p:grpSpPr>
+      <p:sp>
+        <p:nvSpPr>
+          <p:cNvPr id="2" name="Slide Image Placeholder 1"/>
+          <p:cNvSpPr>
+            <a:spLocks noGrp="1" noRot="1" noChangeAspect="1"/>
+          </p:cNvSpPr>
+          <p:nvPr>
+            <p:ph type="sldImg"/>
+          </p:nvPr>
+        </p:nvSpPr>
+        <p:spPr>
+          <a:xfrm>
+            <a:off x="381000" y="685800"/>
+            <a:ext cx="6096000" cy="3429000"/>
+          </a:xfrm>
+        </p:spPr>
+      </p:sp>
+      <p:sp>
+        <p:nvSpPr>
+          <p:cNvPr id="3" name="Notes Placeholder 2"/>
+          <p:cNvSpPr>
+            <a:spLocks noGrp="1"/>
+          </p:cNvSpPr>
+          <p:nvPr>
+            <p:ph type="body" idx="1"/>
+          </p:nvPr>
+        </p:nvSpPr>
+        <p:spPr/>
+        <p:txBody>
+          <a:bodyPr/>
+          <a:lstStyle/>
+          <a:p>
+            <a:r>
+              <a:rPr lang="en-US" dirty="0" err="1"/>
+              <a:t>Flicklist</a:t>
+            </a:r>
+            <a:r>
+              <a:rPr lang="en-US" dirty="0"/>
+              <a:t> branches to show how </a:t>
+            </a:r>
+            <a:r>
+              <a:rPr lang="en-US"/>
+              <a:t>many branches etc.</a:t>
+            </a:r>
+            <a:endParaRPr lang="en-US" dirty="0"/>
+          </a:p>
+        </p:txBody>
+      </p:sp>
+    </p:spTree>
+    <p:extLst>
+      <p:ext uri="{BB962C8B-B14F-4D97-AF65-F5344CB8AC3E}">
+        <p14:creationId xmlns:p14="http://schemas.microsoft.com/office/powerpoint/2010/main" val="2239111293"/>
+      </p:ext>
+    </p:extLst>
+  </p:cSld>
+  <p:clrMapOvr>
+    <a:masterClrMapping/>
+  </p:clrMapOvr>
+</p:notes>
+</file>
+
+<file path=ppt/notesSlides/notesSlide21.xml><?xml version="1.0" encoding="utf-8"?>
+<p:notes xmlns:a="http://schemas.openxmlformats.org/drawingml/2006/main" xmlns:r="http://schemas.openxmlformats.org/officeDocument/2006/relationships" xmlns:p="http://schemas.openxmlformats.org/presentationml/2006/main" showMasterSp="0" showMasterPhAnim="0">
+  <p:cSld>
+    <p:spTree>
+      <p:nvGrpSpPr>
+        <p:cNvPr id="1" name="Shape 111"/>
+        <p:cNvGrpSpPr/>
+        <p:nvPr/>
+      </p:nvGrpSpPr>
+      <p:grpSpPr>
+        <a:xfrm>
+          <a:off x="0" y="0"/>
+          <a:ext cx="0" cy="0"/>
+          <a:chOff x="0" y="0"/>
+          <a:chExt cx="0" cy="0"/>
+        </a:xfrm>
+      </p:grpSpPr>
+      <p:sp>
+        <p:nvSpPr>
+          <p:cNvPr id="112" name="Shape 112"/>
+          <p:cNvSpPr>
+            <a:spLocks noGrp="1" noRot="1" noChangeAspect="1"/>
+          </p:cNvSpPr>
+          <p:nvPr>
+            <p:ph type="sldImg" idx="2"/>
+          </p:nvPr>
+        </p:nvSpPr>
+        <p:spPr>
+          <a:xfrm>
+            <a:off x="381000" y="685800"/>
+            <a:ext cx="6096000" cy="3429000"/>
+          </a:xfrm>
+          <a:custGeom>
+            <a:avLst/>
+            <a:gdLst/>
+            <a:ahLst/>
+            <a:cxnLst/>
+            <a:rect l="0" t="0" r="0" b="0"/>
+            <a:pathLst>
+              <a:path w="120000" h="120000" extrusionOk="0">
+                <a:moveTo>
+                  <a:pt x="0" y="0"/>
+                </a:moveTo>
+                <a:lnTo>
+                  <a:pt x="120000" y="0"/>
+                </a:lnTo>
+                <a:lnTo>
+                  <a:pt x="120000" y="120000"/>
+                </a:lnTo>
+                <a:lnTo>
+                  <a:pt x="0" y="120000"/>
+                </a:lnTo>
+                <a:close/>
+              </a:path>
+            </a:pathLst>
+          </a:custGeom>
+        </p:spPr>
+      </p:sp>
+      <p:sp>
+        <p:nvSpPr>
+          <p:cNvPr id="113" name="Shape 113"/>
+          <p:cNvSpPr txBox="1">
+            <a:spLocks noGrp="1"/>
+          </p:cNvSpPr>
+          <p:nvPr>
+            <p:ph type="body" idx="1"/>
+          </p:nvPr>
+        </p:nvSpPr>
+        <p:spPr>
+          <a:xfrm>
+            <a:off x="685800" y="4343400"/>
+            <a:ext cx="5486400" cy="4114800"/>
+          </a:xfrm>
+          <a:prstGeom prst="rect">
+            <a:avLst/>
+          </a:prstGeom>
+        </p:spPr>
+        <p:txBody>
+          <a:bodyPr spcFirstLastPara="1" wrap="square" lIns="91425" tIns="91425" rIns="91425" bIns="91425" anchor="t" anchorCtr="0">
+            <a:noAutofit/>
+          </a:bodyPr>
+          <a:lstStyle/>
+          <a:p>
+            <a:pPr marL="0" lvl="0" indent="0" rtl="0">
+              <a:spcBef>
+                <a:spcPts val="0"/>
+              </a:spcBef>
+              <a:spcAft>
+                <a:spcPts val="0"/>
+              </a:spcAft>
+              <a:buNone/>
+            </a:pPr>
+            <a:endParaRPr dirty="0"/>
+          </a:p>
+        </p:txBody>
+      </p:sp>
+    </p:spTree>
+  </p:cSld>
+  <p:clrMapOvr>
+    <a:masterClrMapping/>
+  </p:clrMapOvr>
+</p:notes>
+</file>
+
 <file path=ppt/notesSlides/notesSlide3.xml><?xml version="1.0" encoding="utf-8"?>
+<p:notes xmlns:a="http://schemas.openxmlformats.org/drawingml/2006/main" xmlns:r="http://schemas.openxmlformats.org/officeDocument/2006/relationships" xmlns:p="http://schemas.openxmlformats.org/presentationml/2006/main">
+  <p:cSld>
+    <p:spTree>
+      <p:nvGrpSpPr>
+        <p:cNvPr id="1" name=""/>
+        <p:cNvGrpSpPr/>
+        <p:nvPr/>
+      </p:nvGrpSpPr>
+      <p:grpSpPr>
+        <a:xfrm>
+          <a:off x="0" y="0"/>
+          <a:ext cx="0" cy="0"/>
+          <a:chOff x="0" y="0"/>
+          <a:chExt cx="0" cy="0"/>
+        </a:xfrm>
+      </p:grpSpPr>
+      <p:sp>
+        <p:nvSpPr>
+          <p:cNvPr id="2" name="Slide Image Placeholder 1"/>
+          <p:cNvSpPr>
+            <a:spLocks noGrp="1" noRot="1" noChangeAspect="1"/>
+          </p:cNvSpPr>
+          <p:nvPr>
+            <p:ph type="sldImg"/>
+          </p:nvPr>
+        </p:nvSpPr>
+        <p:spPr>
+          <a:xfrm>
+            <a:off x="381000" y="685800"/>
+            <a:ext cx="6096000" cy="3429000"/>
+          </a:xfrm>
+        </p:spPr>
+      </p:sp>
+      <p:sp>
+        <p:nvSpPr>
+          <p:cNvPr id="3" name="Notes Placeholder 2"/>
+          <p:cNvSpPr>
+            <a:spLocks noGrp="1"/>
+          </p:cNvSpPr>
+          <p:nvPr>
+            <p:ph type="body" idx="1"/>
+          </p:nvPr>
+        </p:nvSpPr>
+        <p:spPr/>
+        <p:txBody>
+          <a:bodyPr/>
+          <a:lstStyle/>
+          <a:p>
+            <a:r>
+              <a:rPr lang="en-US" dirty="0"/>
+              <a:t>Questions? Concerns? Comments about anything? Feedback?</a:t>
+            </a:r>
+          </a:p>
+        </p:txBody>
+      </p:sp>
+    </p:spTree>
+    <p:extLst>
+      <p:ext uri="{BB962C8B-B14F-4D97-AF65-F5344CB8AC3E}">
+        <p14:creationId xmlns:p14="http://schemas.microsoft.com/office/powerpoint/2010/main" val="4022737132"/>
+      </p:ext>
+    </p:extLst>
+  </p:cSld>
+  <p:clrMapOvr>
+    <a:masterClrMapping/>
+  </p:clrMapOvr>
+</p:notes>
+</file>
+
+<file path=ppt/notesSlides/notesSlide4.xml><?xml version="1.0" encoding="utf-8"?>
 <p:notes xmlns:a="http://schemas.openxmlformats.org/drawingml/2006/main" xmlns:r="http://schemas.openxmlformats.org/officeDocument/2006/relationships" xmlns:p="http://schemas.openxmlformats.org/presentationml/2006/main" showMasterSp="0" showMasterPhAnim="0">
   <p:cSld>
     <p:spTree>
@@ -1421,16 +2377,61 @@
           </a:bodyPr>
           <a:lstStyle/>
           <a:p>
-            <a:pPr marL="0" lvl="0" indent="0">
-              <a:spcBef>
-                <a:spcPts val="0"/>
-              </a:spcBef>
-              <a:spcAft>
-                <a:spcPts val="0"/>
-              </a:spcAft>
-              <a:buNone/>
+            <a:pPr marL="171450" lvl="0" indent="-171450">
+              <a:spcBef>
+                <a:spcPts val="0"/>
+              </a:spcBef>
+              <a:spcAft>
+                <a:spcPts val="0"/>
+              </a:spcAft>
             </a:pPr>
-            <a:endParaRPr/>
+            <a:r>
+              <a:rPr lang="en-US" dirty="0"/>
+              <a:t>I will be assuming that you have done the class prep.</a:t>
+            </a:r>
+          </a:p>
+          <a:p>
+            <a:pPr marL="171450" lvl="0" indent="-171450">
+              <a:spcBef>
+                <a:spcPts val="0"/>
+              </a:spcBef>
+              <a:spcAft>
+                <a:spcPts val="0"/>
+              </a:spcAft>
+            </a:pPr>
+            <a:r>
+              <a:rPr lang="en-US" dirty="0"/>
+              <a:t>I will not talk about HTML although I will use it in examples.</a:t>
+            </a:r>
+          </a:p>
+          <a:p>
+            <a:pPr marL="171450" lvl="0" indent="-171450">
+              <a:spcBef>
+                <a:spcPts val="0"/>
+              </a:spcBef>
+              <a:spcAft>
+                <a:spcPts val="0"/>
+              </a:spcAft>
+            </a:pPr>
+            <a:r>
+              <a:rPr lang="en-US" dirty="0"/>
+              <a:t>CSS will have in-depth explanations with examples.</a:t>
+            </a:r>
+          </a:p>
+          <a:p>
+            <a:pPr marL="171450" lvl="0" indent="-171450">
+              <a:spcBef>
+                <a:spcPts val="0"/>
+              </a:spcBef>
+              <a:spcAft>
+                <a:spcPts val="0"/>
+              </a:spcAft>
+            </a:pPr>
+            <a:r>
+              <a:rPr lang="en-US" dirty="0"/>
+              <a:t>We will talk about git in depth again. </a:t>
+            </a:r>
+            <a:endParaRPr dirty="0"/>
           </a:p>
         </p:txBody>
       </p:sp>
@@ -1442,7 +2443,7 @@
 </p:notes>
 </file>
 
-<file path=ppt/notesSlides/notesSlide4.xml><?xml version="1.0" encoding="utf-8"?>
+<file path=ppt/notesSlides/notesSlide5.xml><?xml version="1.0" encoding="utf-8"?>
 <p:notes xmlns:a="http://schemas.openxmlformats.org/drawingml/2006/main" xmlns:r="http://schemas.openxmlformats.org/officeDocument/2006/relationships" xmlns:p="http://schemas.openxmlformats.org/presentationml/2006/main" showMasterSp="0" showMasterPhAnim="0">
   <p:cSld>
     <p:spTree>
@@ -1525,16 +2526,29 @@
           </a:bodyPr>
           <a:lstStyle/>
           <a:p>
-            <a:pPr marL="0" lvl="0" indent="0" rtl="0">
-              <a:spcBef>
-                <a:spcPts val="0"/>
-              </a:spcBef>
-              <a:spcAft>
-                <a:spcPts val="0"/>
-              </a:spcAft>
-              <a:buNone/>
+            <a:pPr marL="171450" lvl="0" indent="-171450" rtl="0">
+              <a:spcBef>
+                <a:spcPts val="0"/>
+              </a:spcBef>
+              <a:spcAft>
+                <a:spcPts val="0"/>
+              </a:spcAft>
             </a:pPr>
-            <a:endParaRPr/>
+            <a:r>
+              <a:rPr lang="en-US" dirty="0"/>
+              <a:t>Cascading: refers to what rules are applied, default vs. class vs. id. We will go more in depth later.</a:t>
+            </a:r>
+          </a:p>
+          <a:p>
+            <a:pPr marL="171450" lvl="0" indent="-171450" rtl="0">
+              <a:spcBef>
+                <a:spcPts val="0"/>
+              </a:spcBef>
+              <a:spcAft>
+                <a:spcPts val="0"/>
+              </a:spcAft>
+            </a:pPr>
+            <a:endParaRPr dirty="0"/>
           </a:p>
         </p:txBody>
       </p:sp>
@@ -1546,7 +2560,7 @@
 </p:notes>
 </file>
 
-<file path=ppt/notesSlides/notesSlide5.xml><?xml version="1.0" encoding="utf-8"?>
+<file path=ppt/notesSlides/notesSlide6.xml><?xml version="1.0" encoding="utf-8"?>
 <p:notes xmlns:a="http://schemas.openxmlformats.org/drawingml/2006/main" xmlns:r="http://schemas.openxmlformats.org/officeDocument/2006/relationships" xmlns:p="http://schemas.openxmlformats.org/presentationml/2006/main" showMasterSp="0" showMasterPhAnim="0">
   <p:cSld>
     <p:spTree>
@@ -1629,16 +2643,19 @@
           </a:bodyPr>
           <a:lstStyle/>
           <a:p>
-            <a:pPr marL="0" lvl="0" indent="0" rtl="0">
-              <a:spcBef>
-                <a:spcPts val="0"/>
-              </a:spcBef>
-              <a:spcAft>
-                <a:spcPts val="0"/>
-              </a:spcAft>
-              <a:buNone/>
+            <a:pPr marL="171450" lvl="0" indent="-171450" rtl="0">
+              <a:spcBef>
+                <a:spcPts val="0"/>
+              </a:spcBef>
+              <a:spcAft>
+                <a:spcPts val="0"/>
+              </a:spcAft>
             </a:pPr>
-            <a:endParaRPr/>
+            <a:r>
+              <a:rPr lang="en-US" dirty="0"/>
+              <a:t>Nothing to add here. </a:t>
+            </a:r>
+            <a:endParaRPr dirty="0"/>
           </a:p>
         </p:txBody>
       </p:sp>
@@ -1650,7 +2667,7 @@
 </p:notes>
 </file>
 
-<file path=ppt/notesSlides/notesSlide6.xml><?xml version="1.0" encoding="utf-8"?>
+<file path=ppt/notesSlides/notesSlide7.xml><?xml version="1.0" encoding="utf-8"?>
 <p:notes xmlns:a="http://schemas.openxmlformats.org/drawingml/2006/main" xmlns:r="http://schemas.openxmlformats.org/officeDocument/2006/relationships" xmlns:p="http://schemas.openxmlformats.org/presentationml/2006/main" showMasterSp="0" showMasterPhAnim="0">
   <p:cSld>
     <p:spTree>
@@ -1733,16 +2750,19 @@
           </a:bodyPr>
           <a:lstStyle/>
           <a:p>
-            <a:pPr marL="0" lvl="0" indent="0" rtl="0">
-              <a:spcBef>
-                <a:spcPts val="0"/>
-              </a:spcBef>
-              <a:spcAft>
-                <a:spcPts val="0"/>
-              </a:spcAft>
-              <a:buNone/>
+            <a:pPr marL="171450" lvl="0" indent="-171450" rtl="0">
+              <a:spcBef>
+                <a:spcPts val="0"/>
+              </a:spcBef>
+              <a:spcAft>
+                <a:spcPts val="0"/>
+              </a:spcAft>
             </a:pPr>
-            <a:endParaRPr/>
+            <a:r>
+              <a:rPr lang="en-US" dirty="0"/>
+              <a:t>Cannot be anything you want. There are pre-defined properties (the words on the left) that you can change. </a:t>
+            </a:r>
+            <a:endParaRPr dirty="0"/>
           </a:p>
         </p:txBody>
       </p:sp>
@@ -1754,7 +2774,7 @@
 </p:notes>
 </file>
 
-<file path=ppt/notesSlides/notesSlide7.xml><?xml version="1.0" encoding="utf-8"?>
+<file path=ppt/notesSlides/notesSlide8.xml><?xml version="1.0" encoding="utf-8"?>
 <p:notes xmlns:a="http://schemas.openxmlformats.org/drawingml/2006/main" xmlns:r="http://schemas.openxmlformats.org/officeDocument/2006/relationships" xmlns:p="http://schemas.openxmlformats.org/presentationml/2006/main" showMasterSp="0" showMasterPhAnim="0">
   <p:cSld>
     <p:spTree>
@@ -1837,16 +2857,19 @@
           </a:bodyPr>
           <a:lstStyle/>
           <a:p>
-            <a:pPr marL="0" lvl="0" indent="0" rtl="0">
-              <a:spcBef>
-                <a:spcPts val="0"/>
-              </a:spcBef>
-              <a:spcAft>
-                <a:spcPts val="0"/>
-              </a:spcAft>
-              <a:buNone/>
+            <a:pPr marL="171450" lvl="0" indent="-171450" rtl="0">
+              <a:spcBef>
+                <a:spcPts val="0"/>
+              </a:spcBef>
+              <a:spcAft>
+                <a:spcPts val="0"/>
+              </a:spcAft>
             </a:pPr>
-            <a:endParaRPr/>
+            <a:r>
+              <a:rPr lang="en-US" dirty="0"/>
+              <a:t>Inline styling.</a:t>
+            </a:r>
+            <a:endParaRPr dirty="0"/>
           </a:p>
         </p:txBody>
       </p:sp>
@@ -1858,12 +2881,12 @@
 </p:notes>
 </file>
 
-<file path=ppt/notesSlides/notesSlide8.xml><?xml version="1.0" encoding="utf-8"?>
-<p:notes xmlns:a="http://schemas.openxmlformats.org/drawingml/2006/main" xmlns:r="http://schemas.openxmlformats.org/officeDocument/2006/relationships" xmlns:p="http://schemas.openxmlformats.org/presentationml/2006/main" showMasterSp="0" showMasterPhAnim="0">
+<file path=ppt/notesSlides/notesSlide9.xml><?xml version="1.0" encoding="utf-8"?>
+<p:notes xmlns:a="http://schemas.openxmlformats.org/drawingml/2006/main" xmlns:r="http://schemas.openxmlformats.org/officeDocument/2006/relationships" xmlns:p="http://schemas.openxmlformats.org/presentationml/2006/main">
   <p:cSld>
     <p:spTree>
       <p:nvGrpSpPr>
-        <p:cNvPr id="1" name="Shape 81"/>
+        <p:cNvPr id="1" name=""/>
         <p:cNvGrpSpPr/>
         <p:nvPr/>
       </p:nvGrpSpPr>
@@ -1877,12 +2900,12 @@
       </p:grpSpPr>
       <p:sp>
         <p:nvSpPr>
-          <p:cNvPr id="82" name="Shape 82"/>
+          <p:cNvPr id="2" name="Slide Image Placeholder 1"/>
           <p:cNvSpPr>
             <a:spLocks noGrp="1" noRot="1" noChangeAspect="1"/>
           </p:cNvSpPr>
           <p:nvPr>
-            <p:ph type="sldImg" idx="2"/>
+            <p:ph type="sldImg"/>
           </p:nvPr>
         </p:nvSpPr>
         <p:spPr>
@@ -1890,175 +2913,87 @@
             <a:off x="381000" y="685800"/>
             <a:ext cx="6096000" cy="3429000"/>
           </a:xfrm>
-          <a:custGeom>
-            <a:avLst/>
-            <a:gdLst/>
-            <a:ahLst/>
-            <a:cxnLst/>
-            <a:rect l="0" t="0" r="0" b="0"/>
-            <a:pathLst>
-              <a:path w="120000" h="120000" extrusionOk="0">
-                <a:moveTo>
-                  <a:pt x="0" y="0"/>
-                </a:moveTo>
-                <a:lnTo>
-                  <a:pt x="120000" y="0"/>
-                </a:lnTo>
-                <a:lnTo>
-                  <a:pt x="120000" y="120000"/>
-                </a:lnTo>
-                <a:lnTo>
-                  <a:pt x="0" y="120000"/>
-                </a:lnTo>
-                <a:close/>
-              </a:path>
-            </a:pathLst>
-          </a:custGeom>
         </p:spPr>
       </p:sp>
       <p:sp>
         <p:nvSpPr>
-          <p:cNvPr id="83" name="Shape 83"/>
-          <p:cNvSpPr txBox="1">
+          <p:cNvPr id="3" name="Notes Placeholder 2"/>
+          <p:cNvSpPr>
             <a:spLocks noGrp="1"/>
           </p:cNvSpPr>
           <p:nvPr>
             <p:ph type="body" idx="1"/>
           </p:nvPr>
         </p:nvSpPr>
-        <p:spPr>
-          <a:xfrm>
-            <a:off x="685800" y="4343400"/>
-            <a:ext cx="5486400" cy="4114800"/>
-          </a:xfrm>
-          <a:prstGeom prst="rect">
-            <a:avLst/>
-          </a:prstGeom>
-        </p:spPr>
+        <p:spPr/>
         <p:txBody>
-          <a:bodyPr spcFirstLastPara="1" wrap="square" lIns="91425" tIns="91425" rIns="91425" bIns="91425" anchor="t" anchorCtr="0">
-            <a:noAutofit/>
-          </a:bodyPr>
+          <a:bodyPr/>
           <a:lstStyle/>
           <a:p>
-            <a:pPr marL="0" lvl="0" indent="0" rtl="0">
-              <a:spcBef>
-                <a:spcPts val="0"/>
-              </a:spcBef>
-              <a:spcAft>
-                <a:spcPts val="0"/>
-              </a:spcAft>
-              <a:buNone/>
-            </a:pPr>
-            <a:endParaRPr/>
+            <a:r>
+              <a:rPr lang="en-US" dirty="0" err="1"/>
+              <a:t>Gitbash</a:t>
+            </a:r>
+            <a:r>
+              <a:rPr lang="en-US" dirty="0"/>
+              <a:t> </a:t>
+            </a:r>
+            <a:r>
+              <a:rPr lang="en-US" dirty="0">
+                <a:sym typeface="Wingdings" panose="05000000000000000000" pitchFamily="2" charset="2"/>
+              </a:rPr>
+              <a:t> cd lc101/class2</a:t>
+            </a:r>
+          </a:p>
+          <a:p>
+            <a:r>
+              <a:rPr lang="en-US" dirty="0">
+                <a:sym typeface="Wingdings" panose="05000000000000000000" pitchFamily="2" charset="2"/>
+              </a:rPr>
+              <a:t>touch example1.html</a:t>
+            </a:r>
+          </a:p>
+          <a:p>
+            <a:r>
+              <a:rPr lang="en-US" dirty="0">
+                <a:sym typeface="Wingdings" panose="05000000000000000000" pitchFamily="2" charset="2"/>
+              </a:rPr>
+              <a:t>code .</a:t>
+            </a:r>
+          </a:p>
+          <a:p>
+            <a:r>
+              <a:rPr lang="en-US" dirty="0">
+                <a:sym typeface="Wingdings" panose="05000000000000000000" pitchFamily="2" charset="2"/>
+              </a:rPr>
+              <a:t>. is shorthand for the current directory</a:t>
+            </a:r>
+          </a:p>
+          <a:p>
+            <a:r>
+              <a:rPr lang="en-US" dirty="0">
+                <a:sym typeface="Wingdings" panose="05000000000000000000" pitchFamily="2" charset="2"/>
+              </a:rPr>
+              <a:t>Explain what you are doing as you work with command line.</a:t>
+            </a:r>
+          </a:p>
+          <a:p>
+            <a:r>
+              <a:rPr lang="en-US" dirty="0">
+                <a:sym typeface="Wingdings" panose="05000000000000000000" pitchFamily="2" charset="2"/>
+              </a:rPr>
+              <a:t>Have students help you write HTML template.</a:t>
+            </a:r>
+            <a:endParaRPr lang="en-US" dirty="0"/>
           </a:p>
         </p:txBody>
       </p:sp>
     </p:spTree>
-  </p:cSld>
-  <p:clrMapOvr>
-    <a:masterClrMapping/>
-  </p:clrMapOvr>
-</p:notes>
-</file>
-
-<file path=ppt/notesSlides/notesSlide9.xml><?xml version="1.0" encoding="utf-8"?>
-<p:notes xmlns:a="http://schemas.openxmlformats.org/drawingml/2006/main" xmlns:r="http://schemas.openxmlformats.org/officeDocument/2006/relationships" xmlns:p="http://schemas.openxmlformats.org/presentationml/2006/main" showMasterSp="0" showMasterPhAnim="0">
-  <p:cSld>
-    <p:spTree>
-      <p:nvGrpSpPr>
-        <p:cNvPr id="1" name="Shape 87"/>
-        <p:cNvGrpSpPr/>
-        <p:nvPr/>
-      </p:nvGrpSpPr>
-      <p:grpSpPr>
-        <a:xfrm>
-          <a:off x="0" y="0"/>
-          <a:ext cx="0" cy="0"/>
-          <a:chOff x="0" y="0"/>
-          <a:chExt cx="0" cy="0"/>
-        </a:xfrm>
-      </p:grpSpPr>
-      <p:sp>
-        <p:nvSpPr>
-          <p:cNvPr id="88" name="Shape 88"/>
-          <p:cNvSpPr>
-            <a:spLocks noGrp="1" noRot="1" noChangeAspect="1"/>
-          </p:cNvSpPr>
-          <p:nvPr>
-            <p:ph type="sldImg" idx="2"/>
-          </p:nvPr>
-        </p:nvSpPr>
-        <p:spPr>
-          <a:xfrm>
-            <a:off x="381000" y="685800"/>
-            <a:ext cx="6096000" cy="3429000"/>
-          </a:xfrm>
-          <a:custGeom>
-            <a:avLst/>
-            <a:gdLst/>
-            <a:ahLst/>
-            <a:cxnLst/>
-            <a:rect l="0" t="0" r="0" b="0"/>
-            <a:pathLst>
-              <a:path w="120000" h="120000" extrusionOk="0">
-                <a:moveTo>
-                  <a:pt x="0" y="0"/>
-                </a:moveTo>
-                <a:lnTo>
-                  <a:pt x="120000" y="0"/>
-                </a:lnTo>
-                <a:lnTo>
-                  <a:pt x="120000" y="120000"/>
-                </a:lnTo>
-                <a:lnTo>
-                  <a:pt x="0" y="120000"/>
-                </a:lnTo>
-                <a:close/>
-              </a:path>
-            </a:pathLst>
-          </a:custGeom>
-        </p:spPr>
-      </p:sp>
-      <p:sp>
-        <p:nvSpPr>
-          <p:cNvPr id="89" name="Shape 89"/>
-          <p:cNvSpPr txBox="1">
-            <a:spLocks noGrp="1"/>
-          </p:cNvSpPr>
-          <p:nvPr>
-            <p:ph type="body" idx="1"/>
-          </p:nvPr>
-        </p:nvSpPr>
-        <p:spPr>
-          <a:xfrm>
-            <a:off x="685800" y="4343400"/>
-            <a:ext cx="5486400" cy="4114800"/>
-          </a:xfrm>
-          <a:prstGeom prst="rect">
-            <a:avLst/>
-          </a:prstGeom>
-        </p:spPr>
-        <p:txBody>
-          <a:bodyPr spcFirstLastPara="1" wrap="square" lIns="91425" tIns="91425" rIns="91425" bIns="91425" anchor="t" anchorCtr="0">
-            <a:noAutofit/>
-          </a:bodyPr>
-          <a:lstStyle/>
-          <a:p>
-            <a:pPr marL="0" lvl="0" indent="0" rtl="0">
-              <a:spcBef>
-                <a:spcPts val="0"/>
-              </a:spcBef>
-              <a:spcAft>
-                <a:spcPts val="0"/>
-              </a:spcAft>
-              <a:buNone/>
-            </a:pPr>
-            <a:endParaRPr/>
-          </a:p>
-        </p:txBody>
-      </p:sp>
-    </p:spTree>
+    <p:extLst>
+      <p:ext uri="{BB962C8B-B14F-4D97-AF65-F5344CB8AC3E}">
+        <p14:creationId xmlns:p14="http://schemas.microsoft.com/office/powerpoint/2010/main" val="570796251"/>
+      </p:ext>
+    </p:extLst>
   </p:cSld>
   <p:clrMapOvr>
     <a:masterClrMapping/>
@@ -8583,7 +9518,7 @@
           <a:p>
             <a:r>
               <a:rPr lang="en-US" dirty="0"/>
-              <a:t>Example</a:t>
+              <a:t>Example using &lt;style&gt; tag</a:t>
             </a:r>
           </a:p>
         </p:txBody>
@@ -8602,6 +9537,72 @@
 </file>
 
 <file path=ppt/slides/slide12.xml><?xml version="1.0" encoding="utf-8"?>
+<p:sld xmlns:a="http://schemas.openxmlformats.org/drawingml/2006/main" xmlns:r="http://schemas.openxmlformats.org/officeDocument/2006/relationships" xmlns:p="http://schemas.openxmlformats.org/presentationml/2006/main">
+  <p:cSld>
+    <p:spTree>
+      <p:nvGrpSpPr>
+        <p:cNvPr id="1" name=""/>
+        <p:cNvGrpSpPr/>
+        <p:nvPr/>
+      </p:nvGrpSpPr>
+      <p:grpSpPr>
+        <a:xfrm>
+          <a:off x="0" y="0"/>
+          <a:ext cx="0" cy="0"/>
+          <a:chOff x="0" y="0"/>
+          <a:chExt cx="0" cy="0"/>
+        </a:xfrm>
+      </p:grpSpPr>
+      <p:sp>
+        <p:nvSpPr>
+          <p:cNvPr id="2" name="Title 1">
+            <a:extLst>
+              <a:ext uri="{FF2B5EF4-FFF2-40B4-BE49-F238E27FC236}">
+                <a16:creationId xmlns:a16="http://schemas.microsoft.com/office/drawing/2014/main" id="{52845B50-28E8-4574-9B84-7FF15E0D4F3B}"/>
+              </a:ext>
+            </a:extLst>
+          </p:cNvPr>
+          <p:cNvSpPr>
+            <a:spLocks noGrp="1"/>
+          </p:cNvSpPr>
+          <p:nvPr>
+            <p:ph type="title"/>
+          </p:nvPr>
+        </p:nvSpPr>
+        <p:spPr/>
+        <p:txBody>
+          <a:bodyPr/>
+          <a:lstStyle/>
+          <a:p>
+            <a:r>
+              <a:rPr lang="en-US" dirty="0"/>
+              <a:t>Example using .</a:t>
+            </a:r>
+            <a:r>
+              <a:rPr lang="en-US" dirty="0" err="1"/>
+              <a:t>css</a:t>
+            </a:r>
+            <a:r>
+              <a:rPr lang="en-US" dirty="0"/>
+              <a:t> file</a:t>
+            </a:r>
+          </a:p>
+        </p:txBody>
+      </p:sp>
+    </p:spTree>
+    <p:extLst>
+      <p:ext uri="{BB962C8B-B14F-4D97-AF65-F5344CB8AC3E}">
+        <p14:creationId xmlns:p14="http://schemas.microsoft.com/office/powerpoint/2010/main" val="3316938494"/>
+      </p:ext>
+    </p:extLst>
+  </p:cSld>
+  <p:clrMapOvr>
+    <a:masterClrMapping/>
+  </p:clrMapOvr>
+</p:sld>
+</file>
+
+<file path=ppt/slides/slide13.xml><?xml version="1.0" encoding="utf-8"?>
 <p:sld xmlns:a="http://schemas.openxmlformats.org/drawingml/2006/main" xmlns:r="http://schemas.openxmlformats.org/officeDocument/2006/relationships" xmlns:p="http://schemas.openxmlformats.org/presentationml/2006/main">
   <p:cSld>
     <p:spTree>
@@ -9661,7 +10662,7 @@
 </p:sld>
 </file>
 
-<file path=ppt/slides/slide13.xml><?xml version="1.0" encoding="utf-8"?>
+<file path=ppt/slides/slide14.xml><?xml version="1.0" encoding="utf-8"?>
 <p:sld xmlns:a="http://schemas.openxmlformats.org/drawingml/2006/main" xmlns:r="http://schemas.openxmlformats.org/officeDocument/2006/relationships" xmlns:p="http://schemas.openxmlformats.org/presentationml/2006/main">
   <p:cSld>
     <p:spTree>
@@ -10972,7 +11973,7 @@
 </p:sld>
 </file>
 
-<file path=ppt/slides/slide14.xml><?xml version="1.0" encoding="utf-8"?>
+<file path=ppt/slides/slide15.xml><?xml version="1.0" encoding="utf-8"?>
 <p:sld xmlns:a="http://schemas.openxmlformats.org/drawingml/2006/main" xmlns:r="http://schemas.openxmlformats.org/officeDocument/2006/relationships" xmlns:p="http://schemas.openxmlformats.org/presentationml/2006/main">
   <p:cSld>
     <p:spTree>
@@ -12461,7 +13462,7 @@
 </p:sld>
 </file>
 
-<file path=ppt/slides/slide15.xml><?xml version="1.0" encoding="utf-8"?>
+<file path=ppt/slides/slide16.xml><?xml version="1.0" encoding="utf-8"?>
 <p:sld xmlns:a="http://schemas.openxmlformats.org/drawingml/2006/main" xmlns:r="http://schemas.openxmlformats.org/officeDocument/2006/relationships" xmlns:p="http://schemas.openxmlformats.org/presentationml/2006/main">
   <p:cSld>
     <p:spTree>
@@ -12501,7 +13502,7 @@
           <a:p>
             <a:r>
               <a:rPr lang="en-US" dirty="0"/>
-              <a:t>Example</a:t>
+              <a:t>Example of Overrides in CSS</a:t>
             </a:r>
           </a:p>
         </p:txBody>
@@ -12519,7 +13520,123 @@
 </p:sld>
 </file>
 
-<file path=ppt/slides/slide16.xml><?xml version="1.0" encoding="utf-8"?>
+<file path=ppt/slides/slide17.xml><?xml version="1.0" encoding="utf-8"?>
+<p:sld xmlns:a="http://schemas.openxmlformats.org/drawingml/2006/main" xmlns:r="http://schemas.openxmlformats.org/officeDocument/2006/relationships" xmlns:p="http://schemas.openxmlformats.org/presentationml/2006/main">
+  <p:cSld>
+    <p:spTree>
+      <p:nvGrpSpPr>
+        <p:cNvPr id="1" name=""/>
+        <p:cNvGrpSpPr/>
+        <p:nvPr/>
+      </p:nvGrpSpPr>
+      <p:grpSpPr>
+        <a:xfrm>
+          <a:off x="0" y="0"/>
+          <a:ext cx="0" cy="0"/>
+          <a:chOff x="0" y="0"/>
+          <a:chExt cx="0" cy="0"/>
+        </a:xfrm>
+      </p:grpSpPr>
+      <p:sp>
+        <p:nvSpPr>
+          <p:cNvPr id="2" name="Title 1">
+            <a:extLst>
+              <a:ext uri="{FF2B5EF4-FFF2-40B4-BE49-F238E27FC236}">
+                <a16:creationId xmlns:a16="http://schemas.microsoft.com/office/drawing/2014/main" id="{52845B50-28E8-4574-9B84-7FF15E0D4F3B}"/>
+              </a:ext>
+            </a:extLst>
+          </p:cNvPr>
+          <p:cNvSpPr>
+            <a:spLocks noGrp="1"/>
+          </p:cNvSpPr>
+          <p:nvPr>
+            <p:ph type="title"/>
+          </p:nvPr>
+        </p:nvSpPr>
+        <p:spPr/>
+        <p:txBody>
+          <a:bodyPr/>
+          <a:lstStyle/>
+          <a:p>
+            <a:r>
+              <a:rPr lang="en-US" dirty="0"/>
+              <a:t>Questions?</a:t>
+            </a:r>
+          </a:p>
+        </p:txBody>
+      </p:sp>
+    </p:spTree>
+    <p:extLst>
+      <p:ext uri="{BB962C8B-B14F-4D97-AF65-F5344CB8AC3E}">
+        <p14:creationId xmlns:p14="http://schemas.microsoft.com/office/powerpoint/2010/main" val="2295779535"/>
+      </p:ext>
+    </p:extLst>
+  </p:cSld>
+  <p:clrMapOvr>
+    <a:masterClrMapping/>
+  </p:clrMapOvr>
+</p:sld>
+</file>
+
+<file path=ppt/slides/slide18.xml><?xml version="1.0" encoding="utf-8"?>
+<p:sld xmlns:a="http://schemas.openxmlformats.org/drawingml/2006/main" xmlns:r="http://schemas.openxmlformats.org/officeDocument/2006/relationships" xmlns:p="http://schemas.openxmlformats.org/presentationml/2006/main">
+  <p:cSld>
+    <p:spTree>
+      <p:nvGrpSpPr>
+        <p:cNvPr id="1" name=""/>
+        <p:cNvGrpSpPr/>
+        <p:nvPr/>
+      </p:nvGrpSpPr>
+      <p:grpSpPr>
+        <a:xfrm>
+          <a:off x="0" y="0"/>
+          <a:ext cx="0" cy="0"/>
+          <a:chOff x="0" y="0"/>
+          <a:chExt cx="0" cy="0"/>
+        </a:xfrm>
+      </p:grpSpPr>
+      <p:sp>
+        <p:nvSpPr>
+          <p:cNvPr id="2" name="Title 1">
+            <a:extLst>
+              <a:ext uri="{FF2B5EF4-FFF2-40B4-BE49-F238E27FC236}">
+                <a16:creationId xmlns:a16="http://schemas.microsoft.com/office/drawing/2014/main" id="{52845B50-28E8-4574-9B84-7FF15E0D4F3B}"/>
+              </a:ext>
+            </a:extLst>
+          </p:cNvPr>
+          <p:cNvSpPr>
+            <a:spLocks noGrp="1"/>
+          </p:cNvSpPr>
+          <p:nvPr>
+            <p:ph type="title"/>
+          </p:nvPr>
+        </p:nvSpPr>
+        <p:spPr/>
+        <p:txBody>
+          <a:bodyPr/>
+          <a:lstStyle/>
+          <a:p>
+            <a:r>
+              <a:rPr lang="en-US" dirty="0"/>
+              <a:t>Example (from last class… oops.)</a:t>
+            </a:r>
+          </a:p>
+        </p:txBody>
+      </p:sp>
+    </p:spTree>
+    <p:extLst>
+      <p:ext uri="{BB962C8B-B14F-4D97-AF65-F5344CB8AC3E}">
+        <p14:creationId xmlns:p14="http://schemas.microsoft.com/office/powerpoint/2010/main" val="2805980927"/>
+      </p:ext>
+    </p:extLst>
+  </p:cSld>
+  <p:clrMapOvr>
+    <a:masterClrMapping/>
+  </p:clrMapOvr>
+</p:sld>
+</file>
+
+<file path=ppt/slides/slide19.xml><?xml version="1.0" encoding="utf-8"?>
 <p:sld xmlns:a="http://schemas.openxmlformats.org/drawingml/2006/main" xmlns:r="http://schemas.openxmlformats.org/officeDocument/2006/relationships" xmlns:p="http://schemas.openxmlformats.org/presentationml/2006/main">
   <p:cSld>
     <p:spTree>
@@ -13460,802 +14577,6 @@
                                           <p:spTgt spid="110">
                                             <p:txEl>
                                               <p:pRg st="9" end="9"/>
-                                            </p:txEl>
-                                          </p:spTgt>
-                                        </p:tgtEl>
-                                      </p:cBhvr>
-                                    </p:animEffect>
-                                  </p:childTnLst>
-                                </p:cTn>
-                              </p:par>
-                            </p:childTnLst>
-                          </p:cTn>
-                        </p:par>
-                      </p:childTnLst>
-                    </p:cTn>
-                  </p:par>
-                </p:childTnLst>
-              </p:cTn>
-              <p:prevCondLst>
-                <p:cond evt="onPrev" delay="0">
-                  <p:tgtEl>
-                    <p:sldTgt/>
-                  </p:tgtEl>
-                </p:cond>
-              </p:prevCondLst>
-              <p:nextCondLst>
-                <p:cond evt="onNext" delay="0">
-                  <p:tgtEl>
-                    <p:sldTgt/>
-                  </p:tgtEl>
-                </p:cond>
-              </p:nextCondLst>
-            </p:seq>
-          </p:childTnLst>
-        </p:cTn>
-      </p:par>
-    </p:tnLst>
-  </p:timing>
-</p:sld>
-</file>
-
-<file path=ppt/slides/slide17.xml><?xml version="1.0" encoding="utf-8"?>
-<p:sld xmlns:a="http://schemas.openxmlformats.org/drawingml/2006/main" xmlns:r="http://schemas.openxmlformats.org/officeDocument/2006/relationships" xmlns:p="http://schemas.openxmlformats.org/presentationml/2006/main">
-  <p:cSld>
-    <p:spTree>
-      <p:nvGrpSpPr>
-        <p:cNvPr id="1" name="Shape 114"/>
-        <p:cNvGrpSpPr/>
-        <p:nvPr/>
-      </p:nvGrpSpPr>
-      <p:grpSpPr>
-        <a:xfrm>
-          <a:off x="0" y="0"/>
-          <a:ext cx="0" cy="0"/>
-          <a:chOff x="0" y="0"/>
-          <a:chExt cx="0" cy="0"/>
-        </a:xfrm>
-      </p:grpSpPr>
-      <p:sp>
-        <p:nvSpPr>
-          <p:cNvPr id="115" name="Shape 115"/>
-          <p:cNvSpPr txBox="1">
-            <a:spLocks noGrp="1"/>
-          </p:cNvSpPr>
-          <p:nvPr>
-            <p:ph type="title"/>
-          </p:nvPr>
-        </p:nvSpPr>
-        <p:spPr>
-          <a:xfrm>
-            <a:off x="62275" y="-124550"/>
-            <a:ext cx="8769900" cy="524700"/>
-          </a:xfrm>
-          <a:prstGeom prst="rect">
-            <a:avLst/>
-          </a:prstGeom>
-        </p:spPr>
-        <p:txBody>
-          <a:bodyPr spcFirstLastPara="1" wrap="square" lIns="91425" tIns="91425" rIns="91425" bIns="91425" anchor="t" anchorCtr="0">
-            <a:noAutofit/>
-          </a:bodyPr>
-          <a:lstStyle/>
-          <a:p>
-            <a:pPr marL="0" lvl="0" indent="0" rtl="0">
-              <a:spcBef>
-                <a:spcPts val="0"/>
-              </a:spcBef>
-              <a:spcAft>
-                <a:spcPts val="0"/>
-              </a:spcAft>
-              <a:buNone/>
-            </a:pPr>
-            <a:r>
-              <a:rPr lang="en" sz="4000"/>
-              <a:t>Merging a branch</a:t>
-            </a:r>
-            <a:endParaRPr sz="4000"/>
-          </a:p>
-        </p:txBody>
-      </p:sp>
-      <p:sp>
-        <p:nvSpPr>
-          <p:cNvPr id="116" name="Shape 116"/>
-          <p:cNvSpPr txBox="1"/>
-          <p:nvPr/>
-        </p:nvSpPr>
-        <p:spPr>
-          <a:xfrm>
-            <a:off x="418050" y="658225"/>
-            <a:ext cx="8619300" cy="4349700"/>
-          </a:xfrm>
-          <a:prstGeom prst="rect">
-            <a:avLst/>
-          </a:prstGeom>
-          <a:noFill/>
-          <a:ln>
-            <a:noFill/>
-          </a:ln>
-        </p:spPr>
-        <p:txBody>
-          <a:bodyPr spcFirstLastPara="1" wrap="square" lIns="91425" tIns="91425" rIns="91425" bIns="91425" anchor="t" anchorCtr="0">
-            <a:noAutofit/>
-          </a:bodyPr>
-          <a:lstStyle/>
-          <a:p>
-            <a:pPr marL="457200" lvl="0" indent="-381000" rtl="0">
-              <a:lnSpc>
-                <a:spcPct val="100000"/>
-              </a:lnSpc>
-              <a:spcBef>
-                <a:spcPts val="0"/>
-              </a:spcBef>
-              <a:spcAft>
-                <a:spcPts val="0"/>
-              </a:spcAft>
-              <a:buClr>
-                <a:schemeClr val="dk1"/>
-              </a:buClr>
-              <a:buSzPts val="2400"/>
-              <a:buChar char="●"/>
-            </a:pPr>
-            <a:r>
-              <a:rPr lang="en" sz="2400">
-                <a:solidFill>
-                  <a:schemeClr val="dk1"/>
-                </a:solidFill>
-              </a:rPr>
-              <a:t>Since branches are copies of the same repo, they can be merged into each other</a:t>
-            </a:r>
-            <a:endParaRPr sz="2400">
-              <a:solidFill>
-                <a:schemeClr val="dk1"/>
-              </a:solidFill>
-            </a:endParaRPr>
-          </a:p>
-          <a:p>
-            <a:pPr marL="457200" lvl="0" indent="-381000" rtl="0">
-              <a:lnSpc>
-                <a:spcPct val="100000"/>
-              </a:lnSpc>
-              <a:spcBef>
-                <a:spcPts val="1000"/>
-              </a:spcBef>
-              <a:spcAft>
-                <a:spcPts val="0"/>
-              </a:spcAft>
-              <a:buClr>
-                <a:schemeClr val="dk1"/>
-              </a:buClr>
-              <a:buSzPts val="2400"/>
-              <a:buChar char="●"/>
-            </a:pPr>
-            <a:r>
-              <a:rPr lang="en" sz="2400">
-                <a:solidFill>
-                  <a:schemeClr val="dk1"/>
-                </a:solidFill>
-              </a:rPr>
-              <a:t>When you merge two branches the resulting branch will have the combined commits</a:t>
-            </a:r>
-            <a:endParaRPr sz="2400">
-              <a:solidFill>
-                <a:schemeClr val="dk1"/>
-              </a:solidFill>
-            </a:endParaRPr>
-          </a:p>
-          <a:p>
-            <a:pPr marL="457200" lvl="0" indent="-381000" rtl="0">
-              <a:lnSpc>
-                <a:spcPct val="100000"/>
-              </a:lnSpc>
-              <a:spcBef>
-                <a:spcPts val="1000"/>
-              </a:spcBef>
-              <a:spcAft>
-                <a:spcPts val="0"/>
-              </a:spcAft>
-              <a:buClr>
-                <a:schemeClr val="dk1"/>
-              </a:buClr>
-              <a:buSzPts val="2400"/>
-              <a:buChar char="●"/>
-            </a:pPr>
-            <a:r>
-              <a:rPr lang="en" sz="2400">
-                <a:solidFill>
-                  <a:schemeClr val="dk1"/>
-                </a:solidFill>
-              </a:rPr>
-              <a:t>WARNING: If the same lines have been edited in each branch, you will get a Merge Conflict</a:t>
-            </a:r>
-            <a:endParaRPr sz="2400">
-              <a:solidFill>
-                <a:schemeClr val="dk1"/>
-              </a:solidFill>
-            </a:endParaRPr>
-          </a:p>
-          <a:p>
-            <a:pPr marL="0" lvl="0" indent="0" rtl="0">
-              <a:lnSpc>
-                <a:spcPct val="115000"/>
-              </a:lnSpc>
-              <a:spcBef>
-                <a:spcPts val="1000"/>
-              </a:spcBef>
-              <a:spcAft>
-                <a:spcPts val="0"/>
-              </a:spcAft>
-              <a:buNone/>
-            </a:pPr>
-            <a:endParaRPr sz="2400">
-              <a:solidFill>
-                <a:schemeClr val="dk1"/>
-              </a:solidFill>
-            </a:endParaRPr>
-          </a:p>
-          <a:p>
-            <a:pPr marL="0" lvl="0" indent="0" rtl="0">
-              <a:lnSpc>
-                <a:spcPct val="115000"/>
-              </a:lnSpc>
-              <a:spcBef>
-                <a:spcPts val="1000"/>
-              </a:spcBef>
-              <a:spcAft>
-                <a:spcPts val="0"/>
-              </a:spcAft>
-              <a:buNone/>
-            </a:pPr>
-            <a:endParaRPr sz="2200">
-              <a:solidFill>
-                <a:srgbClr val="FFFFFF"/>
-              </a:solidFill>
-            </a:endParaRPr>
-          </a:p>
-          <a:p>
-            <a:pPr marL="0" lvl="0" indent="0" rtl="0">
-              <a:lnSpc>
-                <a:spcPct val="115000"/>
-              </a:lnSpc>
-              <a:spcBef>
-                <a:spcPts val="0"/>
-              </a:spcBef>
-              <a:spcAft>
-                <a:spcPts val="0"/>
-              </a:spcAft>
-              <a:buNone/>
-            </a:pPr>
-            <a:endParaRPr sz="2200">
-              <a:solidFill>
-                <a:srgbClr val="FFFFFF"/>
-              </a:solidFill>
-            </a:endParaRPr>
-          </a:p>
-          <a:p>
-            <a:pPr marL="0" marR="0" lvl="0" indent="0" algn="l" rtl="0">
-              <a:lnSpc>
-                <a:spcPct val="100000"/>
-              </a:lnSpc>
-              <a:spcBef>
-                <a:spcPts val="0"/>
-              </a:spcBef>
-              <a:spcAft>
-                <a:spcPts val="0"/>
-              </a:spcAft>
-              <a:buNone/>
-            </a:pPr>
-            <a:endParaRPr sz="2400">
-              <a:solidFill>
-                <a:srgbClr val="FFFFFF"/>
-              </a:solidFill>
-            </a:endParaRPr>
-          </a:p>
-          <a:p>
-            <a:pPr marL="0" lvl="0" indent="0" rtl="0">
-              <a:spcBef>
-                <a:spcPts val="0"/>
-              </a:spcBef>
-              <a:spcAft>
-                <a:spcPts val="0"/>
-              </a:spcAft>
-              <a:buNone/>
-            </a:pPr>
-            <a:endParaRPr sz="2400">
-              <a:solidFill>
-                <a:srgbClr val="FFFFFF"/>
-              </a:solidFill>
-            </a:endParaRPr>
-          </a:p>
-        </p:txBody>
-      </p:sp>
-    </p:spTree>
-  </p:cSld>
-  <p:clrMapOvr>
-    <a:masterClrMapping/>
-  </p:clrMapOvr>
-  <p:timing>
-    <p:tnLst>
-      <p:par>
-        <p:cTn id="1" dur="indefinite" restart="never" nodeType="tmRoot">
-          <p:childTnLst>
-            <p:seq concurrent="1" nextAc="seek">
-              <p:cTn id="2" dur="indefinite" nodeType="mainSeq">
-                <p:childTnLst>
-                  <p:par>
-                    <p:cTn id="3" fill="hold">
-                      <p:stCondLst>
-                        <p:cond delay="indefinite"/>
-                      </p:stCondLst>
-                      <p:childTnLst>
-                        <p:par>
-                          <p:cTn id="4" fill="hold">
-                            <p:stCondLst>
-                              <p:cond delay="0"/>
-                            </p:stCondLst>
-                            <p:childTnLst>
-                              <p:par>
-                                <p:cTn id="5" presetID="10" presetClass="entr" presetSubtype="0" fill="hold" nodeType="clickEffect">
-                                  <p:stCondLst>
-                                    <p:cond delay="0"/>
-                                  </p:stCondLst>
-                                  <p:childTnLst>
-                                    <p:set>
-                                      <p:cBhvr>
-                                        <p:cTn id="6" dur="1" fill="hold">
-                                          <p:stCondLst>
-                                            <p:cond delay="0"/>
-                                          </p:stCondLst>
-                                        </p:cTn>
-                                        <p:tgtEl>
-                                          <p:spTgt spid="116">
-                                            <p:txEl>
-                                              <p:pRg st="0" end="0"/>
-                                            </p:txEl>
-                                          </p:spTgt>
-                                        </p:tgtEl>
-                                        <p:attrNameLst>
-                                          <p:attrName>style.visibility</p:attrName>
-                                        </p:attrNameLst>
-                                      </p:cBhvr>
-                                      <p:to>
-                                        <p:strVal val="visible"/>
-                                      </p:to>
-                                    </p:set>
-                                    <p:animEffect transition="in" filter="fade">
-                                      <p:cBhvr>
-                                        <p:cTn id="7" dur="1000"/>
-                                        <p:tgtEl>
-                                          <p:spTgt spid="116">
-                                            <p:txEl>
-                                              <p:pRg st="0" end="0"/>
-                                            </p:txEl>
-                                          </p:spTgt>
-                                        </p:tgtEl>
-                                      </p:cBhvr>
-                                    </p:animEffect>
-                                  </p:childTnLst>
-                                </p:cTn>
-                              </p:par>
-                            </p:childTnLst>
-                          </p:cTn>
-                        </p:par>
-                      </p:childTnLst>
-                    </p:cTn>
-                  </p:par>
-                  <p:par>
-                    <p:cTn id="8" fill="hold">
-                      <p:stCondLst>
-                        <p:cond delay="indefinite"/>
-                      </p:stCondLst>
-                      <p:childTnLst>
-                        <p:par>
-                          <p:cTn id="9" fill="hold">
-                            <p:stCondLst>
-                              <p:cond delay="0"/>
-                            </p:stCondLst>
-                            <p:childTnLst>
-                              <p:par>
-                                <p:cTn id="10" presetID="10" presetClass="entr" presetSubtype="0" fill="hold" nodeType="clickEffect">
-                                  <p:stCondLst>
-                                    <p:cond delay="0"/>
-                                  </p:stCondLst>
-                                  <p:childTnLst>
-                                    <p:set>
-                                      <p:cBhvr>
-                                        <p:cTn id="11" dur="1" fill="hold">
-                                          <p:stCondLst>
-                                            <p:cond delay="0"/>
-                                          </p:stCondLst>
-                                        </p:cTn>
-                                        <p:tgtEl>
-                                          <p:spTgt spid="116">
-                                            <p:txEl>
-                                              <p:pRg st="1" end="1"/>
-                                            </p:txEl>
-                                          </p:spTgt>
-                                        </p:tgtEl>
-                                        <p:attrNameLst>
-                                          <p:attrName>style.visibility</p:attrName>
-                                        </p:attrNameLst>
-                                      </p:cBhvr>
-                                      <p:to>
-                                        <p:strVal val="visible"/>
-                                      </p:to>
-                                    </p:set>
-                                    <p:animEffect transition="in" filter="fade">
-                                      <p:cBhvr>
-                                        <p:cTn id="12" dur="1000"/>
-                                        <p:tgtEl>
-                                          <p:spTgt spid="116">
-                                            <p:txEl>
-                                              <p:pRg st="1" end="1"/>
-                                            </p:txEl>
-                                          </p:spTgt>
-                                        </p:tgtEl>
-                                      </p:cBhvr>
-                                    </p:animEffect>
-                                  </p:childTnLst>
-                                </p:cTn>
-                              </p:par>
-                            </p:childTnLst>
-                          </p:cTn>
-                        </p:par>
-                      </p:childTnLst>
-                    </p:cTn>
-                  </p:par>
-                  <p:par>
-                    <p:cTn id="13" fill="hold">
-                      <p:stCondLst>
-                        <p:cond delay="indefinite"/>
-                      </p:stCondLst>
-                      <p:childTnLst>
-                        <p:par>
-                          <p:cTn id="14" fill="hold">
-                            <p:stCondLst>
-                              <p:cond delay="0"/>
-                            </p:stCondLst>
-                            <p:childTnLst>
-                              <p:par>
-                                <p:cTn id="15" presetID="10" presetClass="entr" presetSubtype="0" fill="hold" nodeType="clickEffect">
-                                  <p:stCondLst>
-                                    <p:cond delay="0"/>
-                                  </p:stCondLst>
-                                  <p:childTnLst>
-                                    <p:set>
-                                      <p:cBhvr>
-                                        <p:cTn id="16" dur="1" fill="hold">
-                                          <p:stCondLst>
-                                            <p:cond delay="0"/>
-                                          </p:stCondLst>
-                                        </p:cTn>
-                                        <p:tgtEl>
-                                          <p:spTgt spid="116">
-                                            <p:txEl>
-                                              <p:pRg st="2" end="2"/>
-                                            </p:txEl>
-                                          </p:spTgt>
-                                        </p:tgtEl>
-                                        <p:attrNameLst>
-                                          <p:attrName>style.visibility</p:attrName>
-                                        </p:attrNameLst>
-                                      </p:cBhvr>
-                                      <p:to>
-                                        <p:strVal val="visible"/>
-                                      </p:to>
-                                    </p:set>
-                                    <p:animEffect transition="in" filter="fade">
-                                      <p:cBhvr>
-                                        <p:cTn id="17" dur="1000"/>
-                                        <p:tgtEl>
-                                          <p:spTgt spid="116">
-                                            <p:txEl>
-                                              <p:pRg st="2" end="2"/>
-                                            </p:txEl>
-                                          </p:spTgt>
-                                        </p:tgtEl>
-                                      </p:cBhvr>
-                                    </p:animEffect>
-                                  </p:childTnLst>
-                                </p:cTn>
-                              </p:par>
-                            </p:childTnLst>
-                          </p:cTn>
-                        </p:par>
-                      </p:childTnLst>
-                    </p:cTn>
-                  </p:par>
-                  <p:par>
-                    <p:cTn id="18" fill="hold">
-                      <p:stCondLst>
-                        <p:cond delay="indefinite"/>
-                      </p:stCondLst>
-                      <p:childTnLst>
-                        <p:par>
-                          <p:cTn id="19" fill="hold">
-                            <p:stCondLst>
-                              <p:cond delay="0"/>
-                            </p:stCondLst>
-                            <p:childTnLst>
-                              <p:par>
-                                <p:cTn id="20" presetID="10" presetClass="entr" presetSubtype="0" fill="hold" nodeType="clickEffect">
-                                  <p:stCondLst>
-                                    <p:cond delay="0"/>
-                                  </p:stCondLst>
-                                  <p:childTnLst>
-                                    <p:set>
-                                      <p:cBhvr>
-                                        <p:cTn id="21" dur="1" fill="hold">
-                                          <p:stCondLst>
-                                            <p:cond delay="0"/>
-                                          </p:stCondLst>
-                                        </p:cTn>
-                                        <p:tgtEl>
-                                          <p:spTgt spid="116">
-                                            <p:txEl>
-                                              <p:pRg st="3" end="3"/>
-                                            </p:txEl>
-                                          </p:spTgt>
-                                        </p:tgtEl>
-                                        <p:attrNameLst>
-                                          <p:attrName>style.visibility</p:attrName>
-                                        </p:attrNameLst>
-                                      </p:cBhvr>
-                                      <p:to>
-                                        <p:strVal val="visible"/>
-                                      </p:to>
-                                    </p:set>
-                                    <p:animEffect transition="in" filter="fade">
-                                      <p:cBhvr>
-                                        <p:cTn id="22" dur="1000"/>
-                                        <p:tgtEl>
-                                          <p:spTgt spid="116">
-                                            <p:txEl>
-                                              <p:pRg st="3" end="3"/>
-                                            </p:txEl>
-                                          </p:spTgt>
-                                        </p:tgtEl>
-                                      </p:cBhvr>
-                                    </p:animEffect>
-                                  </p:childTnLst>
-                                </p:cTn>
-                              </p:par>
-                            </p:childTnLst>
-                          </p:cTn>
-                        </p:par>
-                      </p:childTnLst>
-                    </p:cTn>
-                  </p:par>
-                  <p:par>
-                    <p:cTn id="23" fill="hold">
-                      <p:stCondLst>
-                        <p:cond delay="indefinite"/>
-                      </p:stCondLst>
-                      <p:childTnLst>
-                        <p:par>
-                          <p:cTn id="24" fill="hold">
-                            <p:stCondLst>
-                              <p:cond delay="0"/>
-                            </p:stCondLst>
-                            <p:childTnLst>
-                              <p:par>
-                                <p:cTn id="25" presetID="10" presetClass="entr" presetSubtype="0" fill="hold" nodeType="clickEffect">
-                                  <p:stCondLst>
-                                    <p:cond delay="0"/>
-                                  </p:stCondLst>
-                                  <p:childTnLst>
-                                    <p:set>
-                                      <p:cBhvr>
-                                        <p:cTn id="26" dur="1" fill="hold">
-                                          <p:stCondLst>
-                                            <p:cond delay="0"/>
-                                          </p:stCondLst>
-                                        </p:cTn>
-                                        <p:tgtEl>
-                                          <p:spTgt spid="116">
-                                            <p:txEl>
-                                              <p:pRg st="4" end="4"/>
-                                            </p:txEl>
-                                          </p:spTgt>
-                                        </p:tgtEl>
-                                        <p:attrNameLst>
-                                          <p:attrName>style.visibility</p:attrName>
-                                        </p:attrNameLst>
-                                      </p:cBhvr>
-                                      <p:to>
-                                        <p:strVal val="visible"/>
-                                      </p:to>
-                                    </p:set>
-                                    <p:animEffect transition="in" filter="fade">
-                                      <p:cBhvr>
-                                        <p:cTn id="27" dur="1000"/>
-                                        <p:tgtEl>
-                                          <p:spTgt spid="116">
-                                            <p:txEl>
-                                              <p:pRg st="4" end="4"/>
-                                            </p:txEl>
-                                          </p:spTgt>
-                                        </p:tgtEl>
-                                      </p:cBhvr>
-                                    </p:animEffect>
-                                  </p:childTnLst>
-                                </p:cTn>
-                              </p:par>
-                            </p:childTnLst>
-                          </p:cTn>
-                        </p:par>
-                      </p:childTnLst>
-                    </p:cTn>
-                  </p:par>
-                  <p:par>
-                    <p:cTn id="28" fill="hold">
-                      <p:stCondLst>
-                        <p:cond delay="indefinite"/>
-                      </p:stCondLst>
-                      <p:childTnLst>
-                        <p:par>
-                          <p:cTn id="29" fill="hold">
-                            <p:stCondLst>
-                              <p:cond delay="0"/>
-                            </p:stCondLst>
-                            <p:childTnLst>
-                              <p:par>
-                                <p:cTn id="30" presetID="10" presetClass="entr" presetSubtype="0" fill="hold" nodeType="clickEffect">
-                                  <p:stCondLst>
-                                    <p:cond delay="0"/>
-                                  </p:stCondLst>
-                                  <p:childTnLst>
-                                    <p:set>
-                                      <p:cBhvr>
-                                        <p:cTn id="31" dur="1" fill="hold">
-                                          <p:stCondLst>
-                                            <p:cond delay="0"/>
-                                          </p:stCondLst>
-                                        </p:cTn>
-                                        <p:tgtEl>
-                                          <p:spTgt spid="116">
-                                            <p:txEl>
-                                              <p:pRg st="5" end="5"/>
-                                            </p:txEl>
-                                          </p:spTgt>
-                                        </p:tgtEl>
-                                        <p:attrNameLst>
-                                          <p:attrName>style.visibility</p:attrName>
-                                        </p:attrNameLst>
-                                      </p:cBhvr>
-                                      <p:to>
-                                        <p:strVal val="visible"/>
-                                      </p:to>
-                                    </p:set>
-                                    <p:animEffect transition="in" filter="fade">
-                                      <p:cBhvr>
-                                        <p:cTn id="32" dur="1000"/>
-                                        <p:tgtEl>
-                                          <p:spTgt spid="116">
-                                            <p:txEl>
-                                              <p:pRg st="5" end="5"/>
-                                            </p:txEl>
-                                          </p:spTgt>
-                                        </p:tgtEl>
-                                      </p:cBhvr>
-                                    </p:animEffect>
-                                  </p:childTnLst>
-                                </p:cTn>
-                              </p:par>
-                            </p:childTnLst>
-                          </p:cTn>
-                        </p:par>
-                      </p:childTnLst>
-                    </p:cTn>
-                  </p:par>
-                  <p:par>
-                    <p:cTn id="33" fill="hold">
-                      <p:stCondLst>
-                        <p:cond delay="indefinite"/>
-                      </p:stCondLst>
-                      <p:childTnLst>
-                        <p:par>
-                          <p:cTn id="34" fill="hold">
-                            <p:stCondLst>
-                              <p:cond delay="0"/>
-                            </p:stCondLst>
-                            <p:childTnLst>
-                              <p:par>
-                                <p:cTn id="35" presetID="10" presetClass="entr" presetSubtype="0" fill="hold" nodeType="clickEffect">
-                                  <p:stCondLst>
-                                    <p:cond delay="0"/>
-                                  </p:stCondLst>
-                                  <p:childTnLst>
-                                    <p:set>
-                                      <p:cBhvr>
-                                        <p:cTn id="36" dur="1" fill="hold">
-                                          <p:stCondLst>
-                                            <p:cond delay="0"/>
-                                          </p:stCondLst>
-                                        </p:cTn>
-                                        <p:tgtEl>
-                                          <p:spTgt spid="116">
-                                            <p:txEl>
-                                              <p:pRg st="6" end="6"/>
-                                            </p:txEl>
-                                          </p:spTgt>
-                                        </p:tgtEl>
-                                        <p:attrNameLst>
-                                          <p:attrName>style.visibility</p:attrName>
-                                        </p:attrNameLst>
-                                      </p:cBhvr>
-                                      <p:to>
-                                        <p:strVal val="visible"/>
-                                      </p:to>
-                                    </p:set>
-                                    <p:animEffect transition="in" filter="fade">
-                                      <p:cBhvr>
-                                        <p:cTn id="37" dur="1000"/>
-                                        <p:tgtEl>
-                                          <p:spTgt spid="116">
-                                            <p:txEl>
-                                              <p:pRg st="6" end="6"/>
-                                            </p:txEl>
-                                          </p:spTgt>
-                                        </p:tgtEl>
-                                      </p:cBhvr>
-                                    </p:animEffect>
-                                  </p:childTnLst>
-                                </p:cTn>
-                              </p:par>
-                            </p:childTnLst>
-                          </p:cTn>
-                        </p:par>
-                      </p:childTnLst>
-                    </p:cTn>
-                  </p:par>
-                  <p:par>
-                    <p:cTn id="38" fill="hold">
-                      <p:stCondLst>
-                        <p:cond delay="indefinite"/>
-                      </p:stCondLst>
-                      <p:childTnLst>
-                        <p:par>
-                          <p:cTn id="39" fill="hold">
-                            <p:stCondLst>
-                              <p:cond delay="0"/>
-                            </p:stCondLst>
-                            <p:childTnLst>
-                              <p:par>
-                                <p:cTn id="40" presetID="10" presetClass="entr" presetSubtype="0" fill="hold" nodeType="clickEffect">
-                                  <p:stCondLst>
-                                    <p:cond delay="0"/>
-                                  </p:stCondLst>
-                                  <p:childTnLst>
-                                    <p:set>
-                                      <p:cBhvr>
-                                        <p:cTn id="41" dur="1" fill="hold">
-                                          <p:stCondLst>
-                                            <p:cond delay="0"/>
-                                          </p:stCondLst>
-                                        </p:cTn>
-                                        <p:tgtEl>
-                                          <p:spTgt spid="116">
-                                            <p:txEl>
-                                              <p:pRg st="7" end="7"/>
-                                            </p:txEl>
-                                          </p:spTgt>
-                                        </p:tgtEl>
-                                        <p:attrNameLst>
-                                          <p:attrName>style.visibility</p:attrName>
-                                        </p:attrNameLst>
-                                      </p:cBhvr>
-                                      <p:to>
-                                        <p:strVal val="visible"/>
-                                      </p:to>
-                                    </p:set>
-                                    <p:animEffect transition="in" filter="fade">
-                                      <p:cBhvr>
-                                        <p:cTn id="42" dur="1000"/>
-                                        <p:tgtEl>
-                                          <p:spTgt spid="116">
-                                            <p:txEl>
-                                              <p:pRg st="7" end="7"/>
                                             </p:txEl>
                                           </p:spTgt>
                                         </p:tgtEl>
@@ -14405,6 +14726,28 @@
             </a:r>
           </a:p>
           <a:p>
+            <a:pPr marL="76200" lvl="0" rtl="0">
+              <a:lnSpc>
+                <a:spcPct val="100000"/>
+              </a:lnSpc>
+              <a:spcBef>
+                <a:spcPts val="0"/>
+              </a:spcBef>
+              <a:spcAft>
+                <a:spcPts val="0"/>
+              </a:spcAft>
+              <a:buClr>
+                <a:srgbClr val="FFFFFF"/>
+              </a:buClr>
+              <a:buSzPts val="2400"/>
+            </a:pPr>
+            <a:endParaRPr lang="en-US" sz="2400" dirty="0">
+              <a:solidFill>
+                <a:srgbClr val="FFFFFF"/>
+              </a:solidFill>
+            </a:endParaRPr>
+          </a:p>
+          <a:p>
             <a:pPr marL="457200" lvl="0" indent="-381000" rtl="0">
               <a:lnSpc>
                 <a:spcPct val="100000"/>
@@ -14431,6 +14774,28 @@
             </a:r>
           </a:p>
           <a:p>
+            <a:pPr marL="76200" lvl="0" rtl="0">
+              <a:lnSpc>
+                <a:spcPct val="100000"/>
+              </a:lnSpc>
+              <a:spcBef>
+                <a:spcPts val="0"/>
+              </a:spcBef>
+              <a:spcAft>
+                <a:spcPts val="0"/>
+              </a:spcAft>
+              <a:buClr>
+                <a:srgbClr val="FFFFFF"/>
+              </a:buClr>
+              <a:buSzPts val="2400"/>
+            </a:pPr>
+            <a:endParaRPr lang="en-US" sz="2400" dirty="0">
+              <a:solidFill>
+                <a:srgbClr val="FFFFFF"/>
+              </a:solidFill>
+            </a:endParaRPr>
+          </a:p>
+          <a:p>
             <a:pPr marL="457200" lvl="0" indent="-381000" rtl="0">
               <a:lnSpc>
                 <a:spcPct val="100000"/>
@@ -14453,7 +14818,7 @@
                   <a:srgbClr val="FFFFFF"/>
                 </a:solidFill>
               </a:rPr>
-              <a:t>TFs: I will still ask for input on Tuesday about where the students are at and what I should lecture on.</a:t>
+              <a:t>TFs: I will still ask for input on Tuesday about where the students are at and what I should lecture on</a:t>
             </a:r>
             <a:endParaRPr sz="2400" dirty="0">
               <a:solidFill>
@@ -14662,7 +15027,7 @@
                                         <p:tgtEl>
                                           <p:spTgt spid="68">
                                             <p:txEl>
-                                              <p:pRg st="1" end="1"/>
+                                              <p:pRg st="2" end="2"/>
                                             </p:txEl>
                                           </p:spTgt>
                                         </p:tgtEl>
@@ -14680,7 +15045,7 @@
                                         <p:tgtEl>
                                           <p:spTgt spid="68">
                                             <p:txEl>
-                                              <p:pRg st="1" end="1"/>
+                                              <p:pRg st="2" end="2"/>
                                             </p:txEl>
                                           </p:spTgt>
                                         </p:tgtEl>
@@ -14723,7 +15088,7 @@
                                         <p:tgtEl>
                                           <p:spTgt spid="68">
                                             <p:txEl>
-                                              <p:pRg st="2" end="2"/>
+                                              <p:pRg st="4" end="4"/>
                                             </p:txEl>
                                           </p:spTgt>
                                         </p:tgtEl>
@@ -14741,7 +15106,861 @@
                                         <p:tgtEl>
                                           <p:spTgt spid="68">
                                             <p:txEl>
+                                              <p:pRg st="4" end="4"/>
+                                            </p:txEl>
+                                          </p:spTgt>
+                                        </p:tgtEl>
+                                      </p:cBhvr>
+                                    </p:animEffect>
+                                  </p:childTnLst>
+                                </p:cTn>
+                              </p:par>
+                            </p:childTnLst>
+                          </p:cTn>
+                        </p:par>
+                      </p:childTnLst>
+                    </p:cTn>
+                  </p:par>
+                </p:childTnLst>
+              </p:cTn>
+              <p:prevCondLst>
+                <p:cond evt="onPrev" delay="0">
+                  <p:tgtEl>
+                    <p:sldTgt/>
+                  </p:tgtEl>
+                </p:cond>
+              </p:prevCondLst>
+              <p:nextCondLst>
+                <p:cond evt="onNext" delay="0">
+                  <p:tgtEl>
+                    <p:sldTgt/>
+                  </p:tgtEl>
+                </p:cond>
+              </p:nextCondLst>
+            </p:seq>
+          </p:childTnLst>
+        </p:cTn>
+      </p:par>
+    </p:tnLst>
+  </p:timing>
+</p:sld>
+</file>
+
+<file path=ppt/slides/slide20.xml><?xml version="1.0" encoding="utf-8"?>
+<p:sld xmlns:a="http://schemas.openxmlformats.org/drawingml/2006/main" xmlns:r="http://schemas.openxmlformats.org/officeDocument/2006/relationships" xmlns:p="http://schemas.openxmlformats.org/presentationml/2006/main">
+  <p:cSld>
+    <p:spTree>
+      <p:nvGrpSpPr>
+        <p:cNvPr id="1" name=""/>
+        <p:cNvGrpSpPr/>
+        <p:nvPr/>
+      </p:nvGrpSpPr>
+      <p:grpSpPr>
+        <a:xfrm>
+          <a:off x="0" y="0"/>
+          <a:ext cx="0" cy="0"/>
+          <a:chOff x="0" y="0"/>
+          <a:chExt cx="0" cy="0"/>
+        </a:xfrm>
+      </p:grpSpPr>
+      <p:sp>
+        <p:nvSpPr>
+          <p:cNvPr id="2" name="Title 1">
+            <a:extLst>
+              <a:ext uri="{FF2B5EF4-FFF2-40B4-BE49-F238E27FC236}">
+                <a16:creationId xmlns:a16="http://schemas.microsoft.com/office/drawing/2014/main" id="{52845B50-28E8-4574-9B84-7FF15E0D4F3B}"/>
+              </a:ext>
+            </a:extLst>
+          </p:cNvPr>
+          <p:cNvSpPr>
+            <a:spLocks noGrp="1"/>
+          </p:cNvSpPr>
+          <p:nvPr>
+            <p:ph type="title"/>
+          </p:nvPr>
+        </p:nvSpPr>
+        <p:spPr/>
+        <p:txBody>
+          <a:bodyPr/>
+          <a:lstStyle/>
+          <a:p>
+            <a:r>
+              <a:rPr lang="en-US" dirty="0"/>
+              <a:t>Example of Branches</a:t>
+            </a:r>
+          </a:p>
+        </p:txBody>
+      </p:sp>
+    </p:spTree>
+    <p:extLst>
+      <p:ext uri="{BB962C8B-B14F-4D97-AF65-F5344CB8AC3E}">
+        <p14:creationId xmlns:p14="http://schemas.microsoft.com/office/powerpoint/2010/main" val="2403316689"/>
+      </p:ext>
+    </p:extLst>
+  </p:cSld>
+  <p:clrMapOvr>
+    <a:masterClrMapping/>
+  </p:clrMapOvr>
+</p:sld>
+</file>
+
+<file path=ppt/slides/slide21.xml><?xml version="1.0" encoding="utf-8"?>
+<p:sld xmlns:a="http://schemas.openxmlformats.org/drawingml/2006/main" xmlns:r="http://schemas.openxmlformats.org/officeDocument/2006/relationships" xmlns:p="http://schemas.openxmlformats.org/presentationml/2006/main">
+  <p:cSld>
+    <p:spTree>
+      <p:nvGrpSpPr>
+        <p:cNvPr id="1" name="Shape 114"/>
+        <p:cNvGrpSpPr/>
+        <p:nvPr/>
+      </p:nvGrpSpPr>
+      <p:grpSpPr>
+        <a:xfrm>
+          <a:off x="0" y="0"/>
+          <a:ext cx="0" cy="0"/>
+          <a:chOff x="0" y="0"/>
+          <a:chExt cx="0" cy="0"/>
+        </a:xfrm>
+      </p:grpSpPr>
+      <p:sp>
+        <p:nvSpPr>
+          <p:cNvPr id="115" name="Shape 115"/>
+          <p:cNvSpPr txBox="1">
+            <a:spLocks noGrp="1"/>
+          </p:cNvSpPr>
+          <p:nvPr>
+            <p:ph type="title"/>
+          </p:nvPr>
+        </p:nvSpPr>
+        <p:spPr>
+          <a:xfrm>
+            <a:off x="62275" y="-124550"/>
+            <a:ext cx="8769900" cy="524700"/>
+          </a:xfrm>
+          <a:prstGeom prst="rect">
+            <a:avLst/>
+          </a:prstGeom>
+        </p:spPr>
+        <p:txBody>
+          <a:bodyPr spcFirstLastPara="1" wrap="square" lIns="91425" tIns="91425" rIns="91425" bIns="91425" anchor="t" anchorCtr="0">
+            <a:noAutofit/>
+          </a:bodyPr>
+          <a:lstStyle/>
+          <a:p>
+            <a:pPr marL="0" lvl="0" indent="0" rtl="0">
+              <a:spcBef>
+                <a:spcPts val="0"/>
+              </a:spcBef>
+              <a:spcAft>
+                <a:spcPts val="0"/>
+              </a:spcAft>
+              <a:buNone/>
+            </a:pPr>
+            <a:r>
+              <a:rPr lang="en" sz="4000"/>
+              <a:t>Merging a branch</a:t>
+            </a:r>
+            <a:endParaRPr sz="4000"/>
+          </a:p>
+        </p:txBody>
+      </p:sp>
+      <p:sp>
+        <p:nvSpPr>
+          <p:cNvPr id="116" name="Shape 116"/>
+          <p:cNvSpPr txBox="1"/>
+          <p:nvPr/>
+        </p:nvSpPr>
+        <p:spPr>
+          <a:xfrm>
+            <a:off x="418050" y="658225"/>
+            <a:ext cx="8619300" cy="4349700"/>
+          </a:xfrm>
+          <a:prstGeom prst="rect">
+            <a:avLst/>
+          </a:prstGeom>
+          <a:noFill/>
+          <a:ln>
+            <a:noFill/>
+          </a:ln>
+        </p:spPr>
+        <p:txBody>
+          <a:bodyPr spcFirstLastPara="1" wrap="square" lIns="91425" tIns="91425" rIns="91425" bIns="91425" anchor="t" anchorCtr="0">
+            <a:noAutofit/>
+          </a:bodyPr>
+          <a:lstStyle/>
+          <a:p>
+            <a:pPr marL="457200" lvl="0" indent="-381000" rtl="0">
+              <a:lnSpc>
+                <a:spcPct val="100000"/>
+              </a:lnSpc>
+              <a:spcBef>
+                <a:spcPts val="0"/>
+              </a:spcBef>
+              <a:spcAft>
+                <a:spcPts val="0"/>
+              </a:spcAft>
+              <a:buClr>
+                <a:schemeClr val="dk1"/>
+              </a:buClr>
+              <a:buSzPts val="2400"/>
+              <a:buChar char="●"/>
+            </a:pPr>
+            <a:r>
+              <a:rPr lang="en" sz="2400">
+                <a:solidFill>
+                  <a:schemeClr val="dk1"/>
+                </a:solidFill>
+              </a:rPr>
+              <a:t>Since branches are copies of the same repo, they can be merged into each other</a:t>
+            </a:r>
+            <a:endParaRPr sz="2400">
+              <a:solidFill>
+                <a:schemeClr val="dk1"/>
+              </a:solidFill>
+            </a:endParaRPr>
+          </a:p>
+          <a:p>
+            <a:pPr marL="457200" lvl="0" indent="-381000" rtl="0">
+              <a:lnSpc>
+                <a:spcPct val="100000"/>
+              </a:lnSpc>
+              <a:spcBef>
+                <a:spcPts val="1000"/>
+              </a:spcBef>
+              <a:spcAft>
+                <a:spcPts val="0"/>
+              </a:spcAft>
+              <a:buClr>
+                <a:schemeClr val="dk1"/>
+              </a:buClr>
+              <a:buSzPts val="2400"/>
+              <a:buChar char="●"/>
+            </a:pPr>
+            <a:r>
+              <a:rPr lang="en" sz="2400">
+                <a:solidFill>
+                  <a:schemeClr val="dk1"/>
+                </a:solidFill>
+              </a:rPr>
+              <a:t>When you merge two branches the resulting branch will have the combined commits</a:t>
+            </a:r>
+            <a:endParaRPr sz="2400">
+              <a:solidFill>
+                <a:schemeClr val="dk1"/>
+              </a:solidFill>
+            </a:endParaRPr>
+          </a:p>
+          <a:p>
+            <a:pPr marL="457200" lvl="0" indent="-381000" rtl="0">
+              <a:lnSpc>
+                <a:spcPct val="100000"/>
+              </a:lnSpc>
+              <a:spcBef>
+                <a:spcPts val="1000"/>
+              </a:spcBef>
+              <a:spcAft>
+                <a:spcPts val="0"/>
+              </a:spcAft>
+              <a:buClr>
+                <a:schemeClr val="dk1"/>
+              </a:buClr>
+              <a:buSzPts val="2400"/>
+              <a:buChar char="●"/>
+            </a:pPr>
+            <a:r>
+              <a:rPr lang="en" sz="2400">
+                <a:solidFill>
+                  <a:schemeClr val="dk1"/>
+                </a:solidFill>
+              </a:rPr>
+              <a:t>WARNING: If the same lines have been edited in each branch, you will get a Merge Conflict</a:t>
+            </a:r>
+            <a:endParaRPr sz="2400">
+              <a:solidFill>
+                <a:schemeClr val="dk1"/>
+              </a:solidFill>
+            </a:endParaRPr>
+          </a:p>
+          <a:p>
+            <a:pPr marL="0" lvl="0" indent="0" rtl="0">
+              <a:lnSpc>
+                <a:spcPct val="115000"/>
+              </a:lnSpc>
+              <a:spcBef>
+                <a:spcPts val="1000"/>
+              </a:spcBef>
+              <a:spcAft>
+                <a:spcPts val="0"/>
+              </a:spcAft>
+              <a:buNone/>
+            </a:pPr>
+            <a:endParaRPr sz="2400">
+              <a:solidFill>
+                <a:schemeClr val="dk1"/>
+              </a:solidFill>
+            </a:endParaRPr>
+          </a:p>
+          <a:p>
+            <a:pPr marL="0" lvl="0" indent="0" rtl="0">
+              <a:lnSpc>
+                <a:spcPct val="115000"/>
+              </a:lnSpc>
+              <a:spcBef>
+                <a:spcPts val="1000"/>
+              </a:spcBef>
+              <a:spcAft>
+                <a:spcPts val="0"/>
+              </a:spcAft>
+              <a:buNone/>
+            </a:pPr>
+            <a:endParaRPr sz="2200">
+              <a:solidFill>
+                <a:srgbClr val="FFFFFF"/>
+              </a:solidFill>
+            </a:endParaRPr>
+          </a:p>
+          <a:p>
+            <a:pPr marL="0" lvl="0" indent="0" rtl="0">
+              <a:lnSpc>
+                <a:spcPct val="115000"/>
+              </a:lnSpc>
+              <a:spcBef>
+                <a:spcPts val="0"/>
+              </a:spcBef>
+              <a:spcAft>
+                <a:spcPts val="0"/>
+              </a:spcAft>
+              <a:buNone/>
+            </a:pPr>
+            <a:endParaRPr sz="2200">
+              <a:solidFill>
+                <a:srgbClr val="FFFFFF"/>
+              </a:solidFill>
+            </a:endParaRPr>
+          </a:p>
+          <a:p>
+            <a:pPr marL="0" marR="0" lvl="0" indent="0" algn="l" rtl="0">
+              <a:lnSpc>
+                <a:spcPct val="100000"/>
+              </a:lnSpc>
+              <a:spcBef>
+                <a:spcPts val="0"/>
+              </a:spcBef>
+              <a:spcAft>
+                <a:spcPts val="0"/>
+              </a:spcAft>
+              <a:buNone/>
+            </a:pPr>
+            <a:endParaRPr sz="2400">
+              <a:solidFill>
+                <a:srgbClr val="FFFFFF"/>
+              </a:solidFill>
+            </a:endParaRPr>
+          </a:p>
+          <a:p>
+            <a:pPr marL="0" lvl="0" indent="0" rtl="0">
+              <a:spcBef>
+                <a:spcPts val="0"/>
+              </a:spcBef>
+              <a:spcAft>
+                <a:spcPts val="0"/>
+              </a:spcAft>
+              <a:buNone/>
+            </a:pPr>
+            <a:endParaRPr sz="2400">
+              <a:solidFill>
+                <a:srgbClr val="FFFFFF"/>
+              </a:solidFill>
+            </a:endParaRPr>
+          </a:p>
+        </p:txBody>
+      </p:sp>
+    </p:spTree>
+  </p:cSld>
+  <p:clrMapOvr>
+    <a:masterClrMapping/>
+  </p:clrMapOvr>
+  <p:timing>
+    <p:tnLst>
+      <p:par>
+        <p:cTn id="1" dur="indefinite" restart="never" nodeType="tmRoot">
+          <p:childTnLst>
+            <p:seq concurrent="1" nextAc="seek">
+              <p:cTn id="2" dur="indefinite" nodeType="mainSeq">
+                <p:childTnLst>
+                  <p:par>
+                    <p:cTn id="3" fill="hold">
+                      <p:stCondLst>
+                        <p:cond delay="indefinite"/>
+                      </p:stCondLst>
+                      <p:childTnLst>
+                        <p:par>
+                          <p:cTn id="4" fill="hold">
+                            <p:stCondLst>
+                              <p:cond delay="0"/>
+                            </p:stCondLst>
+                            <p:childTnLst>
+                              <p:par>
+                                <p:cTn id="5" presetID="10" presetClass="entr" presetSubtype="0" fill="hold" nodeType="clickEffect">
+                                  <p:stCondLst>
+                                    <p:cond delay="0"/>
+                                  </p:stCondLst>
+                                  <p:childTnLst>
+                                    <p:set>
+                                      <p:cBhvr>
+                                        <p:cTn id="6" dur="1" fill="hold">
+                                          <p:stCondLst>
+                                            <p:cond delay="0"/>
+                                          </p:stCondLst>
+                                        </p:cTn>
+                                        <p:tgtEl>
+                                          <p:spTgt spid="116">
+                                            <p:txEl>
+                                              <p:pRg st="0" end="0"/>
+                                            </p:txEl>
+                                          </p:spTgt>
+                                        </p:tgtEl>
+                                        <p:attrNameLst>
+                                          <p:attrName>style.visibility</p:attrName>
+                                        </p:attrNameLst>
+                                      </p:cBhvr>
+                                      <p:to>
+                                        <p:strVal val="visible"/>
+                                      </p:to>
+                                    </p:set>
+                                    <p:animEffect transition="in" filter="fade">
+                                      <p:cBhvr>
+                                        <p:cTn id="7" dur="1000"/>
+                                        <p:tgtEl>
+                                          <p:spTgt spid="116">
+                                            <p:txEl>
+                                              <p:pRg st="0" end="0"/>
+                                            </p:txEl>
+                                          </p:spTgt>
+                                        </p:tgtEl>
+                                      </p:cBhvr>
+                                    </p:animEffect>
+                                  </p:childTnLst>
+                                </p:cTn>
+                              </p:par>
+                            </p:childTnLst>
+                          </p:cTn>
+                        </p:par>
+                      </p:childTnLst>
+                    </p:cTn>
+                  </p:par>
+                  <p:par>
+                    <p:cTn id="8" fill="hold">
+                      <p:stCondLst>
+                        <p:cond delay="indefinite"/>
+                      </p:stCondLst>
+                      <p:childTnLst>
+                        <p:par>
+                          <p:cTn id="9" fill="hold">
+                            <p:stCondLst>
+                              <p:cond delay="0"/>
+                            </p:stCondLst>
+                            <p:childTnLst>
+                              <p:par>
+                                <p:cTn id="10" presetID="10" presetClass="entr" presetSubtype="0" fill="hold" nodeType="clickEffect">
+                                  <p:stCondLst>
+                                    <p:cond delay="0"/>
+                                  </p:stCondLst>
+                                  <p:childTnLst>
+                                    <p:set>
+                                      <p:cBhvr>
+                                        <p:cTn id="11" dur="1" fill="hold">
+                                          <p:stCondLst>
+                                            <p:cond delay="0"/>
+                                          </p:stCondLst>
+                                        </p:cTn>
+                                        <p:tgtEl>
+                                          <p:spTgt spid="116">
+                                            <p:txEl>
+                                              <p:pRg st="1" end="1"/>
+                                            </p:txEl>
+                                          </p:spTgt>
+                                        </p:tgtEl>
+                                        <p:attrNameLst>
+                                          <p:attrName>style.visibility</p:attrName>
+                                        </p:attrNameLst>
+                                      </p:cBhvr>
+                                      <p:to>
+                                        <p:strVal val="visible"/>
+                                      </p:to>
+                                    </p:set>
+                                    <p:animEffect transition="in" filter="fade">
+                                      <p:cBhvr>
+                                        <p:cTn id="12" dur="1000"/>
+                                        <p:tgtEl>
+                                          <p:spTgt spid="116">
+                                            <p:txEl>
+                                              <p:pRg st="1" end="1"/>
+                                            </p:txEl>
+                                          </p:spTgt>
+                                        </p:tgtEl>
+                                      </p:cBhvr>
+                                    </p:animEffect>
+                                  </p:childTnLst>
+                                </p:cTn>
+                              </p:par>
+                            </p:childTnLst>
+                          </p:cTn>
+                        </p:par>
+                      </p:childTnLst>
+                    </p:cTn>
+                  </p:par>
+                  <p:par>
+                    <p:cTn id="13" fill="hold">
+                      <p:stCondLst>
+                        <p:cond delay="indefinite"/>
+                      </p:stCondLst>
+                      <p:childTnLst>
+                        <p:par>
+                          <p:cTn id="14" fill="hold">
+                            <p:stCondLst>
+                              <p:cond delay="0"/>
+                            </p:stCondLst>
+                            <p:childTnLst>
+                              <p:par>
+                                <p:cTn id="15" presetID="10" presetClass="entr" presetSubtype="0" fill="hold" nodeType="clickEffect">
+                                  <p:stCondLst>
+                                    <p:cond delay="0"/>
+                                  </p:stCondLst>
+                                  <p:childTnLst>
+                                    <p:set>
+                                      <p:cBhvr>
+                                        <p:cTn id="16" dur="1" fill="hold">
+                                          <p:stCondLst>
+                                            <p:cond delay="0"/>
+                                          </p:stCondLst>
+                                        </p:cTn>
+                                        <p:tgtEl>
+                                          <p:spTgt spid="116">
+                                            <p:txEl>
                                               <p:pRg st="2" end="2"/>
+                                            </p:txEl>
+                                          </p:spTgt>
+                                        </p:tgtEl>
+                                        <p:attrNameLst>
+                                          <p:attrName>style.visibility</p:attrName>
+                                        </p:attrNameLst>
+                                      </p:cBhvr>
+                                      <p:to>
+                                        <p:strVal val="visible"/>
+                                      </p:to>
+                                    </p:set>
+                                    <p:animEffect transition="in" filter="fade">
+                                      <p:cBhvr>
+                                        <p:cTn id="17" dur="1000"/>
+                                        <p:tgtEl>
+                                          <p:spTgt spid="116">
+                                            <p:txEl>
+                                              <p:pRg st="2" end="2"/>
+                                            </p:txEl>
+                                          </p:spTgt>
+                                        </p:tgtEl>
+                                      </p:cBhvr>
+                                    </p:animEffect>
+                                  </p:childTnLst>
+                                </p:cTn>
+                              </p:par>
+                            </p:childTnLst>
+                          </p:cTn>
+                        </p:par>
+                      </p:childTnLst>
+                    </p:cTn>
+                  </p:par>
+                  <p:par>
+                    <p:cTn id="18" fill="hold">
+                      <p:stCondLst>
+                        <p:cond delay="indefinite"/>
+                      </p:stCondLst>
+                      <p:childTnLst>
+                        <p:par>
+                          <p:cTn id="19" fill="hold">
+                            <p:stCondLst>
+                              <p:cond delay="0"/>
+                            </p:stCondLst>
+                            <p:childTnLst>
+                              <p:par>
+                                <p:cTn id="20" presetID="10" presetClass="entr" presetSubtype="0" fill="hold" nodeType="clickEffect">
+                                  <p:stCondLst>
+                                    <p:cond delay="0"/>
+                                  </p:stCondLst>
+                                  <p:childTnLst>
+                                    <p:set>
+                                      <p:cBhvr>
+                                        <p:cTn id="21" dur="1" fill="hold">
+                                          <p:stCondLst>
+                                            <p:cond delay="0"/>
+                                          </p:stCondLst>
+                                        </p:cTn>
+                                        <p:tgtEl>
+                                          <p:spTgt spid="116">
+                                            <p:txEl>
+                                              <p:pRg st="3" end="3"/>
+                                            </p:txEl>
+                                          </p:spTgt>
+                                        </p:tgtEl>
+                                        <p:attrNameLst>
+                                          <p:attrName>style.visibility</p:attrName>
+                                        </p:attrNameLst>
+                                      </p:cBhvr>
+                                      <p:to>
+                                        <p:strVal val="visible"/>
+                                      </p:to>
+                                    </p:set>
+                                    <p:animEffect transition="in" filter="fade">
+                                      <p:cBhvr>
+                                        <p:cTn id="22" dur="1000"/>
+                                        <p:tgtEl>
+                                          <p:spTgt spid="116">
+                                            <p:txEl>
+                                              <p:pRg st="3" end="3"/>
+                                            </p:txEl>
+                                          </p:spTgt>
+                                        </p:tgtEl>
+                                      </p:cBhvr>
+                                    </p:animEffect>
+                                  </p:childTnLst>
+                                </p:cTn>
+                              </p:par>
+                            </p:childTnLst>
+                          </p:cTn>
+                        </p:par>
+                      </p:childTnLst>
+                    </p:cTn>
+                  </p:par>
+                  <p:par>
+                    <p:cTn id="23" fill="hold">
+                      <p:stCondLst>
+                        <p:cond delay="indefinite"/>
+                      </p:stCondLst>
+                      <p:childTnLst>
+                        <p:par>
+                          <p:cTn id="24" fill="hold">
+                            <p:stCondLst>
+                              <p:cond delay="0"/>
+                            </p:stCondLst>
+                            <p:childTnLst>
+                              <p:par>
+                                <p:cTn id="25" presetID="10" presetClass="entr" presetSubtype="0" fill="hold" nodeType="clickEffect">
+                                  <p:stCondLst>
+                                    <p:cond delay="0"/>
+                                  </p:stCondLst>
+                                  <p:childTnLst>
+                                    <p:set>
+                                      <p:cBhvr>
+                                        <p:cTn id="26" dur="1" fill="hold">
+                                          <p:stCondLst>
+                                            <p:cond delay="0"/>
+                                          </p:stCondLst>
+                                        </p:cTn>
+                                        <p:tgtEl>
+                                          <p:spTgt spid="116">
+                                            <p:txEl>
+                                              <p:pRg st="4" end="4"/>
+                                            </p:txEl>
+                                          </p:spTgt>
+                                        </p:tgtEl>
+                                        <p:attrNameLst>
+                                          <p:attrName>style.visibility</p:attrName>
+                                        </p:attrNameLst>
+                                      </p:cBhvr>
+                                      <p:to>
+                                        <p:strVal val="visible"/>
+                                      </p:to>
+                                    </p:set>
+                                    <p:animEffect transition="in" filter="fade">
+                                      <p:cBhvr>
+                                        <p:cTn id="27" dur="1000"/>
+                                        <p:tgtEl>
+                                          <p:spTgt spid="116">
+                                            <p:txEl>
+                                              <p:pRg st="4" end="4"/>
+                                            </p:txEl>
+                                          </p:spTgt>
+                                        </p:tgtEl>
+                                      </p:cBhvr>
+                                    </p:animEffect>
+                                  </p:childTnLst>
+                                </p:cTn>
+                              </p:par>
+                            </p:childTnLst>
+                          </p:cTn>
+                        </p:par>
+                      </p:childTnLst>
+                    </p:cTn>
+                  </p:par>
+                  <p:par>
+                    <p:cTn id="28" fill="hold">
+                      <p:stCondLst>
+                        <p:cond delay="indefinite"/>
+                      </p:stCondLst>
+                      <p:childTnLst>
+                        <p:par>
+                          <p:cTn id="29" fill="hold">
+                            <p:stCondLst>
+                              <p:cond delay="0"/>
+                            </p:stCondLst>
+                            <p:childTnLst>
+                              <p:par>
+                                <p:cTn id="30" presetID="10" presetClass="entr" presetSubtype="0" fill="hold" nodeType="clickEffect">
+                                  <p:stCondLst>
+                                    <p:cond delay="0"/>
+                                  </p:stCondLst>
+                                  <p:childTnLst>
+                                    <p:set>
+                                      <p:cBhvr>
+                                        <p:cTn id="31" dur="1" fill="hold">
+                                          <p:stCondLst>
+                                            <p:cond delay="0"/>
+                                          </p:stCondLst>
+                                        </p:cTn>
+                                        <p:tgtEl>
+                                          <p:spTgt spid="116">
+                                            <p:txEl>
+                                              <p:pRg st="5" end="5"/>
+                                            </p:txEl>
+                                          </p:spTgt>
+                                        </p:tgtEl>
+                                        <p:attrNameLst>
+                                          <p:attrName>style.visibility</p:attrName>
+                                        </p:attrNameLst>
+                                      </p:cBhvr>
+                                      <p:to>
+                                        <p:strVal val="visible"/>
+                                      </p:to>
+                                    </p:set>
+                                    <p:animEffect transition="in" filter="fade">
+                                      <p:cBhvr>
+                                        <p:cTn id="32" dur="1000"/>
+                                        <p:tgtEl>
+                                          <p:spTgt spid="116">
+                                            <p:txEl>
+                                              <p:pRg st="5" end="5"/>
+                                            </p:txEl>
+                                          </p:spTgt>
+                                        </p:tgtEl>
+                                      </p:cBhvr>
+                                    </p:animEffect>
+                                  </p:childTnLst>
+                                </p:cTn>
+                              </p:par>
+                            </p:childTnLst>
+                          </p:cTn>
+                        </p:par>
+                      </p:childTnLst>
+                    </p:cTn>
+                  </p:par>
+                  <p:par>
+                    <p:cTn id="33" fill="hold">
+                      <p:stCondLst>
+                        <p:cond delay="indefinite"/>
+                      </p:stCondLst>
+                      <p:childTnLst>
+                        <p:par>
+                          <p:cTn id="34" fill="hold">
+                            <p:stCondLst>
+                              <p:cond delay="0"/>
+                            </p:stCondLst>
+                            <p:childTnLst>
+                              <p:par>
+                                <p:cTn id="35" presetID="10" presetClass="entr" presetSubtype="0" fill="hold" nodeType="clickEffect">
+                                  <p:stCondLst>
+                                    <p:cond delay="0"/>
+                                  </p:stCondLst>
+                                  <p:childTnLst>
+                                    <p:set>
+                                      <p:cBhvr>
+                                        <p:cTn id="36" dur="1" fill="hold">
+                                          <p:stCondLst>
+                                            <p:cond delay="0"/>
+                                          </p:stCondLst>
+                                        </p:cTn>
+                                        <p:tgtEl>
+                                          <p:spTgt spid="116">
+                                            <p:txEl>
+                                              <p:pRg st="6" end="6"/>
+                                            </p:txEl>
+                                          </p:spTgt>
+                                        </p:tgtEl>
+                                        <p:attrNameLst>
+                                          <p:attrName>style.visibility</p:attrName>
+                                        </p:attrNameLst>
+                                      </p:cBhvr>
+                                      <p:to>
+                                        <p:strVal val="visible"/>
+                                      </p:to>
+                                    </p:set>
+                                    <p:animEffect transition="in" filter="fade">
+                                      <p:cBhvr>
+                                        <p:cTn id="37" dur="1000"/>
+                                        <p:tgtEl>
+                                          <p:spTgt spid="116">
+                                            <p:txEl>
+                                              <p:pRg st="6" end="6"/>
+                                            </p:txEl>
+                                          </p:spTgt>
+                                        </p:tgtEl>
+                                      </p:cBhvr>
+                                    </p:animEffect>
+                                  </p:childTnLst>
+                                </p:cTn>
+                              </p:par>
+                            </p:childTnLst>
+                          </p:cTn>
+                        </p:par>
+                      </p:childTnLst>
+                    </p:cTn>
+                  </p:par>
+                  <p:par>
+                    <p:cTn id="38" fill="hold">
+                      <p:stCondLst>
+                        <p:cond delay="indefinite"/>
+                      </p:stCondLst>
+                      <p:childTnLst>
+                        <p:par>
+                          <p:cTn id="39" fill="hold">
+                            <p:stCondLst>
+                              <p:cond delay="0"/>
+                            </p:stCondLst>
+                            <p:childTnLst>
+                              <p:par>
+                                <p:cTn id="40" presetID="10" presetClass="entr" presetSubtype="0" fill="hold" nodeType="clickEffect">
+                                  <p:stCondLst>
+                                    <p:cond delay="0"/>
+                                  </p:stCondLst>
+                                  <p:childTnLst>
+                                    <p:set>
+                                      <p:cBhvr>
+                                        <p:cTn id="41" dur="1" fill="hold">
+                                          <p:stCondLst>
+                                            <p:cond delay="0"/>
+                                          </p:stCondLst>
+                                        </p:cTn>
+                                        <p:tgtEl>
+                                          <p:spTgt spid="116">
+                                            <p:txEl>
+                                              <p:pRg st="7" end="7"/>
+                                            </p:txEl>
+                                          </p:spTgt>
+                                        </p:tgtEl>
+                                        <p:attrNameLst>
+                                          <p:attrName>style.visibility</p:attrName>
+                                        </p:attrNameLst>
+                                      </p:cBhvr>
+                                      <p:to>
+                                        <p:strVal val="visible"/>
+                                      </p:to>
+                                    </p:set>
+                                    <p:animEffect transition="in" filter="fade">
+                                      <p:cBhvr>
+                                        <p:cTn id="42" dur="1000"/>
+                                        <p:tgtEl>
+                                          <p:spTgt spid="116">
+                                            <p:txEl>
+                                              <p:pRg st="7" end="7"/>
                                             </p:txEl>
                                           </p:spTgt>
                                         </p:tgtEl>
@@ -15107,14 +16326,14 @@
               <a:buChar char="●"/>
             </a:pPr>
             <a:r>
-              <a:rPr lang="en" sz="2400">
+              <a:rPr lang="en" sz="2400" dirty="0">
                 <a:solidFill>
                   <a:srgbClr val="FFFFFF"/>
                 </a:solidFill>
               </a:rPr>
               <a:t>Cascading Style Sheets</a:t>
             </a:r>
-            <a:endParaRPr sz="2400">
+            <a:endParaRPr sz="2400" dirty="0">
               <a:solidFill>
                 <a:srgbClr val="FFFFFF"/>
               </a:solidFill>
@@ -15133,7 +16352,7 @@
               </a:spcAft>
               <a:buNone/>
             </a:pPr>
-            <a:endParaRPr sz="1000">
+            <a:endParaRPr sz="1000" dirty="0">
               <a:solidFill>
                 <a:srgbClr val="FFFFFF"/>
               </a:solidFill>
@@ -15157,14 +16376,14 @@
               <a:buChar char="●"/>
             </a:pPr>
             <a:r>
-              <a:rPr lang="en" sz="2400">
+              <a:rPr lang="en" sz="2400" dirty="0">
                 <a:solidFill>
                   <a:srgbClr val="FFFFFF"/>
                 </a:solidFill>
               </a:rPr>
               <a:t>What is being styled?</a:t>
             </a:r>
-            <a:endParaRPr sz="2400">
+            <a:endParaRPr sz="2400" dirty="0">
               <a:solidFill>
                 <a:srgbClr val="FFFFFF"/>
               </a:solidFill>
@@ -15188,14 +16407,14 @@
               <a:buChar char="○"/>
             </a:pPr>
             <a:r>
-              <a:rPr lang="en" sz="2400">
+              <a:rPr lang="en" sz="2400" dirty="0">
                 <a:solidFill>
                   <a:srgbClr val="FFFFFF"/>
                 </a:solidFill>
               </a:rPr>
               <a:t>The HTML elements</a:t>
             </a:r>
-            <a:endParaRPr sz="2400">
+            <a:endParaRPr sz="2400" dirty="0">
               <a:solidFill>
                 <a:srgbClr val="FFFFFF"/>
               </a:solidFill>
@@ -15214,7 +16433,7 @@
               </a:spcAft>
               <a:buNone/>
             </a:pPr>
-            <a:endParaRPr sz="1000">
+            <a:endParaRPr sz="1000" dirty="0">
               <a:solidFill>
                 <a:srgbClr val="FFFFFF"/>
               </a:solidFill>
@@ -15238,7 +16457,7 @@
               <a:buChar char="●"/>
             </a:pPr>
             <a:r>
-              <a:rPr lang="en" sz="2400">
+              <a:rPr lang="en" sz="2400" dirty="0">
                 <a:solidFill>
                   <a:srgbClr val="FFFFFF"/>
                 </a:solidFill>
@@ -15246,7 +16465,7 @@
               <a:t>What does </a:t>
             </a:r>
             <a:r>
-              <a:rPr lang="en" sz="2400" u="sng">
+              <a:rPr lang="en" sz="2400" u="sng" dirty="0">
                 <a:solidFill>
                   <a:srgbClr val="FFFFFF"/>
                 </a:solidFill>
@@ -15254,14 +16473,14 @@
               <a:t>sheets</a:t>
             </a:r>
             <a:r>
-              <a:rPr lang="en" sz="2400">
+              <a:rPr lang="en" sz="2400" dirty="0">
                 <a:solidFill>
                   <a:srgbClr val="FFFFFF"/>
                 </a:solidFill>
               </a:rPr>
               <a:t> refer to?</a:t>
             </a:r>
-            <a:endParaRPr sz="2400">
+            <a:endParaRPr sz="2400" dirty="0">
               <a:solidFill>
                 <a:srgbClr val="FFFFFF"/>
               </a:solidFill>
@@ -15282,14 +16501,14 @@
               <a:buChar char="○"/>
             </a:pPr>
             <a:r>
-              <a:rPr lang="en" sz="2400">
+              <a:rPr lang="en" sz="2400" dirty="0">
                 <a:solidFill>
                   <a:schemeClr val="dk1"/>
                 </a:solidFill>
               </a:rPr>
               <a:t>style sheet = list of rules that determine the style</a:t>
             </a:r>
-            <a:endParaRPr sz="2400">
+            <a:endParaRPr sz="2400" dirty="0">
               <a:solidFill>
                 <a:schemeClr val="dk1"/>
               </a:solidFill>
@@ -15305,7 +16524,7 @@
               </a:spcAft>
               <a:buNone/>
             </a:pPr>
-            <a:endParaRPr sz="1000">
+            <a:endParaRPr sz="1000" dirty="0">
               <a:solidFill>
                 <a:schemeClr val="dk1"/>
               </a:solidFill>
@@ -15329,7 +16548,7 @@
               <a:buChar char="●"/>
             </a:pPr>
             <a:r>
-              <a:rPr lang="en" sz="2400">
+              <a:rPr lang="en" sz="2400" dirty="0">
                 <a:solidFill>
                   <a:srgbClr val="FFFFFF"/>
                 </a:solidFill>
@@ -15337,7 +16556,7 @@
               <a:t>What does </a:t>
             </a:r>
             <a:r>
-              <a:rPr lang="en" sz="2400" u="sng">
+              <a:rPr lang="en" sz="2400" u="sng" dirty="0">
                 <a:solidFill>
                   <a:srgbClr val="FFFFFF"/>
                 </a:solidFill>
@@ -15345,14 +16564,14 @@
               <a:t>cascading</a:t>
             </a:r>
             <a:r>
-              <a:rPr lang="en" sz="2400">
+              <a:rPr lang="en" sz="2400" dirty="0">
                 <a:solidFill>
                   <a:srgbClr val="FFFFFF"/>
                 </a:solidFill>
               </a:rPr>
               <a:t> refer to?</a:t>
             </a:r>
-            <a:endParaRPr sz="2400">
+            <a:endParaRPr sz="2400" dirty="0">
               <a:solidFill>
                 <a:srgbClr val="FFFFFF"/>
               </a:solidFill>
@@ -15376,14 +16595,14 @@
               <a:buChar char="○"/>
             </a:pPr>
             <a:r>
-              <a:rPr lang="en" sz="2400">
+              <a:rPr lang="en" sz="2400" dirty="0">
                 <a:solidFill>
                   <a:srgbClr val="FFFFFF"/>
                 </a:solidFill>
               </a:rPr>
               <a:t>To the cascading order in which the rules are applied</a:t>
             </a:r>
-            <a:endParaRPr sz="2400">
+            <a:endParaRPr sz="2400" dirty="0">
               <a:solidFill>
                 <a:srgbClr val="FFFFFF"/>
               </a:solidFill>
@@ -15407,14 +16626,14 @@
               <a:buChar char="○"/>
             </a:pPr>
             <a:r>
-              <a:rPr lang="en" sz="2400">
+              <a:rPr lang="en" sz="2400" dirty="0">
                 <a:solidFill>
                   <a:srgbClr val="FFFFFF"/>
                 </a:solidFill>
               </a:rPr>
               <a:t>This is how conflicting rules are resolved</a:t>
             </a:r>
-            <a:endParaRPr sz="2400">
+            <a:endParaRPr sz="2400" dirty="0">
               <a:solidFill>
                 <a:srgbClr val="FFFFFF"/>
               </a:solidFill>
@@ -15433,7 +16652,7 @@
               </a:spcAft>
               <a:buNone/>
             </a:pPr>
-            <a:endParaRPr sz="2400">
+            <a:endParaRPr sz="2400" dirty="0">
               <a:solidFill>
                 <a:schemeClr val="dk1"/>
               </a:solidFill>
@@ -15452,7 +16671,7 @@
               </a:spcAft>
               <a:buNone/>
             </a:pPr>
-            <a:endParaRPr sz="2200">
+            <a:endParaRPr sz="2200" dirty="0">
               <a:solidFill>
                 <a:srgbClr val="FFFFFF"/>
               </a:solidFill>
@@ -15471,7 +16690,7 @@
               </a:spcAft>
               <a:buNone/>
             </a:pPr>
-            <a:endParaRPr sz="2200">
+            <a:endParaRPr sz="2200" dirty="0">
               <a:solidFill>
                 <a:srgbClr val="FFFFFF"/>
               </a:solidFill>
@@ -15490,7 +16709,7 @@
               </a:spcAft>
               <a:buNone/>
             </a:pPr>
-            <a:endParaRPr sz="2400">
+            <a:endParaRPr sz="2400" dirty="0">
               <a:solidFill>
                 <a:srgbClr val="FFFFFF"/>
               </a:solidFill>
@@ -15506,7 +16725,7 @@
               </a:spcAft>
               <a:buNone/>
             </a:pPr>
-            <a:endParaRPr sz="2400">
+            <a:endParaRPr sz="2400" dirty="0">
               <a:solidFill>
                 <a:srgbClr val="FFFFFF"/>
               </a:solidFill>
@@ -16629,14 +17848,14 @@
               <a:buChar char="●"/>
             </a:pPr>
             <a:r>
-              <a:rPr lang="en" sz="2400">
+              <a:rPr lang="en" sz="2400" dirty="0">
                 <a:solidFill>
                   <a:srgbClr val="FFFFFF"/>
                 </a:solidFill>
               </a:rPr>
               <a:t>A &lt;p&gt; has margin on top and bottom because that is it’s default style</a:t>
             </a:r>
-            <a:endParaRPr sz="2400">
+            <a:endParaRPr sz="2400" dirty="0">
               <a:solidFill>
                 <a:srgbClr val="FFFFFF"/>
               </a:solidFill>
@@ -16660,14 +17879,35 @@
               <a:buChar char="●"/>
             </a:pPr>
             <a:r>
-              <a:rPr lang="en" sz="2400">
+              <a:rPr lang="en" sz="2400" dirty="0">
                 <a:solidFill>
                   <a:srgbClr val="FFFFFF"/>
                 </a:solidFill>
               </a:rPr>
               <a:t>The browser or “user agent” has default styles for all HTML elements</a:t>
             </a:r>
-            <a:endParaRPr sz="2400">
+          </a:p>
+          <a:p>
+            <a:pPr marL="457200" lvl="0" indent="-381000">
+              <a:spcBef>
+                <a:spcPts val="1000"/>
+              </a:spcBef>
+              <a:buClr>
+                <a:srgbClr val="FFFFFF"/>
+              </a:buClr>
+              <a:buSzPts val="2400"/>
+              <a:buChar char="●"/>
+            </a:pPr>
+            <a:r>
+              <a:rPr lang="en-US" sz="2400" dirty="0">
+                <a:solidFill>
+                  <a:srgbClr val="FFFFFF"/>
+                </a:solidFill>
+                <a:hlinkClick r:id="rId3"/>
+              </a:rPr>
+              <a:t>Some Default Styles</a:t>
+            </a:r>
+            <a:endParaRPr sz="2400" dirty="0">
               <a:solidFill>
                 <a:srgbClr val="FFFFFF"/>
               </a:solidFill>
@@ -16686,7 +17926,7 @@
               </a:spcAft>
               <a:buNone/>
             </a:pPr>
-            <a:endParaRPr sz="2400">
+            <a:endParaRPr sz="2400" dirty="0">
               <a:solidFill>
                 <a:schemeClr val="dk1"/>
               </a:solidFill>
@@ -16705,7 +17945,7 @@
               </a:spcAft>
               <a:buNone/>
             </a:pPr>
-            <a:endParaRPr sz="2200">
+            <a:endParaRPr sz="2200" dirty="0">
               <a:solidFill>
                 <a:srgbClr val="FFFFFF"/>
               </a:solidFill>
@@ -16724,7 +17964,7 @@
               </a:spcAft>
               <a:buNone/>
             </a:pPr>
-            <a:endParaRPr sz="2200">
+            <a:endParaRPr sz="2200" dirty="0">
               <a:solidFill>
                 <a:srgbClr val="FFFFFF"/>
               </a:solidFill>
@@ -16743,7 +17983,7 @@
               </a:spcAft>
               <a:buNone/>
             </a:pPr>
-            <a:endParaRPr sz="2400">
+            <a:endParaRPr sz="2400" dirty="0">
               <a:solidFill>
                 <a:srgbClr val="FFFFFF"/>
               </a:solidFill>
@@ -16759,7 +17999,7 @@
               </a:spcAft>
               <a:buNone/>
             </a:pPr>
-            <a:endParaRPr sz="2400">
+            <a:endParaRPr sz="2400" dirty="0">
               <a:solidFill>
                 <a:srgbClr val="FFFFFF"/>
               </a:solidFill>
@@ -16949,250 +18189,6 @@
                                           <p:spTgt spid="68">
                                             <p:txEl>
                                               <p:pRg st="2" end="2"/>
-                                            </p:txEl>
-                                          </p:spTgt>
-                                        </p:tgtEl>
-                                      </p:cBhvr>
-                                    </p:animEffect>
-                                  </p:childTnLst>
-                                </p:cTn>
-                              </p:par>
-                            </p:childTnLst>
-                          </p:cTn>
-                        </p:par>
-                      </p:childTnLst>
-                    </p:cTn>
-                  </p:par>
-                  <p:par>
-                    <p:cTn id="18" fill="hold">
-                      <p:stCondLst>
-                        <p:cond delay="indefinite"/>
-                      </p:stCondLst>
-                      <p:childTnLst>
-                        <p:par>
-                          <p:cTn id="19" fill="hold">
-                            <p:stCondLst>
-                              <p:cond delay="0"/>
-                            </p:stCondLst>
-                            <p:childTnLst>
-                              <p:par>
-                                <p:cTn id="20" presetID="10" presetClass="entr" presetSubtype="0" fill="hold" nodeType="clickEffect">
-                                  <p:stCondLst>
-                                    <p:cond delay="0"/>
-                                  </p:stCondLst>
-                                  <p:childTnLst>
-                                    <p:set>
-                                      <p:cBhvr>
-                                        <p:cTn id="21" dur="1" fill="hold">
-                                          <p:stCondLst>
-                                            <p:cond delay="0"/>
-                                          </p:stCondLst>
-                                        </p:cTn>
-                                        <p:tgtEl>
-                                          <p:spTgt spid="68">
-                                            <p:txEl>
-                                              <p:pRg st="3" end="3"/>
-                                            </p:txEl>
-                                          </p:spTgt>
-                                        </p:tgtEl>
-                                        <p:attrNameLst>
-                                          <p:attrName>style.visibility</p:attrName>
-                                        </p:attrNameLst>
-                                      </p:cBhvr>
-                                      <p:to>
-                                        <p:strVal val="visible"/>
-                                      </p:to>
-                                    </p:set>
-                                    <p:animEffect transition="in" filter="fade">
-                                      <p:cBhvr>
-                                        <p:cTn id="22" dur="1000"/>
-                                        <p:tgtEl>
-                                          <p:spTgt spid="68">
-                                            <p:txEl>
-                                              <p:pRg st="3" end="3"/>
-                                            </p:txEl>
-                                          </p:spTgt>
-                                        </p:tgtEl>
-                                      </p:cBhvr>
-                                    </p:animEffect>
-                                  </p:childTnLst>
-                                </p:cTn>
-                              </p:par>
-                            </p:childTnLst>
-                          </p:cTn>
-                        </p:par>
-                      </p:childTnLst>
-                    </p:cTn>
-                  </p:par>
-                  <p:par>
-                    <p:cTn id="23" fill="hold">
-                      <p:stCondLst>
-                        <p:cond delay="indefinite"/>
-                      </p:stCondLst>
-                      <p:childTnLst>
-                        <p:par>
-                          <p:cTn id="24" fill="hold">
-                            <p:stCondLst>
-                              <p:cond delay="0"/>
-                            </p:stCondLst>
-                            <p:childTnLst>
-                              <p:par>
-                                <p:cTn id="25" presetID="10" presetClass="entr" presetSubtype="0" fill="hold" nodeType="clickEffect">
-                                  <p:stCondLst>
-                                    <p:cond delay="0"/>
-                                  </p:stCondLst>
-                                  <p:childTnLst>
-                                    <p:set>
-                                      <p:cBhvr>
-                                        <p:cTn id="26" dur="1" fill="hold">
-                                          <p:stCondLst>
-                                            <p:cond delay="0"/>
-                                          </p:stCondLst>
-                                        </p:cTn>
-                                        <p:tgtEl>
-                                          <p:spTgt spid="68">
-                                            <p:txEl>
-                                              <p:pRg st="4" end="4"/>
-                                            </p:txEl>
-                                          </p:spTgt>
-                                        </p:tgtEl>
-                                        <p:attrNameLst>
-                                          <p:attrName>style.visibility</p:attrName>
-                                        </p:attrNameLst>
-                                      </p:cBhvr>
-                                      <p:to>
-                                        <p:strVal val="visible"/>
-                                      </p:to>
-                                    </p:set>
-                                    <p:animEffect transition="in" filter="fade">
-                                      <p:cBhvr>
-                                        <p:cTn id="27" dur="1000"/>
-                                        <p:tgtEl>
-                                          <p:spTgt spid="68">
-                                            <p:txEl>
-                                              <p:pRg st="4" end="4"/>
-                                            </p:txEl>
-                                          </p:spTgt>
-                                        </p:tgtEl>
-                                      </p:cBhvr>
-                                    </p:animEffect>
-                                  </p:childTnLst>
-                                </p:cTn>
-                              </p:par>
-                            </p:childTnLst>
-                          </p:cTn>
-                        </p:par>
-                      </p:childTnLst>
-                    </p:cTn>
-                  </p:par>
-                  <p:par>
-                    <p:cTn id="28" fill="hold">
-                      <p:stCondLst>
-                        <p:cond delay="indefinite"/>
-                      </p:stCondLst>
-                      <p:childTnLst>
-                        <p:par>
-                          <p:cTn id="29" fill="hold">
-                            <p:stCondLst>
-                              <p:cond delay="0"/>
-                            </p:stCondLst>
-                            <p:childTnLst>
-                              <p:par>
-                                <p:cTn id="30" presetID="10" presetClass="entr" presetSubtype="0" fill="hold" nodeType="clickEffect">
-                                  <p:stCondLst>
-                                    <p:cond delay="0"/>
-                                  </p:stCondLst>
-                                  <p:childTnLst>
-                                    <p:set>
-                                      <p:cBhvr>
-                                        <p:cTn id="31" dur="1" fill="hold">
-                                          <p:stCondLst>
-                                            <p:cond delay="0"/>
-                                          </p:stCondLst>
-                                        </p:cTn>
-                                        <p:tgtEl>
-                                          <p:spTgt spid="68">
-                                            <p:txEl>
-                                              <p:pRg st="5" end="5"/>
-                                            </p:txEl>
-                                          </p:spTgt>
-                                        </p:tgtEl>
-                                        <p:attrNameLst>
-                                          <p:attrName>style.visibility</p:attrName>
-                                        </p:attrNameLst>
-                                      </p:cBhvr>
-                                      <p:to>
-                                        <p:strVal val="visible"/>
-                                      </p:to>
-                                    </p:set>
-                                    <p:animEffect transition="in" filter="fade">
-                                      <p:cBhvr>
-                                        <p:cTn id="32" dur="1000"/>
-                                        <p:tgtEl>
-                                          <p:spTgt spid="68">
-                                            <p:txEl>
-                                              <p:pRg st="5" end="5"/>
-                                            </p:txEl>
-                                          </p:spTgt>
-                                        </p:tgtEl>
-                                      </p:cBhvr>
-                                    </p:animEffect>
-                                  </p:childTnLst>
-                                </p:cTn>
-                              </p:par>
-                            </p:childTnLst>
-                          </p:cTn>
-                        </p:par>
-                      </p:childTnLst>
-                    </p:cTn>
-                  </p:par>
-                  <p:par>
-                    <p:cTn id="33" fill="hold">
-                      <p:stCondLst>
-                        <p:cond delay="indefinite"/>
-                      </p:stCondLst>
-                      <p:childTnLst>
-                        <p:par>
-                          <p:cTn id="34" fill="hold">
-                            <p:stCondLst>
-                              <p:cond delay="0"/>
-                            </p:stCondLst>
-                            <p:childTnLst>
-                              <p:par>
-                                <p:cTn id="35" presetID="10" presetClass="entr" presetSubtype="0" fill="hold" nodeType="clickEffect">
-                                  <p:stCondLst>
-                                    <p:cond delay="0"/>
-                                  </p:stCondLst>
-                                  <p:childTnLst>
-                                    <p:set>
-                                      <p:cBhvr>
-                                        <p:cTn id="36" dur="1" fill="hold">
-                                          <p:stCondLst>
-                                            <p:cond delay="0"/>
-                                          </p:stCondLst>
-                                        </p:cTn>
-                                        <p:tgtEl>
-                                          <p:spTgt spid="68">
-                                            <p:txEl>
-                                              <p:pRg st="6" end="6"/>
-                                            </p:txEl>
-                                          </p:spTgt>
-                                        </p:tgtEl>
-                                        <p:attrNameLst>
-                                          <p:attrName>style.visibility</p:attrName>
-                                        </p:attrNameLst>
-                                      </p:cBhvr>
-                                      <p:to>
-                                        <p:strVal val="visible"/>
-                                      </p:to>
-                                    </p:set>
-                                    <p:animEffect transition="in" filter="fade">
-                                      <p:cBhvr>
-                                        <p:cTn id="37" dur="1000"/>
-                                        <p:tgtEl>
-                                          <p:spTgt spid="68">
-                                            <p:txEl>
-                                              <p:pRg st="6" end="6"/>
                                             </p:txEl>
                                           </p:spTgt>
                                         </p:tgtEl>

--- a/slides/Unit 2 - LC 101 - Class 2.pptx
+++ b/slides/Unit 2 - LC 101 - Class 2.pptx
@@ -5,7 +5,7 @@
     <p:sldMasterId id="2147483659" r:id="rId1"/>
   </p:sldMasterIdLst>
   <p:notesMasterIdLst>
-    <p:notesMasterId r:id="rId23"/>
+    <p:notesMasterId r:id="rId26"/>
   </p:notesMasterIdLst>
   <p:sldIdLst>
     <p:sldId id="270" r:id="rId2"/>
@@ -29,6 +29,9 @@
     <p:sldId id="265" r:id="rId20"/>
     <p:sldId id="278" r:id="rId21"/>
     <p:sldId id="266" r:id="rId22"/>
+    <p:sldId id="282" r:id="rId23"/>
+    <p:sldId id="279" r:id="rId24"/>
+    <p:sldId id="281" r:id="rId25"/>
   </p:sldIdLst>
   <p:sldSz cx="9144000" cy="5143500" type="screen16x9"/>
   <p:notesSz cx="6858000" cy="9144000"/>
@@ -1033,7 +1036,7 @@
           <a:p>
             <a:r>
               <a:rPr lang="en-US" dirty="0"/>
-              <a:t>cd lc101/class2</a:t>
+              <a:t>cd lc101/class2/examples</a:t>
             </a:r>
           </a:p>
           <a:p>
@@ -1123,7 +1126,7 @@
           <a:p>
             <a:r>
               <a:rPr lang="en-US" dirty="0"/>
-              <a:t>cd lc101/class2</a:t>
+              <a:t>cd lc101/class2/examples</a:t>
             </a:r>
           </a:p>
           <a:p>
@@ -1614,7 +1617,7 @@
           <a:p>
             <a:r>
               <a:rPr lang="en-US" dirty="0"/>
-              <a:t>cd lc101/class2</a:t>
+              <a:t>cd lc101/class2/examples</a:t>
             </a:r>
           </a:p>
           <a:p>
@@ -2093,18 +2096,19 @@
           <a:lstStyle/>
           <a:p>
             <a:r>
+              <a:rPr lang="en-US" dirty="0"/>
+              <a:t>Show how to create new Branches HTML</a:t>
+            </a:r>
+          </a:p>
+          <a:p>
+            <a:r>
               <a:rPr lang="en-US" dirty="0" err="1"/>
               <a:t>Flicklist</a:t>
             </a:r>
             <a:r>
               <a:rPr lang="en-US" dirty="0"/>
-              <a:t> branches to show how </a:t>
+              <a:t> branches to show how many branches etc.</a:t>
             </a:r>
-            <a:r>
-              <a:rPr lang="en-US"/>
-              <a:t>many branches etc.</a:t>
-            </a:r>
-            <a:endParaRPr lang="en-US" dirty="0"/>
           </a:p>
         </p:txBody>
       </p:sp>
@@ -2225,6 +2229,253 @@
 </p:notes>
 </file>
 
+<file path=ppt/notesSlides/notesSlide22.xml><?xml version="1.0" encoding="utf-8"?>
+<p:notes xmlns:a="http://schemas.openxmlformats.org/drawingml/2006/main" xmlns:r="http://schemas.openxmlformats.org/officeDocument/2006/relationships" xmlns:p="http://schemas.openxmlformats.org/presentationml/2006/main">
+  <p:cSld>
+    <p:spTree>
+      <p:nvGrpSpPr>
+        <p:cNvPr id="1" name=""/>
+        <p:cNvGrpSpPr/>
+        <p:nvPr/>
+      </p:nvGrpSpPr>
+      <p:grpSpPr>
+        <a:xfrm>
+          <a:off x="0" y="0"/>
+          <a:ext cx="0" cy="0"/>
+          <a:chOff x="0" y="0"/>
+          <a:chExt cx="0" cy="0"/>
+        </a:xfrm>
+      </p:grpSpPr>
+      <p:sp>
+        <p:nvSpPr>
+          <p:cNvPr id="2" name="Slide Image Placeholder 1"/>
+          <p:cNvSpPr>
+            <a:spLocks noGrp="1" noRot="1" noChangeAspect="1"/>
+          </p:cNvSpPr>
+          <p:nvPr>
+            <p:ph type="sldImg"/>
+          </p:nvPr>
+        </p:nvSpPr>
+        <p:spPr>
+          <a:xfrm>
+            <a:off x="381000" y="685800"/>
+            <a:ext cx="6096000" cy="3429000"/>
+          </a:xfrm>
+        </p:spPr>
+      </p:sp>
+      <p:sp>
+        <p:nvSpPr>
+          <p:cNvPr id="3" name="Notes Placeholder 2"/>
+          <p:cNvSpPr>
+            <a:spLocks noGrp="1"/>
+          </p:cNvSpPr>
+          <p:nvPr>
+            <p:ph type="body" idx="1"/>
+          </p:nvPr>
+        </p:nvSpPr>
+        <p:spPr/>
+        <p:txBody>
+          <a:bodyPr/>
+          <a:lstStyle/>
+          <a:p>
+            <a:r>
+              <a:rPr lang="en-US" dirty="0"/>
+              <a:t>Force a merge conflict </a:t>
+            </a:r>
+            <a:r>
+              <a:rPr lang="en-US"/>
+              <a:t>in HTML-me-something</a:t>
+            </a:r>
+            <a:endParaRPr lang="en-US" dirty="0"/>
+          </a:p>
+        </p:txBody>
+      </p:sp>
+    </p:spTree>
+    <p:extLst>
+      <p:ext uri="{BB962C8B-B14F-4D97-AF65-F5344CB8AC3E}">
+        <p14:creationId xmlns:p14="http://schemas.microsoft.com/office/powerpoint/2010/main" val="3922236139"/>
+      </p:ext>
+    </p:extLst>
+  </p:cSld>
+  <p:clrMapOvr>
+    <a:masterClrMapping/>
+  </p:clrMapOvr>
+</p:notes>
+</file>
+
+<file path=ppt/notesSlides/notesSlide23.xml><?xml version="1.0" encoding="utf-8"?>
+<p:notes xmlns:a="http://schemas.openxmlformats.org/drawingml/2006/main" xmlns:r="http://schemas.openxmlformats.org/officeDocument/2006/relationships" xmlns:p="http://schemas.openxmlformats.org/presentationml/2006/main">
+  <p:cSld>
+    <p:spTree>
+      <p:nvGrpSpPr>
+        <p:cNvPr id="1" name=""/>
+        <p:cNvGrpSpPr/>
+        <p:nvPr/>
+      </p:nvGrpSpPr>
+      <p:grpSpPr>
+        <a:xfrm>
+          <a:off x="0" y="0"/>
+          <a:ext cx="0" cy="0"/>
+          <a:chOff x="0" y="0"/>
+          <a:chExt cx="0" cy="0"/>
+        </a:xfrm>
+      </p:grpSpPr>
+      <p:sp>
+        <p:nvSpPr>
+          <p:cNvPr id="2" name="Slide Image Placeholder 1"/>
+          <p:cNvSpPr>
+            <a:spLocks noGrp="1" noRot="1" noChangeAspect="1"/>
+          </p:cNvSpPr>
+          <p:nvPr>
+            <p:ph type="sldImg"/>
+          </p:nvPr>
+        </p:nvSpPr>
+        <p:spPr>
+          <a:xfrm>
+            <a:off x="381000" y="685800"/>
+            <a:ext cx="6096000" cy="3429000"/>
+          </a:xfrm>
+        </p:spPr>
+      </p:sp>
+      <p:sp>
+        <p:nvSpPr>
+          <p:cNvPr id="3" name="Notes Placeholder 2"/>
+          <p:cNvSpPr>
+            <a:spLocks noGrp="1"/>
+          </p:cNvSpPr>
+          <p:nvPr>
+            <p:ph type="body" idx="1"/>
+          </p:nvPr>
+        </p:nvSpPr>
+        <p:spPr/>
+        <p:txBody>
+          <a:bodyPr/>
+          <a:lstStyle/>
+          <a:p>
+            <a:r>
+              <a:rPr lang="en-US" dirty="0"/>
+              <a:t>Questions before moving on to the Studio?</a:t>
+            </a:r>
+          </a:p>
+        </p:txBody>
+      </p:sp>
+    </p:spTree>
+    <p:extLst>
+      <p:ext uri="{BB962C8B-B14F-4D97-AF65-F5344CB8AC3E}">
+        <p14:creationId xmlns:p14="http://schemas.microsoft.com/office/powerpoint/2010/main" val="3545629213"/>
+      </p:ext>
+    </p:extLst>
+  </p:cSld>
+  <p:clrMapOvr>
+    <a:masterClrMapping/>
+  </p:clrMapOvr>
+</p:notes>
+</file>
+
+<file path=ppt/notesSlides/notesSlide24.xml><?xml version="1.0" encoding="utf-8"?>
+<p:notes xmlns:a="http://schemas.openxmlformats.org/drawingml/2006/main" xmlns:r="http://schemas.openxmlformats.org/officeDocument/2006/relationships" xmlns:p="http://schemas.openxmlformats.org/presentationml/2006/main" showMasterSp="0" showMasterPhAnim="0">
+  <p:cSld>
+    <p:spTree>
+      <p:nvGrpSpPr>
+        <p:cNvPr id="1" name="Shape 111"/>
+        <p:cNvGrpSpPr/>
+        <p:nvPr/>
+      </p:nvGrpSpPr>
+      <p:grpSpPr>
+        <a:xfrm>
+          <a:off x="0" y="0"/>
+          <a:ext cx="0" cy="0"/>
+          <a:chOff x="0" y="0"/>
+          <a:chExt cx="0" cy="0"/>
+        </a:xfrm>
+      </p:grpSpPr>
+      <p:sp>
+        <p:nvSpPr>
+          <p:cNvPr id="112" name="Shape 112"/>
+          <p:cNvSpPr>
+            <a:spLocks noGrp="1" noRot="1" noChangeAspect="1"/>
+          </p:cNvSpPr>
+          <p:nvPr>
+            <p:ph type="sldImg" idx="2"/>
+          </p:nvPr>
+        </p:nvSpPr>
+        <p:spPr>
+          <a:xfrm>
+            <a:off x="381000" y="685800"/>
+            <a:ext cx="6096000" cy="3429000"/>
+          </a:xfrm>
+          <a:custGeom>
+            <a:avLst/>
+            <a:gdLst/>
+            <a:ahLst/>
+            <a:cxnLst/>
+            <a:rect l="0" t="0" r="0" b="0"/>
+            <a:pathLst>
+              <a:path w="120000" h="120000" extrusionOk="0">
+                <a:moveTo>
+                  <a:pt x="0" y="0"/>
+                </a:moveTo>
+                <a:lnTo>
+                  <a:pt x="120000" y="0"/>
+                </a:lnTo>
+                <a:lnTo>
+                  <a:pt x="120000" y="120000"/>
+                </a:lnTo>
+                <a:lnTo>
+                  <a:pt x="0" y="120000"/>
+                </a:lnTo>
+                <a:close/>
+              </a:path>
+            </a:pathLst>
+          </a:custGeom>
+        </p:spPr>
+      </p:sp>
+      <p:sp>
+        <p:nvSpPr>
+          <p:cNvPr id="113" name="Shape 113"/>
+          <p:cNvSpPr txBox="1">
+            <a:spLocks noGrp="1"/>
+          </p:cNvSpPr>
+          <p:nvPr>
+            <p:ph type="body" idx="1"/>
+          </p:nvPr>
+        </p:nvSpPr>
+        <p:spPr>
+          <a:xfrm>
+            <a:off x="685800" y="4343400"/>
+            <a:ext cx="5486400" cy="4114800"/>
+          </a:xfrm>
+          <a:prstGeom prst="rect">
+            <a:avLst/>
+          </a:prstGeom>
+        </p:spPr>
+        <p:txBody>
+          <a:bodyPr spcFirstLastPara="1" wrap="square" lIns="91425" tIns="91425" rIns="91425" bIns="91425" anchor="t" anchorCtr="0">
+            <a:noAutofit/>
+          </a:bodyPr>
+          <a:lstStyle/>
+          <a:p>
+            <a:r>
+              <a:rPr lang="en-US" dirty="0"/>
+              <a:t>For odd numbered groups, find a person in a different group, or ask your TF to work with you. (We want as few TFs as possible coding so they can answer questions.)</a:t>
+            </a:r>
+            <a:endParaRPr dirty="0"/>
+          </a:p>
+        </p:txBody>
+      </p:sp>
+    </p:spTree>
+    <p:extLst>
+      <p:ext uri="{BB962C8B-B14F-4D97-AF65-F5344CB8AC3E}">
+        <p14:creationId xmlns:p14="http://schemas.microsoft.com/office/powerpoint/2010/main" val="1136858201"/>
+      </p:ext>
+    </p:extLst>
+  </p:cSld>
+  <p:clrMapOvr>
+    <a:masterClrMapping/>
+  </p:clrMapOvr>
+</p:notes>
+</file>
+
 <file path=ppt/notesSlides/notesSlide3.xml><?xml version="1.0" encoding="utf-8"?>
 <p:notes xmlns:a="http://schemas.openxmlformats.org/drawingml/2006/main" xmlns:r="http://schemas.openxmlformats.org/officeDocument/2006/relationships" xmlns:p="http://schemas.openxmlformats.org/presentationml/2006/main">
   <p:cSld>
@@ -2942,7 +3193,7 @@
               <a:rPr lang="en-US" dirty="0">
                 <a:sym typeface="Wingdings" panose="05000000000000000000" pitchFamily="2" charset="2"/>
               </a:rPr>
-              <a:t> cd lc101/class2</a:t>
+              <a:t> cd lc101/class2/examples</a:t>
             </a:r>
           </a:p>
           <a:p>
@@ -10763,7 +11014,7 @@
               <a:buChar char="●"/>
             </a:pPr>
             <a:r>
-              <a:rPr lang="en" sz="2400">
+              <a:rPr lang="en" sz="2400" dirty="0">
                 <a:solidFill>
                   <a:schemeClr val="dk1"/>
                 </a:solidFill>
@@ -10771,7 +11022,7 @@
               <a:t>Uses the </a:t>
             </a:r>
             <a:r>
-              <a:rPr lang="en" sz="2400" u="sng">
+              <a:rPr lang="en" sz="2400" u="sng" dirty="0">
                 <a:solidFill>
                   <a:schemeClr val="dk1"/>
                 </a:solidFill>
@@ -10779,14 +11030,14 @@
               <a:t>class attribute</a:t>
             </a:r>
             <a:r>
-              <a:rPr lang="en" sz="2400">
+              <a:rPr lang="en" sz="2400" dirty="0">
                 <a:solidFill>
                   <a:schemeClr val="dk1"/>
                 </a:solidFill>
               </a:rPr>
               <a:t> of an element</a:t>
             </a:r>
-            <a:endParaRPr sz="2400">
+            <a:endParaRPr sz="2400" dirty="0">
               <a:solidFill>
                 <a:schemeClr val="dk1"/>
               </a:solidFill>
@@ -10807,14 +11058,14 @@
               <a:buChar char="●"/>
             </a:pPr>
             <a:r>
-              <a:rPr lang="en" sz="2400">
+              <a:rPr lang="en" sz="2400" dirty="0">
                 <a:solidFill>
                   <a:schemeClr val="dk1"/>
                 </a:solidFill>
               </a:rPr>
               <a:t>&lt;h1 class="section-title"&gt;Welcome to LC101&lt;/h1&gt;</a:t>
             </a:r>
-            <a:endParaRPr sz="2400">
+            <a:endParaRPr sz="2400" dirty="0">
               <a:solidFill>
                 <a:schemeClr val="dk1"/>
               </a:solidFill>
@@ -10835,14 +11086,14 @@
               <a:buChar char="●"/>
             </a:pPr>
             <a:r>
-              <a:rPr lang="en" sz="2400">
+              <a:rPr lang="en" sz="2400" dirty="0">
                 <a:solidFill>
                   <a:schemeClr val="dk1"/>
                 </a:solidFill>
               </a:rPr>
               <a:t>&lt;style type="text/css"&gt;</a:t>
             </a:r>
-            <a:endParaRPr sz="2400">
+            <a:endParaRPr sz="2400" dirty="0">
               <a:solidFill>
                 <a:schemeClr val="dk1"/>
               </a:solidFill>
@@ -10859,14 +11110,14 @@
               <a:buNone/>
             </a:pPr>
             <a:r>
-              <a:rPr lang="en" sz="2400">
+              <a:rPr lang="en" sz="2400" dirty="0">
                 <a:solidFill>
                   <a:schemeClr val="dk1"/>
                 </a:solidFill>
               </a:rPr>
               <a:t>		.section-title {</a:t>
             </a:r>
-            <a:endParaRPr sz="2400">
+            <a:endParaRPr sz="2400" dirty="0">
               <a:solidFill>
                 <a:schemeClr val="dk1"/>
               </a:solidFill>
@@ -10883,14 +11134,14 @@
               <a:buNone/>
             </a:pPr>
             <a:r>
-              <a:rPr lang="en" sz="2400">
+              <a:rPr lang="en" sz="2400" dirty="0">
                 <a:solidFill>
                   <a:schemeClr val="dk1"/>
                 </a:solidFill>
               </a:rPr>
               <a:t>			font-size: 20px;</a:t>
             </a:r>
-            <a:endParaRPr sz="2400">
+            <a:endParaRPr sz="2400" dirty="0">
               <a:solidFill>
                 <a:schemeClr val="dk1"/>
               </a:solidFill>
@@ -10907,14 +11158,14 @@
               <a:buNone/>
             </a:pPr>
             <a:r>
-              <a:rPr lang="en" sz="2400">
+              <a:rPr lang="en" sz="2400" dirty="0">
                 <a:solidFill>
                   <a:schemeClr val="dk1"/>
                 </a:solidFill>
               </a:rPr>
               <a:t>			text-align: center;</a:t>
             </a:r>
-            <a:endParaRPr sz="2400">
+            <a:endParaRPr sz="2400" dirty="0">
               <a:solidFill>
                 <a:schemeClr val="dk1"/>
               </a:solidFill>
@@ -10931,14 +11182,14 @@
               <a:buNone/>
             </a:pPr>
             <a:r>
-              <a:rPr lang="en" sz="2400">
+              <a:rPr lang="en" sz="2400" dirty="0">
                 <a:solidFill>
                   <a:schemeClr val="dk1"/>
                 </a:solidFill>
               </a:rPr>
               <a:t>}</a:t>
             </a:r>
-            <a:endParaRPr sz="2400">
+            <a:endParaRPr sz="2400" dirty="0">
               <a:solidFill>
                 <a:schemeClr val="dk1"/>
               </a:solidFill>
@@ -10955,14 +11206,14 @@
               <a:buNone/>
             </a:pPr>
             <a:r>
-              <a:rPr lang="en" sz="2400">
+              <a:rPr lang="en" sz="2400" dirty="0">
                 <a:solidFill>
                   <a:schemeClr val="dk1"/>
                 </a:solidFill>
               </a:rPr>
               <a:t>&lt;/style&gt;</a:t>
             </a:r>
-            <a:endParaRPr sz="2400">
+            <a:endParaRPr sz="2400" dirty="0">
               <a:solidFill>
                 <a:schemeClr val="dk1"/>
               </a:solidFill>
@@ -10981,7 +11232,7 @@
               </a:spcAft>
               <a:buNone/>
             </a:pPr>
-            <a:endParaRPr sz="2400">
+            <a:endParaRPr sz="2400" dirty="0">
               <a:solidFill>
                 <a:srgbClr val="FFFFFF"/>
               </a:solidFill>
@@ -11000,7 +11251,7 @@
               </a:spcAft>
               <a:buNone/>
             </a:pPr>
-            <a:endParaRPr sz="2400">
+            <a:endParaRPr sz="2400" dirty="0">
               <a:solidFill>
                 <a:schemeClr val="dk1"/>
               </a:solidFill>
@@ -11019,7 +11270,7 @@
               </a:spcAft>
               <a:buNone/>
             </a:pPr>
-            <a:endParaRPr sz="2200">
+            <a:endParaRPr sz="2200" dirty="0">
               <a:solidFill>
                 <a:srgbClr val="FFFFFF"/>
               </a:solidFill>
@@ -11038,7 +11289,7 @@
               </a:spcAft>
               <a:buNone/>
             </a:pPr>
-            <a:endParaRPr sz="2200">
+            <a:endParaRPr sz="2200" dirty="0">
               <a:solidFill>
                 <a:srgbClr val="FFFFFF"/>
               </a:solidFill>
@@ -11057,7 +11308,7 @@
               </a:spcAft>
               <a:buNone/>
             </a:pPr>
-            <a:endParaRPr sz="2400">
+            <a:endParaRPr sz="2400" dirty="0">
               <a:solidFill>
                 <a:srgbClr val="FFFFFF"/>
               </a:solidFill>
@@ -11073,7 +11324,7 @@
               </a:spcAft>
               <a:buNone/>
             </a:pPr>
-            <a:endParaRPr sz="2400">
+            <a:endParaRPr sz="2400" dirty="0">
               <a:solidFill>
                 <a:srgbClr val="FFFFFF"/>
               </a:solidFill>
@@ -15961,6 +16212,1049 @@
                                           <p:spTgt spid="116">
                                             <p:txEl>
                                               <p:pRg st="7" end="7"/>
+                                            </p:txEl>
+                                          </p:spTgt>
+                                        </p:tgtEl>
+                                      </p:cBhvr>
+                                    </p:animEffect>
+                                  </p:childTnLst>
+                                </p:cTn>
+                              </p:par>
+                            </p:childTnLst>
+                          </p:cTn>
+                        </p:par>
+                      </p:childTnLst>
+                    </p:cTn>
+                  </p:par>
+                </p:childTnLst>
+              </p:cTn>
+              <p:prevCondLst>
+                <p:cond evt="onPrev" delay="0">
+                  <p:tgtEl>
+                    <p:sldTgt/>
+                  </p:tgtEl>
+                </p:cond>
+              </p:prevCondLst>
+              <p:nextCondLst>
+                <p:cond evt="onNext" delay="0">
+                  <p:tgtEl>
+                    <p:sldTgt/>
+                  </p:tgtEl>
+                </p:cond>
+              </p:nextCondLst>
+            </p:seq>
+          </p:childTnLst>
+        </p:cTn>
+      </p:par>
+    </p:tnLst>
+  </p:timing>
+</p:sld>
+</file>
+
+<file path=ppt/slides/slide22.xml><?xml version="1.0" encoding="utf-8"?>
+<p:sld xmlns:a="http://schemas.openxmlformats.org/drawingml/2006/main" xmlns:r="http://schemas.openxmlformats.org/officeDocument/2006/relationships" xmlns:p="http://schemas.openxmlformats.org/presentationml/2006/main">
+  <p:cSld>
+    <p:spTree>
+      <p:nvGrpSpPr>
+        <p:cNvPr id="1" name=""/>
+        <p:cNvGrpSpPr/>
+        <p:nvPr/>
+      </p:nvGrpSpPr>
+      <p:grpSpPr>
+        <a:xfrm>
+          <a:off x="0" y="0"/>
+          <a:ext cx="0" cy="0"/>
+          <a:chOff x="0" y="0"/>
+          <a:chExt cx="0" cy="0"/>
+        </a:xfrm>
+      </p:grpSpPr>
+      <p:sp>
+        <p:nvSpPr>
+          <p:cNvPr id="2" name="Title 1">
+            <a:extLst>
+              <a:ext uri="{FF2B5EF4-FFF2-40B4-BE49-F238E27FC236}">
+                <a16:creationId xmlns:a16="http://schemas.microsoft.com/office/drawing/2014/main" id="{52845B50-28E8-4574-9B84-7FF15E0D4F3B}"/>
+              </a:ext>
+            </a:extLst>
+          </p:cNvPr>
+          <p:cNvSpPr>
+            <a:spLocks noGrp="1"/>
+          </p:cNvSpPr>
+          <p:nvPr>
+            <p:ph type="title"/>
+          </p:nvPr>
+        </p:nvSpPr>
+        <p:spPr/>
+        <p:txBody>
+          <a:bodyPr/>
+          <a:lstStyle/>
+          <a:p>
+            <a:r>
+              <a:rPr lang="en-US" dirty="0"/>
+              <a:t>Example of Merging</a:t>
+            </a:r>
+          </a:p>
+        </p:txBody>
+      </p:sp>
+    </p:spTree>
+    <p:extLst>
+      <p:ext uri="{BB962C8B-B14F-4D97-AF65-F5344CB8AC3E}">
+        <p14:creationId xmlns:p14="http://schemas.microsoft.com/office/powerpoint/2010/main" val="2663078975"/>
+      </p:ext>
+    </p:extLst>
+  </p:cSld>
+  <p:clrMapOvr>
+    <a:masterClrMapping/>
+  </p:clrMapOvr>
+</p:sld>
+</file>
+
+<file path=ppt/slides/slide23.xml><?xml version="1.0" encoding="utf-8"?>
+<p:sld xmlns:a="http://schemas.openxmlformats.org/drawingml/2006/main" xmlns:r="http://schemas.openxmlformats.org/officeDocument/2006/relationships" xmlns:p="http://schemas.openxmlformats.org/presentationml/2006/main">
+  <p:cSld>
+    <p:spTree>
+      <p:nvGrpSpPr>
+        <p:cNvPr id="1" name=""/>
+        <p:cNvGrpSpPr/>
+        <p:nvPr/>
+      </p:nvGrpSpPr>
+      <p:grpSpPr>
+        <a:xfrm>
+          <a:off x="0" y="0"/>
+          <a:ext cx="0" cy="0"/>
+          <a:chOff x="0" y="0"/>
+          <a:chExt cx="0" cy="0"/>
+        </a:xfrm>
+      </p:grpSpPr>
+      <p:sp>
+        <p:nvSpPr>
+          <p:cNvPr id="2" name="Title 1">
+            <a:extLst>
+              <a:ext uri="{FF2B5EF4-FFF2-40B4-BE49-F238E27FC236}">
+                <a16:creationId xmlns:a16="http://schemas.microsoft.com/office/drawing/2014/main" id="{52845B50-28E8-4574-9B84-7FF15E0D4F3B}"/>
+              </a:ext>
+            </a:extLst>
+          </p:cNvPr>
+          <p:cNvSpPr>
+            <a:spLocks noGrp="1"/>
+          </p:cNvSpPr>
+          <p:nvPr>
+            <p:ph type="title"/>
+          </p:nvPr>
+        </p:nvSpPr>
+        <p:spPr/>
+        <p:txBody>
+          <a:bodyPr/>
+          <a:lstStyle/>
+          <a:p>
+            <a:r>
+              <a:rPr lang="en-US" dirty="0"/>
+              <a:t>Questions?</a:t>
+            </a:r>
+          </a:p>
+        </p:txBody>
+      </p:sp>
+    </p:spTree>
+    <p:extLst>
+      <p:ext uri="{BB962C8B-B14F-4D97-AF65-F5344CB8AC3E}">
+        <p14:creationId xmlns:p14="http://schemas.microsoft.com/office/powerpoint/2010/main" val="3116463916"/>
+      </p:ext>
+    </p:extLst>
+  </p:cSld>
+  <p:clrMapOvr>
+    <a:masterClrMapping/>
+  </p:clrMapOvr>
+</p:sld>
+</file>
+
+<file path=ppt/slides/slide24.xml><?xml version="1.0" encoding="utf-8"?>
+<p:sld xmlns:a="http://schemas.openxmlformats.org/drawingml/2006/main" xmlns:r="http://schemas.openxmlformats.org/officeDocument/2006/relationships" xmlns:p="http://schemas.openxmlformats.org/presentationml/2006/main">
+  <p:cSld>
+    <p:spTree>
+      <p:nvGrpSpPr>
+        <p:cNvPr id="1" name="Shape 114"/>
+        <p:cNvGrpSpPr/>
+        <p:nvPr/>
+      </p:nvGrpSpPr>
+      <p:grpSpPr>
+        <a:xfrm>
+          <a:off x="0" y="0"/>
+          <a:ext cx="0" cy="0"/>
+          <a:chOff x="0" y="0"/>
+          <a:chExt cx="0" cy="0"/>
+        </a:xfrm>
+      </p:grpSpPr>
+      <p:sp>
+        <p:nvSpPr>
+          <p:cNvPr id="115" name="Shape 115"/>
+          <p:cNvSpPr txBox="1">
+            <a:spLocks noGrp="1"/>
+          </p:cNvSpPr>
+          <p:nvPr>
+            <p:ph type="title"/>
+          </p:nvPr>
+        </p:nvSpPr>
+        <p:spPr>
+          <a:xfrm>
+            <a:off x="62275" y="-124550"/>
+            <a:ext cx="8769900" cy="524700"/>
+          </a:xfrm>
+          <a:prstGeom prst="rect">
+            <a:avLst/>
+          </a:prstGeom>
+        </p:spPr>
+        <p:txBody>
+          <a:bodyPr spcFirstLastPara="1" wrap="square" lIns="91425" tIns="91425" rIns="91425" bIns="91425" anchor="t" anchorCtr="0">
+            <a:noAutofit/>
+          </a:bodyPr>
+          <a:lstStyle/>
+          <a:p>
+            <a:pPr marL="0" lvl="0" indent="0" rtl="0">
+              <a:spcBef>
+                <a:spcPts val="0"/>
+              </a:spcBef>
+              <a:spcAft>
+                <a:spcPts val="0"/>
+              </a:spcAft>
+              <a:buNone/>
+            </a:pPr>
+            <a:r>
+              <a:rPr lang="en-US" sz="4000" dirty="0"/>
+              <a:t>Studio Walkthrough</a:t>
+            </a:r>
+            <a:endParaRPr sz="4000" dirty="0"/>
+          </a:p>
+        </p:txBody>
+      </p:sp>
+      <p:sp>
+        <p:nvSpPr>
+          <p:cNvPr id="116" name="Shape 116"/>
+          <p:cNvSpPr txBox="1"/>
+          <p:nvPr/>
+        </p:nvSpPr>
+        <p:spPr>
+          <a:xfrm>
+            <a:off x="418050" y="658225"/>
+            <a:ext cx="8619300" cy="4349700"/>
+          </a:xfrm>
+          <a:prstGeom prst="rect">
+            <a:avLst/>
+          </a:prstGeom>
+          <a:noFill/>
+          <a:ln>
+            <a:noFill/>
+          </a:ln>
+        </p:spPr>
+        <p:txBody>
+          <a:bodyPr spcFirstLastPara="1" wrap="square" lIns="91425" tIns="91425" rIns="91425" bIns="91425" anchor="t" anchorCtr="0">
+            <a:noAutofit/>
+          </a:bodyPr>
+          <a:lstStyle/>
+          <a:p>
+            <a:pPr marL="457200" lvl="0" indent="-374650">
+              <a:lnSpc>
+                <a:spcPct val="115000"/>
+              </a:lnSpc>
+              <a:buClr>
+                <a:srgbClr val="FFFFFF"/>
+              </a:buClr>
+              <a:buSzPts val="2300"/>
+              <a:buChar char="●"/>
+            </a:pPr>
+            <a:r>
+              <a:rPr lang="en-US" sz="2400" dirty="0">
+                <a:solidFill>
+                  <a:schemeClr val="dk1"/>
+                </a:solidFill>
+              </a:rPr>
+              <a:t>Why are remote repositories important?</a:t>
+            </a:r>
+            <a:endParaRPr lang="en-US" sz="2300" dirty="0">
+              <a:solidFill>
+                <a:srgbClr val="FFFFFF"/>
+              </a:solidFill>
+            </a:endParaRPr>
+          </a:p>
+          <a:p>
+            <a:pPr marL="914400" lvl="1" indent="-374650">
+              <a:lnSpc>
+                <a:spcPct val="115000"/>
+              </a:lnSpc>
+              <a:buClr>
+                <a:srgbClr val="FFFFFF"/>
+              </a:buClr>
+              <a:buSzPts val="2300"/>
+              <a:buChar char="○"/>
+            </a:pPr>
+            <a:r>
+              <a:rPr lang="en-US" sz="2300" dirty="0">
+                <a:solidFill>
+                  <a:srgbClr val="FFFFFF"/>
+                </a:solidFill>
+              </a:rPr>
+              <a:t>Back-up</a:t>
+            </a:r>
+          </a:p>
+          <a:p>
+            <a:pPr marL="914400" lvl="1" indent="-374650">
+              <a:lnSpc>
+                <a:spcPct val="115000"/>
+              </a:lnSpc>
+              <a:buClr>
+                <a:srgbClr val="FFFFFF"/>
+              </a:buClr>
+              <a:buSzPts val="2300"/>
+              <a:buChar char="○"/>
+            </a:pPr>
+            <a:r>
+              <a:rPr lang="en-US" sz="2300" dirty="0">
+                <a:solidFill>
+                  <a:srgbClr val="FFFFFF"/>
+                </a:solidFill>
+              </a:rPr>
+              <a:t>COLLABORATION</a:t>
+            </a:r>
+          </a:p>
+          <a:p>
+            <a:pPr marL="457200" lvl="0" indent="-381000" rtl="0">
+              <a:lnSpc>
+                <a:spcPct val="100000"/>
+              </a:lnSpc>
+              <a:spcBef>
+                <a:spcPts val="0"/>
+              </a:spcBef>
+              <a:spcAft>
+                <a:spcPts val="0"/>
+              </a:spcAft>
+              <a:buClr>
+                <a:schemeClr val="dk1"/>
+              </a:buClr>
+              <a:buSzPts val="2400"/>
+              <a:buChar char="●"/>
+            </a:pPr>
+            <a:endParaRPr lang="en-US" sz="2400" dirty="0">
+              <a:solidFill>
+                <a:schemeClr val="dk1"/>
+              </a:solidFill>
+            </a:endParaRPr>
+          </a:p>
+          <a:p>
+            <a:pPr marL="457200" lvl="0" indent="-381000" rtl="0">
+              <a:lnSpc>
+                <a:spcPct val="100000"/>
+              </a:lnSpc>
+              <a:spcBef>
+                <a:spcPts val="0"/>
+              </a:spcBef>
+              <a:spcAft>
+                <a:spcPts val="0"/>
+              </a:spcAft>
+              <a:buClr>
+                <a:schemeClr val="dk1"/>
+              </a:buClr>
+              <a:buSzPts val="2400"/>
+              <a:buChar char="●"/>
+            </a:pPr>
+            <a:endParaRPr lang="en-US" sz="2400" dirty="0">
+              <a:solidFill>
+                <a:schemeClr val="dk1"/>
+              </a:solidFill>
+            </a:endParaRPr>
+          </a:p>
+          <a:p>
+            <a:pPr marL="457200" lvl="0" indent="-374650">
+              <a:lnSpc>
+                <a:spcPct val="115000"/>
+              </a:lnSpc>
+              <a:buClr>
+                <a:srgbClr val="FFFFFF"/>
+              </a:buClr>
+              <a:buSzPts val="2300"/>
+              <a:buChar char="●"/>
+            </a:pPr>
+            <a:r>
+              <a:rPr lang="en-US" sz="2400" dirty="0">
+                <a:solidFill>
+                  <a:schemeClr val="dk1"/>
+                </a:solidFill>
+              </a:rPr>
+              <a:t>Studio: Fireside-Story</a:t>
+            </a:r>
+            <a:endParaRPr lang="en-US" sz="2300" dirty="0">
+              <a:solidFill>
+                <a:srgbClr val="FFFFFF"/>
+              </a:solidFill>
+            </a:endParaRPr>
+          </a:p>
+          <a:p>
+            <a:pPr marL="914400" lvl="1" indent="-374650">
+              <a:lnSpc>
+                <a:spcPct val="115000"/>
+              </a:lnSpc>
+              <a:buClr>
+                <a:srgbClr val="FFFFFF"/>
+              </a:buClr>
+              <a:buSzPts val="2300"/>
+              <a:buChar char="○"/>
+            </a:pPr>
+            <a:r>
+              <a:rPr lang="en-US" sz="2300" dirty="0">
+                <a:solidFill>
+                  <a:srgbClr val="FFFFFF"/>
+                </a:solidFill>
+              </a:rPr>
+              <a:t>Work in pairs.</a:t>
+            </a:r>
+          </a:p>
+          <a:p>
+            <a:pPr marL="914400" lvl="1" indent="-374650">
+              <a:lnSpc>
+                <a:spcPct val="115000"/>
+              </a:lnSpc>
+              <a:buClr>
+                <a:srgbClr val="FFFFFF"/>
+              </a:buClr>
+              <a:buSzPts val="2300"/>
+              <a:buChar char="○"/>
+            </a:pPr>
+            <a:r>
+              <a:rPr lang="en-US" sz="2300" dirty="0">
+                <a:solidFill>
+                  <a:srgbClr val="FFFFFF"/>
+                </a:solidFill>
+              </a:rPr>
+              <a:t>Write story (HTML and CSS) one sentence at a time.</a:t>
+            </a:r>
+          </a:p>
+          <a:p>
+            <a:pPr marL="914400" lvl="1" indent="-374650">
+              <a:lnSpc>
+                <a:spcPct val="115000"/>
+              </a:lnSpc>
+              <a:buClr>
+                <a:srgbClr val="FFFFFF"/>
+              </a:buClr>
+              <a:buSzPts val="2300"/>
+              <a:buChar char="○"/>
+            </a:pPr>
+            <a:r>
+              <a:rPr lang="en-US" sz="2300" dirty="0">
+                <a:solidFill>
+                  <a:srgbClr val="FFFFFF"/>
+                </a:solidFill>
+              </a:rPr>
+              <a:t>Directions are well-written, so no “real” walkthrough</a:t>
+            </a:r>
+          </a:p>
+          <a:p>
+            <a:pPr marL="914400" lvl="1" indent="-374650">
+              <a:lnSpc>
+                <a:spcPct val="115000"/>
+              </a:lnSpc>
+              <a:buClr>
+                <a:srgbClr val="FFFFFF"/>
+              </a:buClr>
+              <a:buSzPts val="2300"/>
+              <a:buChar char="○"/>
+            </a:pPr>
+            <a:endParaRPr lang="en-US" sz="2300" dirty="0">
+              <a:solidFill>
+                <a:srgbClr val="FFFFFF"/>
+              </a:solidFill>
+            </a:endParaRPr>
+          </a:p>
+          <a:p>
+            <a:pPr marL="457200" lvl="0" indent="-381000" rtl="0">
+              <a:lnSpc>
+                <a:spcPct val="100000"/>
+              </a:lnSpc>
+              <a:spcBef>
+                <a:spcPts val="0"/>
+              </a:spcBef>
+              <a:spcAft>
+                <a:spcPts val="0"/>
+              </a:spcAft>
+              <a:buClr>
+                <a:schemeClr val="dk1"/>
+              </a:buClr>
+              <a:buSzPts val="2400"/>
+              <a:buChar char="●"/>
+            </a:pPr>
+            <a:endParaRPr lang="en-US" sz="2400" dirty="0">
+              <a:solidFill>
+                <a:schemeClr val="dk1"/>
+              </a:solidFill>
+            </a:endParaRPr>
+          </a:p>
+          <a:p>
+            <a:pPr marL="76200" lvl="1">
+              <a:buClr>
+                <a:schemeClr val="dk1"/>
+              </a:buClr>
+              <a:buSzPts val="2400"/>
+            </a:pPr>
+            <a:r>
+              <a:rPr lang="en-US" sz="2200" dirty="0">
+                <a:solidFill>
+                  <a:srgbClr val="FFFFFF"/>
+                </a:solidFill>
+              </a:rPr>
+              <a:t>	</a:t>
+            </a:r>
+            <a:endParaRPr sz="2200" dirty="0">
+              <a:solidFill>
+                <a:srgbClr val="FFFFFF"/>
+              </a:solidFill>
+            </a:endParaRPr>
+          </a:p>
+          <a:p>
+            <a:pPr marL="0" lvl="0" indent="0" rtl="0">
+              <a:lnSpc>
+                <a:spcPct val="115000"/>
+              </a:lnSpc>
+              <a:spcBef>
+                <a:spcPts val="0"/>
+              </a:spcBef>
+              <a:spcAft>
+                <a:spcPts val="0"/>
+              </a:spcAft>
+              <a:buNone/>
+            </a:pPr>
+            <a:endParaRPr sz="2200" dirty="0">
+              <a:solidFill>
+                <a:srgbClr val="FFFFFF"/>
+              </a:solidFill>
+            </a:endParaRPr>
+          </a:p>
+          <a:p>
+            <a:pPr marL="0" marR="0" lvl="0" indent="0" algn="l" rtl="0">
+              <a:lnSpc>
+                <a:spcPct val="100000"/>
+              </a:lnSpc>
+              <a:spcBef>
+                <a:spcPts val="0"/>
+              </a:spcBef>
+              <a:spcAft>
+                <a:spcPts val="0"/>
+              </a:spcAft>
+              <a:buNone/>
+            </a:pPr>
+            <a:endParaRPr sz="2400" dirty="0">
+              <a:solidFill>
+                <a:srgbClr val="FFFFFF"/>
+              </a:solidFill>
+            </a:endParaRPr>
+          </a:p>
+          <a:p>
+            <a:pPr marL="0" lvl="0" indent="0" rtl="0">
+              <a:spcBef>
+                <a:spcPts val="0"/>
+              </a:spcBef>
+              <a:spcAft>
+                <a:spcPts val="0"/>
+              </a:spcAft>
+              <a:buNone/>
+            </a:pPr>
+            <a:endParaRPr sz="2400" dirty="0">
+              <a:solidFill>
+                <a:srgbClr val="FFFFFF"/>
+              </a:solidFill>
+            </a:endParaRPr>
+          </a:p>
+        </p:txBody>
+      </p:sp>
+    </p:spTree>
+    <p:extLst>
+      <p:ext uri="{BB962C8B-B14F-4D97-AF65-F5344CB8AC3E}">
+        <p14:creationId xmlns:p14="http://schemas.microsoft.com/office/powerpoint/2010/main" val="3596875103"/>
+      </p:ext>
+    </p:extLst>
+  </p:cSld>
+  <p:clrMapOvr>
+    <a:masterClrMapping/>
+  </p:clrMapOvr>
+  <p:timing>
+    <p:tnLst>
+      <p:par>
+        <p:cTn id="1" dur="indefinite" restart="never" nodeType="tmRoot">
+          <p:childTnLst>
+            <p:seq concurrent="1" nextAc="seek">
+              <p:cTn id="2" dur="indefinite" nodeType="mainSeq">
+                <p:childTnLst>
+                  <p:par>
+                    <p:cTn id="3" fill="hold">
+                      <p:stCondLst>
+                        <p:cond delay="indefinite"/>
+                      </p:stCondLst>
+                      <p:childTnLst>
+                        <p:par>
+                          <p:cTn id="4" fill="hold">
+                            <p:stCondLst>
+                              <p:cond delay="0"/>
+                            </p:stCondLst>
+                            <p:childTnLst>
+                              <p:par>
+                                <p:cTn id="5" presetID="10" presetClass="entr" presetSubtype="0" fill="hold" nodeType="clickEffect">
+                                  <p:stCondLst>
+                                    <p:cond delay="0"/>
+                                  </p:stCondLst>
+                                  <p:childTnLst>
+                                    <p:set>
+                                      <p:cBhvr>
+                                        <p:cTn id="6" dur="1" fill="hold">
+                                          <p:stCondLst>
+                                            <p:cond delay="0"/>
+                                          </p:stCondLst>
+                                        </p:cTn>
+                                        <p:tgtEl>
+                                          <p:spTgt spid="116">
+                                            <p:txEl>
+                                              <p:pRg st="0" end="0"/>
+                                            </p:txEl>
+                                          </p:spTgt>
+                                        </p:tgtEl>
+                                        <p:attrNameLst>
+                                          <p:attrName>style.visibility</p:attrName>
+                                        </p:attrNameLst>
+                                      </p:cBhvr>
+                                      <p:to>
+                                        <p:strVal val="visible"/>
+                                      </p:to>
+                                    </p:set>
+                                    <p:animEffect transition="in" filter="fade">
+                                      <p:cBhvr>
+                                        <p:cTn id="7" dur="1000"/>
+                                        <p:tgtEl>
+                                          <p:spTgt spid="116">
+                                            <p:txEl>
+                                              <p:pRg st="0" end="0"/>
+                                            </p:txEl>
+                                          </p:spTgt>
+                                        </p:tgtEl>
+                                      </p:cBhvr>
+                                    </p:animEffect>
+                                  </p:childTnLst>
+                                </p:cTn>
+                              </p:par>
+                            </p:childTnLst>
+                          </p:cTn>
+                        </p:par>
+                      </p:childTnLst>
+                    </p:cTn>
+                  </p:par>
+                  <p:par>
+                    <p:cTn id="8" fill="hold">
+                      <p:stCondLst>
+                        <p:cond delay="indefinite"/>
+                      </p:stCondLst>
+                      <p:childTnLst>
+                        <p:par>
+                          <p:cTn id="9" fill="hold">
+                            <p:stCondLst>
+                              <p:cond delay="0"/>
+                            </p:stCondLst>
+                            <p:childTnLst>
+                              <p:par>
+                                <p:cTn id="10" presetID="10" presetClass="entr" presetSubtype="0" fill="hold" nodeType="clickEffect">
+                                  <p:stCondLst>
+                                    <p:cond delay="0"/>
+                                  </p:stCondLst>
+                                  <p:childTnLst>
+                                    <p:set>
+                                      <p:cBhvr>
+                                        <p:cTn id="11" dur="1" fill="hold">
+                                          <p:stCondLst>
+                                            <p:cond delay="0"/>
+                                          </p:stCondLst>
+                                        </p:cTn>
+                                        <p:tgtEl>
+                                          <p:spTgt spid="116">
+                                            <p:txEl>
+                                              <p:pRg st="1" end="1"/>
+                                            </p:txEl>
+                                          </p:spTgt>
+                                        </p:tgtEl>
+                                        <p:attrNameLst>
+                                          <p:attrName>style.visibility</p:attrName>
+                                        </p:attrNameLst>
+                                      </p:cBhvr>
+                                      <p:to>
+                                        <p:strVal val="visible"/>
+                                      </p:to>
+                                    </p:set>
+                                    <p:animEffect transition="in" filter="fade">
+                                      <p:cBhvr>
+                                        <p:cTn id="12" dur="1000"/>
+                                        <p:tgtEl>
+                                          <p:spTgt spid="116">
+                                            <p:txEl>
+                                              <p:pRg st="1" end="1"/>
+                                            </p:txEl>
+                                          </p:spTgt>
+                                        </p:tgtEl>
+                                      </p:cBhvr>
+                                    </p:animEffect>
+                                  </p:childTnLst>
+                                </p:cTn>
+                              </p:par>
+                            </p:childTnLst>
+                          </p:cTn>
+                        </p:par>
+                      </p:childTnLst>
+                    </p:cTn>
+                  </p:par>
+                  <p:par>
+                    <p:cTn id="13" fill="hold">
+                      <p:stCondLst>
+                        <p:cond delay="indefinite"/>
+                      </p:stCondLst>
+                      <p:childTnLst>
+                        <p:par>
+                          <p:cTn id="14" fill="hold">
+                            <p:stCondLst>
+                              <p:cond delay="0"/>
+                            </p:stCondLst>
+                            <p:childTnLst>
+                              <p:par>
+                                <p:cTn id="15" presetID="10" presetClass="entr" presetSubtype="0" fill="hold" nodeType="clickEffect">
+                                  <p:stCondLst>
+                                    <p:cond delay="0"/>
+                                  </p:stCondLst>
+                                  <p:childTnLst>
+                                    <p:set>
+                                      <p:cBhvr>
+                                        <p:cTn id="16" dur="1" fill="hold">
+                                          <p:stCondLst>
+                                            <p:cond delay="0"/>
+                                          </p:stCondLst>
+                                        </p:cTn>
+                                        <p:tgtEl>
+                                          <p:spTgt spid="116">
+                                            <p:txEl>
+                                              <p:pRg st="2" end="2"/>
+                                            </p:txEl>
+                                          </p:spTgt>
+                                        </p:tgtEl>
+                                        <p:attrNameLst>
+                                          <p:attrName>style.visibility</p:attrName>
+                                        </p:attrNameLst>
+                                      </p:cBhvr>
+                                      <p:to>
+                                        <p:strVal val="visible"/>
+                                      </p:to>
+                                    </p:set>
+                                    <p:animEffect transition="in" filter="fade">
+                                      <p:cBhvr>
+                                        <p:cTn id="17" dur="1000"/>
+                                        <p:tgtEl>
+                                          <p:spTgt spid="116">
+                                            <p:txEl>
+                                              <p:pRg st="2" end="2"/>
+                                            </p:txEl>
+                                          </p:spTgt>
+                                        </p:tgtEl>
+                                      </p:cBhvr>
+                                    </p:animEffect>
+                                  </p:childTnLst>
+                                </p:cTn>
+                              </p:par>
+                            </p:childTnLst>
+                          </p:cTn>
+                        </p:par>
+                      </p:childTnLst>
+                    </p:cTn>
+                  </p:par>
+                  <p:par>
+                    <p:cTn id="18" fill="hold">
+                      <p:stCondLst>
+                        <p:cond delay="indefinite"/>
+                      </p:stCondLst>
+                      <p:childTnLst>
+                        <p:par>
+                          <p:cTn id="19" fill="hold">
+                            <p:stCondLst>
+                              <p:cond delay="0"/>
+                            </p:stCondLst>
+                            <p:childTnLst>
+                              <p:par>
+                                <p:cTn id="20" presetID="10" presetClass="entr" presetSubtype="0" fill="hold" nodeType="clickEffect">
+                                  <p:stCondLst>
+                                    <p:cond delay="0"/>
+                                  </p:stCondLst>
+                                  <p:childTnLst>
+                                    <p:set>
+                                      <p:cBhvr>
+                                        <p:cTn id="21" dur="1" fill="hold">
+                                          <p:stCondLst>
+                                            <p:cond delay="0"/>
+                                          </p:stCondLst>
+                                        </p:cTn>
+                                        <p:tgtEl>
+                                          <p:spTgt spid="116">
+                                            <p:txEl>
+                                              <p:pRg st="5" end="5"/>
+                                            </p:txEl>
+                                          </p:spTgt>
+                                        </p:tgtEl>
+                                        <p:attrNameLst>
+                                          <p:attrName>style.visibility</p:attrName>
+                                        </p:attrNameLst>
+                                      </p:cBhvr>
+                                      <p:to>
+                                        <p:strVal val="visible"/>
+                                      </p:to>
+                                    </p:set>
+                                    <p:animEffect transition="in" filter="fade">
+                                      <p:cBhvr>
+                                        <p:cTn id="22" dur="1000"/>
+                                        <p:tgtEl>
+                                          <p:spTgt spid="116">
+                                            <p:txEl>
+                                              <p:pRg st="5" end="5"/>
+                                            </p:txEl>
+                                          </p:spTgt>
+                                        </p:tgtEl>
+                                      </p:cBhvr>
+                                    </p:animEffect>
+                                  </p:childTnLst>
+                                </p:cTn>
+                              </p:par>
+                            </p:childTnLst>
+                          </p:cTn>
+                        </p:par>
+                      </p:childTnLst>
+                    </p:cTn>
+                  </p:par>
+                  <p:par>
+                    <p:cTn id="23" fill="hold">
+                      <p:stCondLst>
+                        <p:cond delay="indefinite"/>
+                      </p:stCondLst>
+                      <p:childTnLst>
+                        <p:par>
+                          <p:cTn id="24" fill="hold">
+                            <p:stCondLst>
+                              <p:cond delay="0"/>
+                            </p:stCondLst>
+                            <p:childTnLst>
+                              <p:par>
+                                <p:cTn id="25" presetID="10" presetClass="entr" presetSubtype="0" fill="hold" nodeType="clickEffect">
+                                  <p:stCondLst>
+                                    <p:cond delay="0"/>
+                                  </p:stCondLst>
+                                  <p:childTnLst>
+                                    <p:set>
+                                      <p:cBhvr>
+                                        <p:cTn id="26" dur="1" fill="hold">
+                                          <p:stCondLst>
+                                            <p:cond delay="0"/>
+                                          </p:stCondLst>
+                                        </p:cTn>
+                                        <p:tgtEl>
+                                          <p:spTgt spid="116">
+                                            <p:txEl>
+                                              <p:pRg st="6" end="6"/>
+                                            </p:txEl>
+                                          </p:spTgt>
+                                        </p:tgtEl>
+                                        <p:attrNameLst>
+                                          <p:attrName>style.visibility</p:attrName>
+                                        </p:attrNameLst>
+                                      </p:cBhvr>
+                                      <p:to>
+                                        <p:strVal val="visible"/>
+                                      </p:to>
+                                    </p:set>
+                                    <p:animEffect transition="in" filter="fade">
+                                      <p:cBhvr>
+                                        <p:cTn id="27" dur="1000"/>
+                                        <p:tgtEl>
+                                          <p:spTgt spid="116">
+                                            <p:txEl>
+                                              <p:pRg st="6" end="6"/>
+                                            </p:txEl>
+                                          </p:spTgt>
+                                        </p:tgtEl>
+                                      </p:cBhvr>
+                                    </p:animEffect>
+                                  </p:childTnLst>
+                                </p:cTn>
+                              </p:par>
+                            </p:childTnLst>
+                          </p:cTn>
+                        </p:par>
+                      </p:childTnLst>
+                    </p:cTn>
+                  </p:par>
+                  <p:par>
+                    <p:cTn id="28" fill="hold">
+                      <p:stCondLst>
+                        <p:cond delay="indefinite"/>
+                      </p:stCondLst>
+                      <p:childTnLst>
+                        <p:par>
+                          <p:cTn id="29" fill="hold">
+                            <p:stCondLst>
+                              <p:cond delay="0"/>
+                            </p:stCondLst>
+                            <p:childTnLst>
+                              <p:par>
+                                <p:cTn id="30" presetID="10" presetClass="entr" presetSubtype="0" fill="hold" nodeType="clickEffect">
+                                  <p:stCondLst>
+                                    <p:cond delay="0"/>
+                                  </p:stCondLst>
+                                  <p:childTnLst>
+                                    <p:set>
+                                      <p:cBhvr>
+                                        <p:cTn id="31" dur="1" fill="hold">
+                                          <p:stCondLst>
+                                            <p:cond delay="0"/>
+                                          </p:stCondLst>
+                                        </p:cTn>
+                                        <p:tgtEl>
+                                          <p:spTgt spid="116">
+                                            <p:txEl>
+                                              <p:pRg st="7" end="7"/>
+                                            </p:txEl>
+                                          </p:spTgt>
+                                        </p:tgtEl>
+                                        <p:attrNameLst>
+                                          <p:attrName>style.visibility</p:attrName>
+                                        </p:attrNameLst>
+                                      </p:cBhvr>
+                                      <p:to>
+                                        <p:strVal val="visible"/>
+                                      </p:to>
+                                    </p:set>
+                                    <p:animEffect transition="in" filter="fade">
+                                      <p:cBhvr>
+                                        <p:cTn id="32" dur="1000"/>
+                                        <p:tgtEl>
+                                          <p:spTgt spid="116">
+                                            <p:txEl>
+                                              <p:pRg st="7" end="7"/>
+                                            </p:txEl>
+                                          </p:spTgt>
+                                        </p:tgtEl>
+                                      </p:cBhvr>
+                                    </p:animEffect>
+                                  </p:childTnLst>
+                                </p:cTn>
+                              </p:par>
+                            </p:childTnLst>
+                          </p:cTn>
+                        </p:par>
+                      </p:childTnLst>
+                    </p:cTn>
+                  </p:par>
+                  <p:par>
+                    <p:cTn id="33" fill="hold">
+                      <p:stCondLst>
+                        <p:cond delay="indefinite"/>
+                      </p:stCondLst>
+                      <p:childTnLst>
+                        <p:par>
+                          <p:cTn id="34" fill="hold">
+                            <p:stCondLst>
+                              <p:cond delay="0"/>
+                            </p:stCondLst>
+                            <p:childTnLst>
+                              <p:par>
+                                <p:cTn id="35" presetID="10" presetClass="entr" presetSubtype="0" fill="hold" nodeType="clickEffect">
+                                  <p:stCondLst>
+                                    <p:cond delay="0"/>
+                                  </p:stCondLst>
+                                  <p:childTnLst>
+                                    <p:set>
+                                      <p:cBhvr>
+                                        <p:cTn id="36" dur="1" fill="hold">
+                                          <p:stCondLst>
+                                            <p:cond delay="0"/>
+                                          </p:stCondLst>
+                                        </p:cTn>
+                                        <p:tgtEl>
+                                          <p:spTgt spid="116">
+                                            <p:txEl>
+                                              <p:pRg st="8" end="8"/>
+                                            </p:txEl>
+                                          </p:spTgt>
+                                        </p:tgtEl>
+                                        <p:attrNameLst>
+                                          <p:attrName>style.visibility</p:attrName>
+                                        </p:attrNameLst>
+                                      </p:cBhvr>
+                                      <p:to>
+                                        <p:strVal val="visible"/>
+                                      </p:to>
+                                    </p:set>
+                                    <p:animEffect transition="in" filter="fade">
+                                      <p:cBhvr>
+                                        <p:cTn id="37" dur="1000"/>
+                                        <p:tgtEl>
+                                          <p:spTgt spid="116">
+                                            <p:txEl>
+                                              <p:pRg st="8" end="8"/>
+                                            </p:txEl>
+                                          </p:spTgt>
+                                        </p:tgtEl>
+                                      </p:cBhvr>
+                                    </p:animEffect>
+                                  </p:childTnLst>
+                                </p:cTn>
+                              </p:par>
+                            </p:childTnLst>
+                          </p:cTn>
+                        </p:par>
+                      </p:childTnLst>
+                    </p:cTn>
+                  </p:par>
+                  <p:par>
+                    <p:cTn id="38" fill="hold">
+                      <p:stCondLst>
+                        <p:cond delay="indefinite"/>
+                      </p:stCondLst>
+                      <p:childTnLst>
+                        <p:par>
+                          <p:cTn id="39" fill="hold">
+                            <p:stCondLst>
+                              <p:cond delay="0"/>
+                            </p:stCondLst>
+                            <p:childTnLst>
+                              <p:par>
+                                <p:cTn id="40" presetID="10" presetClass="entr" presetSubtype="0" fill="hold" nodeType="clickEffect">
+                                  <p:stCondLst>
+                                    <p:cond delay="0"/>
+                                  </p:stCondLst>
+                                  <p:childTnLst>
+                                    <p:set>
+                                      <p:cBhvr>
+                                        <p:cTn id="41" dur="1" fill="hold">
+                                          <p:stCondLst>
+                                            <p:cond delay="0"/>
+                                          </p:stCondLst>
+                                        </p:cTn>
+                                        <p:tgtEl>
+                                          <p:spTgt spid="116">
+                                            <p:txEl>
+                                              <p:pRg st="11" end="11"/>
+                                            </p:txEl>
+                                          </p:spTgt>
+                                        </p:tgtEl>
+                                        <p:attrNameLst>
+                                          <p:attrName>style.visibility</p:attrName>
+                                        </p:attrNameLst>
+                                      </p:cBhvr>
+                                      <p:to>
+                                        <p:strVal val="visible"/>
+                                      </p:to>
+                                    </p:set>
+                                    <p:animEffect transition="in" filter="fade">
+                                      <p:cBhvr>
+                                        <p:cTn id="42" dur="1000"/>
+                                        <p:tgtEl>
+                                          <p:spTgt spid="116">
+                                            <p:txEl>
+                                              <p:pRg st="11" end="11"/>
                                             </p:txEl>
                                           </p:spTgt>
                                         </p:tgtEl>
